--- a/PPT/团队与流程.pptx
+++ b/PPT/团队与流程.pptx
@@ -10,16 +10,18 @@
   <p:sldIdLst>
     <p:sldId id="259" r:id="rId3"/>
     <p:sldId id="261" r:id="rId5"/>
-    <p:sldId id="260" r:id="rId6"/>
+    <p:sldId id="280" r:id="rId6"/>
     <p:sldId id="271" r:id="rId7"/>
-    <p:sldId id="269" r:id="rId8"/>
-    <p:sldId id="262" r:id="rId9"/>
-    <p:sldId id="263" r:id="rId10"/>
-    <p:sldId id="264" r:id="rId11"/>
-    <p:sldId id="265" r:id="rId12"/>
-    <p:sldId id="266" r:id="rId13"/>
-    <p:sldId id="267" r:id="rId14"/>
-    <p:sldId id="268" r:id="rId15"/>
+    <p:sldId id="260" r:id="rId8"/>
+    <p:sldId id="281" r:id="rId9"/>
+    <p:sldId id="262" r:id="rId10"/>
+    <p:sldId id="269" r:id="rId11"/>
+    <p:sldId id="263" r:id="rId12"/>
+    <p:sldId id="264" r:id="rId13"/>
+    <p:sldId id="265" r:id="rId14"/>
+    <p:sldId id="266" r:id="rId15"/>
+    <p:sldId id="267" r:id="rId16"/>
+    <p:sldId id="268" r:id="rId17"/>
   </p:sldIdLst>
   <p:sldSz cx="12192000" cy="6858000"/>
   <p:notesSz cx="7103745" cy="10234295"/>
@@ -780,6 +782,162 @@
 </p:notes>
 </file>
 
+<file path=ppt/notesSlides/notesSlide13.xml><?xml version="1.0" encoding="utf-8"?>
+<p:notes xmlns:a="http://schemas.openxmlformats.org/drawingml/2006/main" xmlns:r="http://schemas.openxmlformats.org/officeDocument/2006/relationships" xmlns:p="http://schemas.openxmlformats.org/presentationml/2006/main">
+  <p:cSld>
+    <p:spTree>
+      <p:nvGrpSpPr>
+        <p:cNvPr id="1" name=""/>
+        <p:cNvGrpSpPr/>
+        <p:nvPr/>
+      </p:nvGrpSpPr>
+      <p:grpSpPr>
+        <a:xfrm>
+          <a:off x="0" y="0"/>
+          <a:ext cx="0" cy="0"/>
+          <a:chOff x="0" y="0"/>
+          <a:chExt cx="0" cy="0"/>
+        </a:xfrm>
+      </p:grpSpPr>
+      <p:sp>
+        <p:nvSpPr>
+          <p:cNvPr id="2" name="幻灯片图像占位符 1"/>
+          <p:cNvSpPr>
+            <a:spLocks noGrp="1" noRot="1" noChangeAspect="1"/>
+          </p:cNvSpPr>
+          <p:nvPr>
+            <p:ph type="sldImg"/>
+          </p:nvPr>
+        </p:nvSpPr>
+        <p:spPr/>
+      </p:sp>
+      <p:sp>
+        <p:nvSpPr>
+          <p:cNvPr id="3" name="备注占位符 2"/>
+          <p:cNvSpPr>
+            <a:spLocks noGrp="1"/>
+          </p:cNvSpPr>
+          <p:nvPr>
+            <p:ph type="body" idx="1"/>
+          </p:nvPr>
+        </p:nvSpPr>
+        <p:spPr/>
+        <p:txBody>
+          <a:bodyPr/>
+          <a:lstStyle/>
+          <a:p>
+            <a:endParaRPr lang="zh-CN" altLang="en-US"/>
+          </a:p>
+        </p:txBody>
+      </p:sp>
+      <p:sp>
+        <p:nvSpPr>
+          <p:cNvPr id="4" name="灯片编号占位符 3"/>
+          <p:cNvSpPr>
+            <a:spLocks noGrp="1"/>
+          </p:cNvSpPr>
+          <p:nvPr>
+            <p:ph type="sldNum" sz="quarter" idx="10"/>
+          </p:nvPr>
+        </p:nvSpPr>
+        <p:spPr/>
+        <p:txBody>
+          <a:bodyPr/>
+          <a:lstStyle/>
+          <a:p>
+            <a:fld id="{F879F835-70CD-4EFB-9FF6-5D2669C9987B}" type="slidenum">
+              <a:rPr lang="zh-CN" altLang="en-US" smtClean="0"/>
+            </a:fld>
+            <a:endParaRPr lang="zh-CN" altLang="en-US"/>
+          </a:p>
+        </p:txBody>
+      </p:sp>
+    </p:spTree>
+  </p:cSld>
+  <p:clrMapOvr>
+    <a:masterClrMapping/>
+  </p:clrMapOvr>
+</p:notes>
+</file>
+
+<file path=ppt/notesSlides/notesSlide14.xml><?xml version="1.0" encoding="utf-8"?>
+<p:notes xmlns:a="http://schemas.openxmlformats.org/drawingml/2006/main" xmlns:r="http://schemas.openxmlformats.org/officeDocument/2006/relationships" xmlns:p="http://schemas.openxmlformats.org/presentationml/2006/main">
+  <p:cSld>
+    <p:spTree>
+      <p:nvGrpSpPr>
+        <p:cNvPr id="1" name=""/>
+        <p:cNvGrpSpPr/>
+        <p:nvPr/>
+      </p:nvGrpSpPr>
+      <p:grpSpPr>
+        <a:xfrm>
+          <a:off x="0" y="0"/>
+          <a:ext cx="0" cy="0"/>
+          <a:chOff x="0" y="0"/>
+          <a:chExt cx="0" cy="0"/>
+        </a:xfrm>
+      </p:grpSpPr>
+      <p:sp>
+        <p:nvSpPr>
+          <p:cNvPr id="2" name="幻灯片图像占位符 1"/>
+          <p:cNvSpPr>
+            <a:spLocks noGrp="1" noRot="1" noChangeAspect="1"/>
+          </p:cNvSpPr>
+          <p:nvPr>
+            <p:ph type="sldImg"/>
+          </p:nvPr>
+        </p:nvSpPr>
+        <p:spPr/>
+      </p:sp>
+      <p:sp>
+        <p:nvSpPr>
+          <p:cNvPr id="3" name="备注占位符 2"/>
+          <p:cNvSpPr>
+            <a:spLocks noGrp="1"/>
+          </p:cNvSpPr>
+          <p:nvPr>
+            <p:ph type="body" idx="1"/>
+          </p:nvPr>
+        </p:nvSpPr>
+        <p:spPr/>
+        <p:txBody>
+          <a:bodyPr/>
+          <a:lstStyle/>
+          <a:p>
+            <a:endParaRPr lang="zh-CN" altLang="en-US"/>
+          </a:p>
+        </p:txBody>
+      </p:sp>
+      <p:sp>
+        <p:nvSpPr>
+          <p:cNvPr id="4" name="灯片编号占位符 3"/>
+          <p:cNvSpPr>
+            <a:spLocks noGrp="1"/>
+          </p:cNvSpPr>
+          <p:nvPr>
+            <p:ph type="sldNum" sz="quarter" idx="10"/>
+          </p:nvPr>
+        </p:nvSpPr>
+        <p:spPr/>
+        <p:txBody>
+          <a:bodyPr/>
+          <a:lstStyle/>
+          <a:p>
+            <a:fld id="{F879F835-70CD-4EFB-9FF6-5D2669C9987B}" type="slidenum">
+              <a:rPr lang="zh-CN" altLang="en-US" smtClean="0"/>
+            </a:fld>
+            <a:endParaRPr lang="zh-CN" altLang="en-US"/>
+          </a:p>
+        </p:txBody>
+      </p:sp>
+    </p:spTree>
+  </p:cSld>
+  <p:clrMapOvr>
+    <a:masterClrMapping/>
+  </p:clrMapOvr>
+</p:notes>
+</file>
+
 <file path=ppt/notesSlides/notesSlide2.xml><?xml version="1.0" encoding="utf-8"?>
 <p:notes xmlns:a="http://schemas.openxmlformats.org/drawingml/2006/main" xmlns:r="http://schemas.openxmlformats.org/officeDocument/2006/relationships" xmlns:p="http://schemas.openxmlformats.org/presentationml/2006/main">
   <p:cSld>
@@ -1058,7 +1216,7 @@
           <a:bodyPr/>
           <a:lstStyle/>
           <a:p>
-            <a:endParaRPr lang="zh-CN" altLang="en-US" dirty="0"/>
+            <a:endParaRPr lang="zh-CN" altLang="en-US"/>
           </a:p>
         </p:txBody>
       </p:sp>
@@ -1077,7 +1235,7 @@
           <a:bodyPr/>
           <a:lstStyle/>
           <a:p>
-            <a:fld id="{AB84004F-6F03-4AFA-B09A-578299D144B6}" type="slidenum">
+            <a:fld id="{F879F835-70CD-4EFB-9FF6-5D2669C9987B}" type="slidenum">
               <a:rPr lang="zh-CN" altLang="en-US" smtClean="0"/>
             </a:fld>
             <a:endParaRPr lang="zh-CN" altLang="en-US"/>
@@ -1292,7 +1450,7 @@
           <a:bodyPr/>
           <a:lstStyle/>
           <a:p>
-            <a:endParaRPr lang="zh-CN" altLang="en-US"/>
+            <a:endParaRPr lang="zh-CN" altLang="en-US" dirty="0"/>
           </a:p>
         </p:txBody>
       </p:sp>
@@ -1311,7 +1469,7 @@
           <a:bodyPr/>
           <a:lstStyle/>
           <a:p>
-            <a:fld id="{F879F835-70CD-4EFB-9FF6-5D2669C9987B}" type="slidenum">
+            <a:fld id="{AB84004F-6F03-4AFA-B09A-578299D144B6}" type="slidenum">
               <a:rPr lang="zh-CN" altLang="en-US" smtClean="0"/>
             </a:fld>
             <a:endParaRPr lang="zh-CN" altLang="en-US"/>
@@ -4741,6 +4899,1021 @@
           <a:chExt cx="0" cy="0"/>
         </a:xfrm>
       </p:grpSpPr>
+      <p:cxnSp>
+        <p:nvCxnSpPr>
+          <p:cNvPr id="10" name="直接连接符 9"/>
+          <p:cNvCxnSpPr/>
+          <p:nvPr>
+            <p:custDataLst>
+              <p:tags r:id="rId1"/>
+            </p:custDataLst>
+          </p:nvPr>
+        </p:nvCxnSpPr>
+        <p:spPr>
+          <a:xfrm>
+            <a:off x="6088743" y="2352615"/>
+            <a:ext cx="7257" cy="4490871"/>
+          </a:xfrm>
+          <a:prstGeom prst="line">
+            <a:avLst/>
+          </a:prstGeom>
+          <a:ln w="9525">
+            <a:solidFill>
+              <a:schemeClr val="accent2"/>
+            </a:solidFill>
+          </a:ln>
+        </p:spPr>
+        <p:style>
+          <a:lnRef idx="1">
+            <a:schemeClr val="accent1"/>
+          </a:lnRef>
+          <a:fillRef idx="0">
+            <a:schemeClr val="accent1"/>
+          </a:fillRef>
+          <a:effectRef idx="0">
+            <a:schemeClr val="accent1"/>
+          </a:effectRef>
+          <a:fontRef idx="minor">
+            <a:schemeClr val="tx1"/>
+          </a:fontRef>
+        </p:style>
+      </p:cxnSp>
+      <p:sp>
+        <p:nvSpPr>
+          <p:cNvPr id="15" name="椭圆 14"/>
+          <p:cNvSpPr/>
+          <p:nvPr>
+            <p:custDataLst>
+              <p:tags r:id="rId2"/>
+            </p:custDataLst>
+          </p:nvPr>
+        </p:nvSpPr>
+        <p:spPr>
+          <a:xfrm>
+            <a:off x="5998160" y="2149415"/>
+            <a:ext cx="203200" cy="203200"/>
+          </a:xfrm>
+          <a:prstGeom prst="ellipse">
+            <a:avLst/>
+          </a:prstGeom>
+          <a:solidFill>
+            <a:schemeClr val="accent1">
+              <a:lumMod val="75000"/>
+            </a:schemeClr>
+          </a:solidFill>
+          <a:ln>
+            <a:noFill/>
+          </a:ln>
+        </p:spPr>
+        <p:style>
+          <a:lnRef idx="2">
+            <a:schemeClr val="accent1">
+              <a:shade val="50000"/>
+            </a:schemeClr>
+          </a:lnRef>
+          <a:fillRef idx="1">
+            <a:schemeClr val="accent1"/>
+          </a:fillRef>
+          <a:effectRef idx="0">
+            <a:schemeClr val="accent1"/>
+          </a:effectRef>
+          <a:fontRef idx="minor">
+            <a:schemeClr val="lt1"/>
+          </a:fontRef>
+        </p:style>
+        <p:txBody>
+          <a:bodyPr rtlCol="0" anchor="ctr"/>
+          <a:lstStyle/>
+          <a:p>
+            <a:pPr algn="ctr">
+              <a:lnSpc>
+                <a:spcPct val="130000"/>
+              </a:lnSpc>
+            </a:pPr>
+            <a:endParaRPr lang="zh-CN" altLang="en-US">
+              <a:sym typeface="+mn-lt"/>
+            </a:endParaRPr>
+          </a:p>
+        </p:txBody>
+      </p:sp>
+      <p:sp>
+        <p:nvSpPr>
+          <p:cNvPr id="17" name="椭圆 16"/>
+          <p:cNvSpPr/>
+          <p:nvPr>
+            <p:custDataLst>
+              <p:tags r:id="rId3"/>
+            </p:custDataLst>
+          </p:nvPr>
+        </p:nvSpPr>
+        <p:spPr>
+          <a:xfrm>
+            <a:off x="6009177" y="4876628"/>
+            <a:ext cx="203200" cy="203200"/>
+          </a:xfrm>
+          <a:prstGeom prst="ellipse">
+            <a:avLst/>
+          </a:prstGeom>
+          <a:solidFill>
+            <a:schemeClr val="accent1">
+              <a:lumMod val="75000"/>
+            </a:schemeClr>
+          </a:solidFill>
+          <a:ln>
+            <a:noFill/>
+          </a:ln>
+        </p:spPr>
+        <p:style>
+          <a:lnRef idx="2">
+            <a:schemeClr val="accent1">
+              <a:shade val="50000"/>
+            </a:schemeClr>
+          </a:lnRef>
+          <a:fillRef idx="1">
+            <a:schemeClr val="accent1"/>
+          </a:fillRef>
+          <a:effectRef idx="0">
+            <a:schemeClr val="accent1"/>
+          </a:effectRef>
+          <a:fontRef idx="minor">
+            <a:schemeClr val="lt1"/>
+          </a:fontRef>
+        </p:style>
+        <p:txBody>
+          <a:bodyPr rtlCol="0" anchor="ctr"/>
+          <a:lstStyle/>
+          <a:p>
+            <a:pPr algn="ctr">
+              <a:lnSpc>
+                <a:spcPct val="130000"/>
+              </a:lnSpc>
+            </a:pPr>
+            <a:endParaRPr lang="zh-CN" altLang="en-US">
+              <a:sym typeface="+mn-lt"/>
+            </a:endParaRPr>
+          </a:p>
+        </p:txBody>
+      </p:sp>
+      <p:sp>
+        <p:nvSpPr>
+          <p:cNvPr id="2" name="文本框 1"/>
+          <p:cNvSpPr txBox="1"/>
+          <p:nvPr>
+            <p:custDataLst>
+              <p:tags r:id="rId4"/>
+            </p:custDataLst>
+          </p:nvPr>
+        </p:nvSpPr>
+        <p:spPr>
+          <a:xfrm>
+            <a:off x="4259137" y="1538578"/>
+            <a:ext cx="918835" cy="522451"/>
+          </a:xfrm>
+          <a:prstGeom prst="rect">
+            <a:avLst/>
+          </a:prstGeom>
+        </p:spPr>
+        <p:txBody>
+          <a:bodyPr wrap="square">
+            <a:normAutofit fontScale="75000" lnSpcReduction="10000"/>
+          </a:bodyPr>
+          <a:lstStyle>
+            <a:defPPr>
+              <a:defRPr lang="zh-CN"/>
+            </a:defPPr>
+            <a:lvl1pPr algn="ctr">
+              <a:lnSpc>
+                <a:spcPct val="130000"/>
+              </a:lnSpc>
+              <a:defRPr sz="2800">
+                <a:solidFill>
+                  <a:schemeClr val="tx2"/>
+                </a:solidFill>
+                <a:latin typeface="Impact" panose="020B0806030902050204" pitchFamily="34" charset="0"/>
+                <a:cs typeface="+mn-ea"/>
+              </a:defRPr>
+            </a:lvl1pPr>
+          </a:lstStyle>
+          <a:p>
+            <a:r>
+              <a:rPr lang="en-US" altLang="zh-CN" dirty="0">
+                <a:latin typeface="+mn-lt"/>
+                <a:cs typeface="+mn-cs"/>
+              </a:rPr>
+              <a:t>2015</a:t>
+            </a:r>
+            <a:endParaRPr lang="zh-CN" altLang="en-US" dirty="0">
+              <a:latin typeface="+mn-lt"/>
+              <a:cs typeface="+mn-cs"/>
+            </a:endParaRPr>
+          </a:p>
+        </p:txBody>
+      </p:sp>
+      <p:sp>
+        <p:nvSpPr>
+          <p:cNvPr id="4" name="文本框 3"/>
+          <p:cNvSpPr txBox="1"/>
+          <p:nvPr>
+            <p:custDataLst>
+              <p:tags r:id="rId5"/>
+            </p:custDataLst>
+          </p:nvPr>
+        </p:nvSpPr>
+        <p:spPr>
+          <a:xfrm>
+            <a:off x="7173069" y="4287566"/>
+            <a:ext cx="899760" cy="479857"/>
+          </a:xfrm>
+          <a:prstGeom prst="rect">
+            <a:avLst/>
+          </a:prstGeom>
+        </p:spPr>
+        <p:txBody>
+          <a:bodyPr wrap="square">
+            <a:normAutofit fontScale="75000" lnSpcReduction="20000"/>
+          </a:bodyPr>
+          <a:lstStyle>
+            <a:defPPr>
+              <a:defRPr lang="zh-CN"/>
+            </a:defPPr>
+            <a:lvl1pPr algn="ctr">
+              <a:lnSpc>
+                <a:spcPct val="130000"/>
+              </a:lnSpc>
+              <a:defRPr sz="2800">
+                <a:solidFill>
+                  <a:schemeClr val="tx2"/>
+                </a:solidFill>
+                <a:latin typeface="Impact" panose="020B0806030902050204" pitchFamily="34" charset="0"/>
+                <a:cs typeface="+mn-ea"/>
+              </a:defRPr>
+            </a:lvl1pPr>
+          </a:lstStyle>
+          <a:p>
+            <a:r>
+              <a:rPr lang="en-US" altLang="zh-CN" dirty="0">
+                <a:latin typeface="+mn-lt"/>
+                <a:cs typeface="+mn-cs"/>
+              </a:rPr>
+              <a:t>2016</a:t>
+            </a:r>
+            <a:endParaRPr lang="zh-CN" altLang="en-US" dirty="0">
+              <a:latin typeface="+mn-lt"/>
+              <a:cs typeface="+mn-cs"/>
+            </a:endParaRPr>
+          </a:p>
+        </p:txBody>
+      </p:sp>
+      <p:sp>
+        <p:nvSpPr>
+          <p:cNvPr id="6" name="文本框 5"/>
+          <p:cNvSpPr txBox="1"/>
+          <p:nvPr>
+            <p:custDataLst>
+              <p:tags r:id="rId6"/>
+            </p:custDataLst>
+          </p:nvPr>
+        </p:nvSpPr>
+        <p:spPr>
+          <a:xfrm>
+            <a:off x="1820954" y="2123661"/>
+            <a:ext cx="3365081" cy="1019253"/>
+          </a:xfrm>
+          <a:prstGeom prst="rect">
+            <a:avLst/>
+          </a:prstGeom>
+        </p:spPr>
+        <p:txBody>
+          <a:bodyPr wrap="square">
+            <a:normAutofit lnSpcReduction="10000"/>
+          </a:bodyPr>
+          <a:lstStyle>
+            <a:defPPr>
+              <a:defRPr lang="zh-CN"/>
+            </a:defPPr>
+            <a:lvl1pPr algn="r">
+              <a:lnSpc>
+                <a:spcPct val="130000"/>
+              </a:lnSpc>
+              <a:defRPr sz="1600">
+                <a:solidFill>
+                  <a:schemeClr val="tx1">
+                    <a:lumMod val="50000"/>
+                    <a:lumOff val="50000"/>
+                  </a:schemeClr>
+                </a:solidFill>
+                <a:cs typeface="+mn-ea"/>
+              </a:defRPr>
+            </a:lvl1pPr>
+          </a:lstStyle>
+          <a:p>
+            <a:r>
+              <a:rPr lang="en-US" altLang="zh-CN">
+                <a:cs typeface="+mn-cs"/>
+              </a:rPr>
+              <a:t>Lorem ipsum dolor sit amet, consectetur adipisicing elit.Lorem ipsum dolor sit amet,</a:t>
+            </a:r>
+            <a:endParaRPr lang="en-US" altLang="zh-CN">
+              <a:cs typeface="+mn-cs"/>
+            </a:endParaRPr>
+          </a:p>
+        </p:txBody>
+      </p:sp>
+      <p:sp>
+        <p:nvSpPr>
+          <p:cNvPr id="7" name="文本框 6"/>
+          <p:cNvSpPr txBox="1"/>
+          <p:nvPr>
+            <p:custDataLst>
+              <p:tags r:id="rId7"/>
+            </p:custDataLst>
+          </p:nvPr>
+        </p:nvSpPr>
+        <p:spPr>
+          <a:xfrm>
+            <a:off x="1820954" y="1579460"/>
+            <a:ext cx="2315617" cy="450829"/>
+          </a:xfrm>
+          <a:prstGeom prst="rect">
+            <a:avLst/>
+          </a:prstGeom>
+        </p:spPr>
+        <p:txBody>
+          <a:bodyPr wrap="square" anchor="b">
+            <a:normAutofit lnSpcReduction="20000"/>
+          </a:bodyPr>
+          <a:lstStyle>
+            <a:defPPr>
+              <a:defRPr lang="zh-CN"/>
+            </a:defPPr>
+            <a:lvl1pPr algn="r">
+              <a:lnSpc>
+                <a:spcPct val="130000"/>
+              </a:lnSpc>
+              <a:defRPr sz="2000">
+                <a:latin typeface="+mj-lt"/>
+                <a:cs typeface="+mn-ea"/>
+              </a:defRPr>
+            </a:lvl1pPr>
+          </a:lstStyle>
+          <a:p>
+            <a:r>
+              <a:rPr lang="en-US" altLang="zh-CN">
+                <a:ea typeface="+mj-ea"/>
+                <a:cs typeface="+mj-cs"/>
+              </a:rPr>
+              <a:t>Text here</a:t>
+            </a:r>
+            <a:endParaRPr lang="en-US" altLang="zh-CN">
+              <a:ea typeface="+mj-ea"/>
+              <a:cs typeface="+mj-cs"/>
+            </a:endParaRPr>
+          </a:p>
+        </p:txBody>
+      </p:sp>
+      <p:sp>
+        <p:nvSpPr>
+          <p:cNvPr id="8" name="文本框 7"/>
+          <p:cNvSpPr txBox="1"/>
+          <p:nvPr>
+            <p:custDataLst>
+              <p:tags r:id="rId8"/>
+            </p:custDataLst>
+          </p:nvPr>
+        </p:nvSpPr>
+        <p:spPr>
+          <a:xfrm>
+            <a:off x="509906" y="375765"/>
+            <a:ext cx="4216710" cy="522451"/>
+          </a:xfrm>
+          <a:prstGeom prst="rect">
+            <a:avLst/>
+          </a:prstGeom>
+        </p:spPr>
+        <p:txBody>
+          <a:bodyPr wrap="square">
+            <a:normAutofit lnSpcReduction="20000"/>
+          </a:bodyPr>
+          <a:lstStyle>
+            <a:defPPr>
+              <a:defRPr lang="zh-CN"/>
+            </a:defPPr>
+            <a:lvl1pPr>
+              <a:lnSpc>
+                <a:spcPct val="130000"/>
+              </a:lnSpc>
+              <a:defRPr sz="2400">
+                <a:cs typeface="+mn-ea"/>
+              </a:defRPr>
+            </a:lvl1pPr>
+          </a:lstStyle>
+          <a:p>
+            <a:r>
+              <a:rPr lang="en-US" altLang="zh-CN">
+                <a:latin typeface="+mj-lt"/>
+                <a:ea typeface="+mj-ea"/>
+                <a:cs typeface="+mj-cs"/>
+              </a:rPr>
+              <a:t>Our Time Line at here</a:t>
+            </a:r>
+            <a:endParaRPr lang="en-US" altLang="zh-CN">
+              <a:latin typeface="+mj-lt"/>
+              <a:ea typeface="+mj-ea"/>
+              <a:cs typeface="+mj-cs"/>
+            </a:endParaRPr>
+          </a:p>
+        </p:txBody>
+      </p:sp>
+      <p:sp>
+        <p:nvSpPr>
+          <p:cNvPr id="9" name="文本框 8"/>
+          <p:cNvSpPr txBox="1"/>
+          <p:nvPr>
+            <p:custDataLst>
+              <p:tags r:id="rId9"/>
+            </p:custDataLst>
+          </p:nvPr>
+        </p:nvSpPr>
+        <p:spPr>
+          <a:xfrm>
+            <a:off x="7173068" y="4827370"/>
+            <a:ext cx="2822185" cy="1339341"/>
+          </a:xfrm>
+          <a:prstGeom prst="rect">
+            <a:avLst/>
+          </a:prstGeom>
+        </p:spPr>
+        <p:txBody>
+          <a:bodyPr wrap="square">
+            <a:normAutofit lnSpcReduction="10000"/>
+          </a:bodyPr>
+          <a:lstStyle>
+            <a:defPPr>
+              <a:defRPr lang="zh-CN"/>
+            </a:defPPr>
+            <a:lvl1pPr>
+              <a:lnSpc>
+                <a:spcPct val="130000"/>
+              </a:lnSpc>
+              <a:defRPr sz="1600">
+                <a:solidFill>
+                  <a:schemeClr val="tx1">
+                    <a:lumMod val="50000"/>
+                    <a:lumOff val="50000"/>
+                  </a:schemeClr>
+                </a:solidFill>
+                <a:cs typeface="+mn-ea"/>
+              </a:defRPr>
+            </a:lvl1pPr>
+          </a:lstStyle>
+          <a:p>
+            <a:r>
+              <a:rPr lang="en-US" altLang="zh-CN">
+                <a:cs typeface="+mn-cs"/>
+              </a:rPr>
+              <a:t>Lorem ipsum dolor sit amet, consectetur adipisicing elit.Lorem ipsum dolor sit amet,</a:t>
+            </a:r>
+            <a:endParaRPr lang="en-US" altLang="zh-CN">
+              <a:cs typeface="+mn-cs"/>
+            </a:endParaRPr>
+          </a:p>
+        </p:txBody>
+      </p:sp>
+      <p:sp>
+        <p:nvSpPr>
+          <p:cNvPr id="11" name="文本框 10"/>
+          <p:cNvSpPr txBox="1"/>
+          <p:nvPr>
+            <p:custDataLst>
+              <p:tags r:id="rId10"/>
+            </p:custDataLst>
+          </p:nvPr>
+        </p:nvSpPr>
+        <p:spPr>
+          <a:xfrm>
+            <a:off x="8200571" y="4287567"/>
+            <a:ext cx="1794682" cy="450829"/>
+          </a:xfrm>
+          <a:prstGeom prst="rect">
+            <a:avLst/>
+          </a:prstGeom>
+        </p:spPr>
+        <p:txBody>
+          <a:bodyPr wrap="square" anchor="b">
+            <a:normAutofit lnSpcReduction="20000"/>
+          </a:bodyPr>
+          <a:lstStyle>
+            <a:defPPr>
+              <a:defRPr lang="zh-CN"/>
+            </a:defPPr>
+            <a:lvl1pPr>
+              <a:lnSpc>
+                <a:spcPct val="130000"/>
+              </a:lnSpc>
+              <a:defRPr sz="2000">
+                <a:latin typeface="+mj-lt"/>
+                <a:cs typeface="+mn-ea"/>
+              </a:defRPr>
+            </a:lvl1pPr>
+          </a:lstStyle>
+          <a:p>
+            <a:r>
+              <a:rPr lang="en-US" altLang="zh-CN">
+                <a:ea typeface="+mj-ea"/>
+                <a:cs typeface="+mj-cs"/>
+              </a:rPr>
+              <a:t>Text here</a:t>
+            </a:r>
+            <a:endParaRPr lang="en-US" altLang="zh-CN">
+              <a:ea typeface="+mj-ea"/>
+              <a:cs typeface="+mj-cs"/>
+            </a:endParaRPr>
+          </a:p>
+        </p:txBody>
+      </p:sp>
+      <p:pic>
+        <p:nvPicPr>
+          <p:cNvPr id="18" name="图片 17"/>
+          <p:cNvPicPr>
+            <a:picLocks noChangeAspect="1"/>
+          </p:cNvPicPr>
+          <p:nvPr>
+            <p:custDataLst>
+              <p:tags r:id="rId11"/>
+            </p:custDataLst>
+          </p:nvPr>
+        </p:nvPicPr>
+        <p:blipFill>
+          <a:blip r:embed="rId12">
+            <a:extLst>
+              <a:ext uri="{28A0092B-C50C-407E-A947-70E740481C1C}">
+                <a14:useLocalDpi xmlns:a14="http://schemas.microsoft.com/office/drawing/2010/main" val="0"/>
+              </a:ext>
+            </a:extLst>
+          </a:blip>
+          <a:stretch>
+            <a:fillRect/>
+          </a:stretch>
+        </p:blipFill>
+        <p:spPr>
+          <a:xfrm>
+            <a:off x="1822349" y="3812296"/>
+            <a:ext cx="3276600" cy="2181225"/>
+          </a:xfrm>
+          <a:prstGeom prst="rect">
+            <a:avLst/>
+          </a:prstGeom>
+        </p:spPr>
+      </p:pic>
+      <p:pic>
+        <p:nvPicPr>
+          <p:cNvPr id="19" name="图片 18"/>
+          <p:cNvPicPr>
+            <a:picLocks noChangeAspect="1"/>
+          </p:cNvPicPr>
+          <p:nvPr>
+            <p:custDataLst>
+              <p:tags r:id="rId13"/>
+            </p:custDataLst>
+          </p:nvPr>
+        </p:nvPicPr>
+        <p:blipFill>
+          <a:blip r:embed="rId14">
+            <a:extLst>
+              <a:ext uri="{28A0092B-C50C-407E-A947-70E740481C1C}">
+                <a14:useLocalDpi xmlns:a14="http://schemas.microsoft.com/office/drawing/2010/main" val="0"/>
+              </a:ext>
+            </a:extLst>
+          </a:blip>
+          <a:stretch>
+            <a:fillRect/>
+          </a:stretch>
+        </p:blipFill>
+        <p:spPr>
+          <a:xfrm>
+            <a:off x="7073267" y="1264117"/>
+            <a:ext cx="2952750" cy="2209800"/>
+          </a:xfrm>
+          <a:prstGeom prst="rect">
+            <a:avLst/>
+          </a:prstGeom>
+        </p:spPr>
+      </p:pic>
+    </p:spTree>
+    <p:custDataLst>
+      <p:tags r:id="rId15"/>
+    </p:custDataLst>
+  </p:cSld>
+  <p:clrMapOvr>
+    <a:masterClrMapping/>
+  </p:clrMapOvr>
+</p:sld>
+</file>
+
+<file path=ppt/slides/slide11.xml><?xml version="1.0" encoding="utf-8"?>
+<p:sld xmlns:a="http://schemas.openxmlformats.org/drawingml/2006/main" xmlns:r="http://schemas.openxmlformats.org/officeDocument/2006/relationships" xmlns:p="http://schemas.openxmlformats.org/presentationml/2006/main">
+  <p:cSld>
+    <p:spTree>
+      <p:nvGrpSpPr>
+        <p:cNvPr id="1" name=""/>
+        <p:cNvGrpSpPr/>
+        <p:nvPr/>
+      </p:nvGrpSpPr>
+      <p:grpSpPr>
+        <a:xfrm>
+          <a:off x="0" y="0"/>
+          <a:ext cx="0" cy="0"/>
+          <a:chOff x="0" y="0"/>
+          <a:chExt cx="0" cy="0"/>
+        </a:xfrm>
+      </p:grpSpPr>
+      <p:grpSp>
+        <p:nvGrpSpPr>
+          <p:cNvPr id="10" name="组合 9"/>
+          <p:cNvGrpSpPr/>
+          <p:nvPr>
+            <p:custDataLst>
+              <p:tags r:id="rId1"/>
+            </p:custDataLst>
+          </p:nvPr>
+        </p:nvGrpSpPr>
+        <p:grpSpPr>
+          <a:xfrm>
+            <a:off x="3860800" y="2670629"/>
+            <a:ext cx="4354286" cy="2148114"/>
+            <a:chOff x="3860800" y="2670629"/>
+            <a:chExt cx="4354286" cy="2148114"/>
+          </a:xfrm>
+        </p:grpSpPr>
+        <p:cxnSp>
+          <p:nvCxnSpPr>
+            <p:cNvPr id="4" name="直接连接符 3"/>
+            <p:cNvCxnSpPr/>
+            <p:nvPr>
+              <p:custDataLst>
+                <p:tags r:id="rId2"/>
+              </p:custDataLst>
+            </p:nvPr>
+          </p:nvCxnSpPr>
+          <p:spPr>
+            <a:xfrm>
+              <a:off x="3860800" y="2670629"/>
+              <a:ext cx="0" cy="2148114"/>
+            </a:xfrm>
+            <a:prstGeom prst="line">
+              <a:avLst/>
+            </a:prstGeom>
+            <a:ln>
+              <a:solidFill>
+                <a:schemeClr val="accent1"/>
+              </a:solidFill>
+            </a:ln>
+          </p:spPr>
+          <p:style>
+            <a:lnRef idx="1">
+              <a:schemeClr val="accent1"/>
+            </a:lnRef>
+            <a:fillRef idx="0">
+              <a:schemeClr val="accent1"/>
+            </a:fillRef>
+            <a:effectRef idx="0">
+              <a:schemeClr val="accent1"/>
+            </a:effectRef>
+            <a:fontRef idx="minor">
+              <a:schemeClr val="tx1"/>
+            </a:fontRef>
+          </p:style>
+        </p:cxnSp>
+        <p:cxnSp>
+          <p:nvCxnSpPr>
+            <p:cNvPr id="8" name="直接连接符 7"/>
+            <p:cNvCxnSpPr/>
+            <p:nvPr>
+              <p:custDataLst>
+                <p:tags r:id="rId3"/>
+              </p:custDataLst>
+            </p:nvPr>
+          </p:nvCxnSpPr>
+          <p:spPr>
+            <a:xfrm>
+              <a:off x="3875314" y="4818743"/>
+              <a:ext cx="4339772" cy="0"/>
+            </a:xfrm>
+            <a:prstGeom prst="line">
+              <a:avLst/>
+            </a:prstGeom>
+            <a:ln>
+              <a:solidFill>
+                <a:schemeClr val="accent1"/>
+              </a:solidFill>
+            </a:ln>
+          </p:spPr>
+          <p:style>
+            <a:lnRef idx="1">
+              <a:schemeClr val="accent1"/>
+            </a:lnRef>
+            <a:fillRef idx="0">
+              <a:schemeClr val="accent1"/>
+            </a:fillRef>
+            <a:effectRef idx="0">
+              <a:schemeClr val="accent1"/>
+            </a:effectRef>
+            <a:fontRef idx="minor">
+              <a:schemeClr val="tx1"/>
+            </a:fontRef>
+          </p:style>
+        </p:cxnSp>
+        <p:cxnSp>
+          <p:nvCxnSpPr>
+            <p:cNvPr id="13" name="直接连接符 12"/>
+            <p:cNvCxnSpPr/>
+            <p:nvPr>
+              <p:custDataLst>
+                <p:tags r:id="rId4"/>
+              </p:custDataLst>
+            </p:nvPr>
+          </p:nvCxnSpPr>
+          <p:spPr>
+            <a:xfrm>
+              <a:off x="8215086" y="2670629"/>
+              <a:ext cx="0" cy="2148114"/>
+            </a:xfrm>
+            <a:prstGeom prst="line">
+              <a:avLst/>
+            </a:prstGeom>
+            <a:ln>
+              <a:solidFill>
+                <a:schemeClr val="accent1"/>
+              </a:solidFill>
+            </a:ln>
+          </p:spPr>
+          <p:style>
+            <a:lnRef idx="1">
+              <a:schemeClr val="accent1"/>
+            </a:lnRef>
+            <a:fillRef idx="0">
+              <a:schemeClr val="accent1"/>
+            </a:fillRef>
+            <a:effectRef idx="0">
+              <a:schemeClr val="accent1"/>
+            </a:effectRef>
+            <a:fontRef idx="minor">
+              <a:schemeClr val="tx1"/>
+            </a:fontRef>
+          </p:style>
+        </p:cxnSp>
+      </p:grpSp>
+      <p:sp>
+        <p:nvSpPr>
+          <p:cNvPr id="2" name="文本框 1"/>
+          <p:cNvSpPr txBox="1"/>
+          <p:nvPr>
+            <p:custDataLst>
+              <p:tags r:id="rId5"/>
+            </p:custDataLst>
+          </p:nvPr>
+        </p:nvSpPr>
+        <p:spPr>
+          <a:xfrm>
+            <a:off x="3749495" y="1118791"/>
+            <a:ext cx="4581704" cy="522451"/>
+          </a:xfrm>
+          <a:prstGeom prst="rect">
+            <a:avLst/>
+          </a:prstGeom>
+        </p:spPr>
+        <p:txBody>
+          <a:bodyPr wrap="square">
+            <a:normAutofit lnSpcReduction="20000"/>
+          </a:bodyPr>
+          <a:lstStyle>
+            <a:defPPr>
+              <a:defRPr lang="zh-CN"/>
+            </a:defPPr>
+            <a:lvl1pPr algn="ctr">
+              <a:lnSpc>
+                <a:spcPct val="130000"/>
+              </a:lnSpc>
+              <a:defRPr sz="2400">
+                <a:cs typeface="+mn-ea"/>
+              </a:defRPr>
+            </a:lvl1pPr>
+          </a:lstStyle>
+          <a:p>
+            <a:r>
+              <a:rPr lang="en-US" altLang="zh-CN">
+                <a:latin typeface="+mj-lt"/>
+                <a:ea typeface="+mj-ea"/>
+                <a:cs typeface="+mj-cs"/>
+              </a:rPr>
+              <a:t>Lorem Ipsum Dolor</a:t>
+            </a:r>
+            <a:endParaRPr lang="en-US" altLang="zh-CN">
+              <a:latin typeface="+mj-lt"/>
+              <a:ea typeface="+mj-ea"/>
+              <a:cs typeface="+mj-cs"/>
+            </a:endParaRPr>
+          </a:p>
+        </p:txBody>
+      </p:sp>
+      <p:sp>
+        <p:nvSpPr>
+          <p:cNvPr id="3" name="文本框 2"/>
+          <p:cNvSpPr txBox="1"/>
+          <p:nvPr>
+            <p:custDataLst>
+              <p:tags r:id="rId6"/>
+            </p:custDataLst>
+          </p:nvPr>
+        </p:nvSpPr>
+        <p:spPr>
+          <a:xfrm>
+            <a:off x="3749496" y="1762593"/>
+            <a:ext cx="4581703" cy="307777"/>
+          </a:xfrm>
+          <a:prstGeom prst="rect">
+            <a:avLst/>
+          </a:prstGeom>
+        </p:spPr>
+        <p:txBody>
+          <a:bodyPr wrap="none">
+            <a:normAutofit/>
+          </a:bodyPr>
+          <a:lstStyle>
+            <a:defPPr>
+              <a:defRPr lang="zh-CN"/>
+            </a:defPPr>
+            <a:lvl1pPr>
+              <a:defRPr sz="1400">
+                <a:solidFill>
+                  <a:schemeClr val="tx1">
+                    <a:lumMod val="50000"/>
+                    <a:lumOff val="50000"/>
+                  </a:schemeClr>
+                </a:solidFill>
+              </a:defRPr>
+            </a:lvl1pPr>
+          </a:lstStyle>
+          <a:p>
+            <a:r>
+              <a:rPr lang="en-US" altLang="zh-CN"/>
+              <a:t>Lorem ipsum dolor sit amet, consectetur adipisicing elit,</a:t>
+            </a:r>
+            <a:endParaRPr lang="en-US" altLang="zh-CN"/>
+          </a:p>
+        </p:txBody>
+      </p:sp>
+      <p:sp>
+        <p:nvSpPr>
+          <p:cNvPr id="5" name="文本框 4"/>
+          <p:cNvSpPr txBox="1"/>
+          <p:nvPr>
+            <p:custDataLst>
+              <p:tags r:id="rId7"/>
+            </p:custDataLst>
+          </p:nvPr>
+        </p:nvSpPr>
+        <p:spPr>
+          <a:xfrm>
+            <a:off x="4185694" y="2714172"/>
+            <a:ext cx="3772807" cy="1659429"/>
+          </a:xfrm>
+          <a:prstGeom prst="rect">
+            <a:avLst/>
+          </a:prstGeom>
+        </p:spPr>
+        <p:txBody>
+          <a:bodyPr wrap="square">
+            <a:normAutofit lnSpcReduction="10000"/>
+          </a:bodyPr>
+          <a:lstStyle>
+            <a:defPPr>
+              <a:defRPr lang="zh-CN"/>
+            </a:defPPr>
+            <a:lvl1pPr algn="ctr">
+              <a:lnSpc>
+                <a:spcPct val="130000"/>
+              </a:lnSpc>
+              <a:defRPr sz="1600">
+                <a:solidFill>
+                  <a:schemeClr val="tx1">
+                    <a:lumMod val="50000"/>
+                    <a:lumOff val="50000"/>
+                  </a:schemeClr>
+                </a:solidFill>
+                <a:cs typeface="+mn-ea"/>
+              </a:defRPr>
+            </a:lvl1pPr>
+          </a:lstStyle>
+          <a:p>
+            <a:r>
+              <a:rPr lang="en-US" altLang="zh-CN">
+                <a:cs typeface="+mn-cs"/>
+              </a:rPr>
+              <a:t>Lorem ipsum dolor sit amet, consectetur adipisicing elit.Lorem ipsum dolor sit amet, consectetur adipisicing elit. Lorem ipsum dolor sit amet, consectetur adipisicing elit.</a:t>
+            </a:r>
+            <a:endParaRPr lang="en-US" altLang="zh-CN">
+              <a:cs typeface="+mn-cs"/>
+            </a:endParaRPr>
+          </a:p>
+        </p:txBody>
+      </p:sp>
+      <p:pic>
+        <p:nvPicPr>
+          <p:cNvPr id="7" name="图片 6"/>
+          <p:cNvPicPr>
+            <a:picLocks noChangeAspect="1"/>
+          </p:cNvPicPr>
+          <p:nvPr>
+            <p:custDataLst>
+              <p:tags r:id="rId8"/>
+            </p:custDataLst>
+          </p:nvPr>
+        </p:nvPicPr>
+        <p:blipFill>
+          <a:blip r:embed="rId9">
+            <a:extLst>
+              <a:ext uri="{28A0092B-C50C-407E-A947-70E740481C1C}">
+                <a14:useLocalDpi xmlns:a14="http://schemas.microsoft.com/office/drawing/2010/main" val="0"/>
+              </a:ext>
+            </a:extLst>
+          </a:blip>
+          <a:stretch>
+            <a:fillRect/>
+          </a:stretch>
+        </p:blipFill>
+        <p:spPr>
+          <a:xfrm>
+            <a:off x="-21317" y="0"/>
+            <a:ext cx="3409950" cy="6858000"/>
+          </a:xfrm>
+          <a:prstGeom prst="rect">
+            <a:avLst/>
+          </a:prstGeom>
+        </p:spPr>
+      </p:pic>
+      <p:pic>
+        <p:nvPicPr>
+          <p:cNvPr id="11" name="图片 10"/>
+          <p:cNvPicPr>
+            <a:picLocks noChangeAspect="1"/>
+          </p:cNvPicPr>
+          <p:nvPr>
+            <p:custDataLst>
+              <p:tags r:id="rId10"/>
+            </p:custDataLst>
+          </p:nvPr>
+        </p:nvPicPr>
+        <p:blipFill>
+          <a:blip r:embed="rId11">
+            <a:extLst>
+              <a:ext uri="{28A0092B-C50C-407E-A947-70E740481C1C}">
+                <a14:useLocalDpi xmlns:a14="http://schemas.microsoft.com/office/drawing/2010/main" val="0"/>
+              </a:ext>
+            </a:extLst>
+          </a:blip>
+          <a:stretch>
+            <a:fillRect/>
+          </a:stretch>
+        </p:blipFill>
+        <p:spPr>
+          <a:xfrm>
+            <a:off x="8782050" y="0"/>
+            <a:ext cx="3409950" cy="6858000"/>
+          </a:xfrm>
+          <a:prstGeom prst="rect">
+            <a:avLst/>
+          </a:prstGeom>
+        </p:spPr>
+      </p:pic>
+    </p:spTree>
+    <p:custDataLst>
+      <p:tags r:id="rId12"/>
+    </p:custDataLst>
+  </p:cSld>
+  <p:clrMapOvr>
+    <a:masterClrMapping/>
+  </p:clrMapOvr>
+</p:sld>
+</file>
+
+<file path=ppt/slides/slide12.xml><?xml version="1.0" encoding="utf-8"?>
+<p:sld xmlns:a="http://schemas.openxmlformats.org/drawingml/2006/main" xmlns:r="http://schemas.openxmlformats.org/officeDocument/2006/relationships" xmlns:p="http://schemas.openxmlformats.org/presentationml/2006/main">
+  <p:cSld>
+    <p:spTree>
+      <p:nvGrpSpPr>
+        <p:cNvPr id="1" name=""/>
+        <p:cNvGrpSpPr/>
+        <p:nvPr/>
+      </p:nvGrpSpPr>
+      <p:grpSpPr>
+        <a:xfrm>
+          <a:off x="0" y="0"/>
+          <a:ext cx="0" cy="0"/>
+          <a:chOff x="0" y="0"/>
+          <a:chExt cx="0" cy="0"/>
+        </a:xfrm>
+      </p:grpSpPr>
       <p:pic>
         <p:nvPicPr>
           <p:cNvPr id="22" name="图片 21"/>
@@ -5022,7 +6195,7 @@
 </p:sld>
 </file>
 
-<file path=ppt/slides/slide11.xml><?xml version="1.0" encoding="utf-8"?>
+<file path=ppt/slides/slide13.xml><?xml version="1.0" encoding="utf-8"?>
 <p:sld xmlns:a="http://schemas.openxmlformats.org/drawingml/2006/main" xmlns:r="http://schemas.openxmlformats.org/officeDocument/2006/relationships" xmlns:p="http://schemas.openxmlformats.org/presentationml/2006/main">
   <p:cSld>
     <p:spTree>
@@ -5511,7 +6684,7 @@
 </p:sld>
 </file>
 
-<file path=ppt/slides/slide12.xml><?xml version="1.0" encoding="utf-8"?>
+<file path=ppt/slides/slide14.xml><?xml version="1.0" encoding="utf-8"?>
 <p:sld xmlns:a="http://schemas.openxmlformats.org/drawingml/2006/main" xmlns:r="http://schemas.openxmlformats.org/officeDocument/2006/relationships" xmlns:p="http://schemas.openxmlformats.org/presentationml/2006/main">
   <p:cSld>
     <p:spTree>
@@ -6268,7 +7441,7 @@
       </p:grpSpPr>
       <p:pic>
         <p:nvPicPr>
-          <p:cNvPr id="9" name="图片 8"/>
+          <p:cNvPr id="9" name="图片 8" descr="E:\Modern software engineering\资料图片\小岛秀夫.jpg小岛秀夫"/>
           <p:cNvPicPr>
             <a:picLocks noChangeAspect="1"/>
           </p:cNvPicPr>
@@ -6279,13 +7452,8 @@
           </p:nvPr>
         </p:nvPicPr>
         <p:blipFill>
-          <a:blip r:embed="rId2">
-            <a:extLst>
-              <a:ext uri="{28A0092B-C50C-407E-A947-70E740481C1C}">
-                <a14:useLocalDpi xmlns:a14="http://schemas.microsoft.com/office/drawing/2010/main" val="0"/>
-              </a:ext>
-            </a:extLst>
-          </a:blip>
+          <a:blip r:embed="rId2"/>
+          <a:srcRect/>
           <a:stretch>
             <a:fillRect/>
           </a:stretch>
@@ -6461,23 +7629,61 @@
           </a:lstStyle>
           <a:p>
             <a:r>
-              <a:rPr lang="en-US" altLang="zh-CN">
+              <a:rPr lang="en-US" altLang="zh-CN" sz="1800">
+                <a:latin typeface="宋体" panose="02010600030101010101" pitchFamily="2" charset="-122"/>
+                <a:ea typeface="宋体" panose="02010600030101010101" pitchFamily="2" charset="-122"/>
                 <a:cs typeface="+mn-cs"/>
               </a:rPr>
-              <a:t>Lorem ipsum dolor sit amet, consectetur adipisicing elit.Lorem ipsum dolor sit amet, consectetur adipisicing elit. Lorem ipsum dolor sit amet, consectetur adipisicing elit.Lorem ipsum dolor sit amet, consectetur adipisicing elit.Lorem ipsum dolor sit amet</a:t>
+              <a:t>◎</a:t>
             </a:r>
-            <a:endParaRPr lang="en-US" altLang="zh-CN">
+            <a:r>
+              <a:rPr lang="zh-CN" altLang="en-US" sz="1800">
+                <a:latin typeface="宋体" panose="02010600030101010101" pitchFamily="2" charset="-122"/>
+                <a:ea typeface="宋体" panose="02010600030101010101" pitchFamily="2" charset="-122"/>
+                <a:cs typeface="+mn-cs"/>
+              </a:rPr>
+              <a:t>类似于日本的幕府，整个团队由上到下贯彻一个人的意志。</a:t>
+            </a:r>
+            <a:endParaRPr lang="zh-CN" altLang="en-US" sz="1800">
+              <a:latin typeface="宋体" panose="02010600030101010101" pitchFamily="2" charset="-122"/>
+              <a:ea typeface="宋体" panose="02010600030101010101" pitchFamily="2" charset="-122"/>
               <a:cs typeface="+mn-cs"/>
             </a:endParaRPr>
           </a:p>
           <a:p>
             <a:r>
-              <a:rPr lang="en-US" altLang="zh-CN">
+              <a:rPr lang="zh-CN" altLang="en-US" sz="1800">
+                <a:latin typeface="宋体" panose="02010600030101010101" pitchFamily="2" charset="-122"/>
+                <a:ea typeface="宋体" panose="02010600030101010101" pitchFamily="2" charset="-122"/>
                 <a:cs typeface="+mn-cs"/>
               </a:rPr>
-              <a:t>Lorem ipsum dolor sit amet, consectetur adipisicing elit.Lorem ipsum dolor sit amet, consectetur adipisicing elit.Lorem ipsum dolor sit amet</a:t>
+              <a:t>◎明星个人的作用大到影响公司业绩的程度。</a:t>
             </a:r>
-            <a:endParaRPr lang="en-US" altLang="zh-CN">
+            <a:endParaRPr lang="zh-CN" altLang="en-US" sz="1800">
+              <a:latin typeface="宋体" panose="02010600030101010101" pitchFamily="2" charset="-122"/>
+              <a:ea typeface="宋体" panose="02010600030101010101" pitchFamily="2" charset="-122"/>
+              <a:cs typeface="+mn-cs"/>
+            </a:endParaRPr>
+          </a:p>
+          <a:p>
+            <a:r>
+              <a:rPr lang="zh-CN" altLang="en-US" sz="1800">
+                <a:latin typeface="宋体" panose="02010600030101010101" pitchFamily="2" charset="-122"/>
+                <a:ea typeface="宋体" panose="02010600030101010101" pitchFamily="2" charset="-122"/>
+                <a:cs typeface="+mn-cs"/>
+              </a:rPr>
+              <a:t>◎整个团队成果与个人的能力息息相关。</a:t>
+            </a:r>
+            <a:endParaRPr lang="zh-CN" altLang="en-US">
+              <a:latin typeface="宋体" panose="02010600030101010101" pitchFamily="2" charset="-122"/>
+              <a:ea typeface="宋体" panose="02010600030101010101" pitchFamily="2" charset="-122"/>
+              <a:cs typeface="+mn-cs"/>
+            </a:endParaRPr>
+          </a:p>
+          <a:p>
+            <a:endParaRPr lang="zh-CN" altLang="en-US">
+              <a:latin typeface="宋体" panose="02010600030101010101" pitchFamily="2" charset="-122"/>
+              <a:ea typeface="宋体" panose="02010600030101010101" pitchFamily="2" charset="-122"/>
               <a:cs typeface="+mn-cs"/>
             </a:endParaRPr>
           </a:p>
@@ -6528,78 +7734,36 @@
           </a:lstStyle>
           <a:p>
             <a:r>
+              <a:rPr lang="en-US">
+                <a:latin typeface="+mj-lt"/>
+                <a:ea typeface="+mj-ea"/>
+                <a:cs typeface="+mj-cs"/>
+              </a:rPr>
+              <a:t>1.1</a:t>
+            </a:r>
+            <a:r>
+              <a:rPr lang="zh-CN" altLang="en-US">
+                <a:latin typeface="+mj-lt"/>
+                <a:ea typeface="+mj-ea"/>
+                <a:cs typeface="+mj-cs"/>
+              </a:rPr>
+              <a:t>主治医师</a:t>
+            </a:r>
+            <a:r>
               <a:rPr lang="en-US" altLang="zh-CN">
                 <a:latin typeface="+mj-lt"/>
                 <a:ea typeface="+mj-ea"/>
                 <a:cs typeface="+mj-cs"/>
               </a:rPr>
-              <a:t> </a:t>
+              <a:t>&amp;</a:t>
             </a:r>
             <a:r>
-              <a:rPr lang="en-US" altLang="zh-CN" sz="3200">
-                <a:ln w="6600">
-                  <a:solidFill>
-                    <a:schemeClr val="accent2"/>
-                  </a:solidFill>
-                  <a:prstDash val="solid"/>
-                </a:ln>
-                <a:solidFill>
-                  <a:srgbClr val="FFFFFF"/>
-                </a:solidFill>
-                <a:effectLst>
-                  <a:outerShdw dist="38100" dir="2700000" algn="tl" rotWithShape="0">
-                    <a:schemeClr val="accent2"/>
-                  </a:outerShdw>
-                </a:effectLst>
+              <a:rPr lang="zh-CN" altLang="en-US">
                 <a:latin typeface="+mj-lt"/>
                 <a:ea typeface="+mj-ea"/>
                 <a:cs typeface="+mj-cs"/>
               </a:rPr>
-              <a:t>2 </a:t>
-            </a:r>
-            <a:r>
-              <a:rPr lang="zh-CN" altLang="en-US" sz="3200">
-                <a:ln w="6600">
-                  <a:solidFill>
-                    <a:schemeClr val="accent2"/>
-                  </a:solidFill>
-                  <a:prstDash val="solid"/>
-                </a:ln>
-                <a:solidFill>
-                  <a:srgbClr val="FFFFFF"/>
-                </a:solidFill>
-                <a:effectLst>
-                  <a:outerShdw dist="38100" dir="2700000" algn="tl" rotWithShape="0">
-                    <a:schemeClr val="accent2"/>
-                  </a:outerShdw>
-                </a:effectLst>
-                <a:latin typeface="+mj-lt"/>
-                <a:ea typeface="+mj-ea"/>
-                <a:cs typeface="+mj-cs"/>
-              </a:rPr>
-              <a:t>软</a:t>
-            </a:r>
-            <a:r>
-              <a:rPr lang="zh-CN" altLang="en-US" sz="3200">
-                <a:ln w="6600">
-                  <a:solidFill>
-                    <a:schemeClr val="accent2"/>
-                  </a:solidFill>
-                  <a:prstDash val="solid"/>
-                </a:ln>
-                <a:solidFill>
-                  <a:srgbClr val="FFFFFF"/>
-                </a:solidFill>
-                <a:effectLst>
-                  <a:outerShdw dist="38100" dir="2700000" algn="tl" rotWithShape="0">
-                    <a:schemeClr val="accent2"/>
-                  </a:outerShdw>
-                </a:effectLst>
-                <a:latin typeface="+mj-lt"/>
-                <a:ea typeface="+mj-ea"/>
-                <a:cs typeface="+mj-cs"/>
-              </a:rPr>
-              <a:t>件开发流程</a:t>
+              <a:t>明星 团队</a:t>
             </a:r>
             <a:endParaRPr lang="zh-CN" altLang="en-US" sz="3200">
               <a:ln w="6600">
@@ -6832,108 +7996,6 @@
           </a:p>
         </p:txBody>
       </p:sp>
-      <p:sp>
-        <p:nvSpPr>
-          <p:cNvPr id="3" name="文本框 2"/>
-          <p:cNvSpPr txBox="1"/>
-          <p:nvPr>
-            <p:custDataLst>
-              <p:tags r:id="rId6"/>
-            </p:custDataLst>
-          </p:nvPr>
-        </p:nvSpPr>
-        <p:spPr>
-          <a:xfrm>
-            <a:off x="3749496" y="1762593"/>
-            <a:ext cx="4581703" cy="307777"/>
-          </a:xfrm>
-          <a:prstGeom prst="rect">
-            <a:avLst/>
-          </a:prstGeom>
-        </p:spPr>
-        <p:txBody>
-          <a:bodyPr wrap="none">
-            <a:normAutofit/>
-          </a:bodyPr>
-          <a:lstStyle>
-            <a:defPPr>
-              <a:defRPr lang="zh-CN"/>
-            </a:defPPr>
-            <a:lvl1pPr>
-              <a:defRPr sz="1400">
-                <a:solidFill>
-                  <a:schemeClr val="tx1">
-                    <a:lumMod val="50000"/>
-                    <a:lumOff val="50000"/>
-                  </a:schemeClr>
-                </a:solidFill>
-              </a:defRPr>
-            </a:lvl1pPr>
-          </a:lstStyle>
-          <a:p>
-            <a:r>
-              <a:rPr lang="en-US" altLang="zh-CN"/>
-              <a:t>Lorem ipsum dolor sit amet, consectetur adipisicing elit,</a:t>
-            </a:r>
-            <a:endParaRPr lang="en-US" altLang="zh-CN"/>
-          </a:p>
-        </p:txBody>
-      </p:sp>
-      <p:sp>
-        <p:nvSpPr>
-          <p:cNvPr id="5" name="文本框 4"/>
-          <p:cNvSpPr txBox="1"/>
-          <p:nvPr>
-            <p:custDataLst>
-              <p:tags r:id="rId7"/>
-            </p:custDataLst>
-          </p:nvPr>
-        </p:nvSpPr>
-        <p:spPr>
-          <a:xfrm>
-            <a:off x="4185694" y="2714172"/>
-            <a:ext cx="3772807" cy="1659429"/>
-          </a:xfrm>
-          <a:prstGeom prst="rect">
-            <a:avLst/>
-          </a:prstGeom>
-        </p:spPr>
-        <p:txBody>
-          <a:bodyPr wrap="square">
-            <a:normAutofit lnSpcReduction="10000"/>
-          </a:bodyPr>
-          <a:lstStyle>
-            <a:defPPr>
-              <a:defRPr lang="zh-CN"/>
-            </a:defPPr>
-            <a:lvl1pPr algn="ctr">
-              <a:lnSpc>
-                <a:spcPct val="130000"/>
-              </a:lnSpc>
-              <a:defRPr sz="1600">
-                <a:solidFill>
-                  <a:schemeClr val="tx1">
-                    <a:lumMod val="50000"/>
-                    <a:lumOff val="50000"/>
-                  </a:schemeClr>
-                </a:solidFill>
-                <a:cs typeface="+mn-ea"/>
-              </a:defRPr>
-            </a:lvl1pPr>
-          </a:lstStyle>
-          <a:p>
-            <a:r>
-              <a:rPr lang="en-US" altLang="zh-CN">
-                <a:cs typeface="+mn-cs"/>
-              </a:rPr>
-              <a:t>Lorem ipsum dolor sit amet, consectetur adipisicing elit.Lorem ipsum dolor sit amet, consectetur adipisicing elit. Lorem ipsum dolor sit amet, consectetur adipisicing elit.</a:t>
-            </a:r>
-            <a:endParaRPr lang="en-US" altLang="zh-CN">
-              <a:cs typeface="+mn-cs"/>
-            </a:endParaRPr>
-          </a:p>
-        </p:txBody>
-      </p:sp>
       <p:pic>
         <p:nvPicPr>
           <p:cNvPr id="7" name="图片 6"/>
@@ -6942,12 +8004,12 @@
           </p:cNvPicPr>
           <p:nvPr>
             <p:custDataLst>
-              <p:tags r:id="rId8"/>
+              <p:tags r:id="rId6"/>
             </p:custDataLst>
           </p:nvPr>
         </p:nvPicPr>
         <p:blipFill>
-          <a:blip r:embed="rId9">
+          <a:blip r:embed="rId7">
             <a:extLst>
               <a:ext uri="{28A0092B-C50C-407E-A947-70E740481C1C}">
                 <a14:useLocalDpi xmlns:a14="http://schemas.microsoft.com/office/drawing/2010/main" val="0"/>
@@ -6976,12 +8038,12 @@
           </p:cNvPicPr>
           <p:nvPr>
             <p:custDataLst>
-              <p:tags r:id="rId10"/>
+              <p:tags r:id="rId8"/>
             </p:custDataLst>
           </p:nvPr>
         </p:nvPicPr>
         <p:blipFill>
-          <a:blip r:embed="rId11">
+          <a:blip r:embed="rId9">
             <a:extLst>
               <a:ext uri="{28A0092B-C50C-407E-A947-70E740481C1C}">
                 <a14:useLocalDpi xmlns:a14="http://schemas.microsoft.com/office/drawing/2010/main" val="0"/>
@@ -7002,6 +8064,1483 @@
           </a:prstGeom>
         </p:spPr>
       </p:pic>
+      <p:pic>
+        <p:nvPicPr>
+          <p:cNvPr id="9" name="图片 8" descr="宿舍2裁剪"/>
+          <p:cNvPicPr>
+            <a:picLocks noChangeAspect="1"/>
+          </p:cNvPicPr>
+          <p:nvPr/>
+        </p:nvPicPr>
+        <p:blipFill>
+          <a:blip r:embed="rId10"/>
+          <a:stretch>
+            <a:fillRect/>
+          </a:stretch>
+        </p:blipFill>
+        <p:spPr>
+          <a:xfrm>
+            <a:off x="-602615" y="13970"/>
+            <a:ext cx="3990975" cy="7058660"/>
+          </a:xfrm>
+          <a:prstGeom prst="rect">
+            <a:avLst/>
+          </a:prstGeom>
+        </p:spPr>
+      </p:pic>
+      <p:pic>
+        <p:nvPicPr>
+          <p:cNvPr id="12" name="图片 11" descr="宿舍1裁剪"/>
+          <p:cNvPicPr>
+            <a:picLocks noChangeAspect="1"/>
+          </p:cNvPicPr>
+          <p:nvPr/>
+        </p:nvPicPr>
+        <p:blipFill>
+          <a:blip r:embed="rId11"/>
+          <a:stretch>
+            <a:fillRect/>
+          </a:stretch>
+        </p:blipFill>
+        <p:spPr>
+          <a:xfrm>
+            <a:off x="8782050" y="-247650"/>
+            <a:ext cx="4886325" cy="7105650"/>
+          </a:xfrm>
+          <a:prstGeom prst="rect">
+            <a:avLst/>
+          </a:prstGeom>
+        </p:spPr>
+      </p:pic>
+      <p:sp>
+        <p:nvSpPr>
+          <p:cNvPr id="14" name="文本框 13"/>
+          <p:cNvSpPr txBox="1"/>
+          <p:nvPr>
+            <p:custDataLst>
+              <p:tags r:id="rId12"/>
+            </p:custDataLst>
+          </p:nvPr>
+        </p:nvSpPr>
+        <p:spPr>
+          <a:xfrm>
+            <a:off x="3749370" y="1119153"/>
+            <a:ext cx="3967766" cy="522451"/>
+          </a:xfrm>
+          <a:prstGeom prst="rect">
+            <a:avLst/>
+          </a:prstGeom>
+        </p:spPr>
+        <p:txBody>
+          <a:bodyPr wrap="square">
+            <a:noAutofit/>
+          </a:bodyPr>
+          <a:lstStyle>
+            <a:defPPr>
+              <a:defRPr lang="zh-CN"/>
+            </a:defPPr>
+            <a:lvl1pPr>
+              <a:lnSpc>
+                <a:spcPct val="130000"/>
+              </a:lnSpc>
+              <a:defRPr sz="2400">
+                <a:solidFill>
+                  <a:schemeClr val="bg2"/>
+                </a:solidFill>
+                <a:cs typeface="+mn-ea"/>
+              </a:defRPr>
+            </a:lvl1pPr>
+          </a:lstStyle>
+          <a:p>
+            <a:r>
+              <a:rPr lang="en-US">
+                <a:ln/>
+                <a:solidFill>
+                  <a:schemeClr val="tx1"/>
+                </a:solidFill>
+                <a:effectLst>
+                  <a:outerShdw blurRad="38100" dist="19050" dir="2700000" algn="tl" rotWithShape="0">
+                    <a:schemeClr val="dk1">
+                      <a:alpha val="40000"/>
+                    </a:schemeClr>
+                  </a:outerShdw>
+                </a:effectLst>
+                <a:latin typeface="+mj-lt"/>
+                <a:ea typeface="+mj-ea"/>
+                <a:cs typeface="+mj-cs"/>
+              </a:rPr>
+              <a:t>1.2 </a:t>
+            </a:r>
+            <a:r>
+              <a:rPr lang="zh-CN" altLang="en-US">
+                <a:ln/>
+                <a:solidFill>
+                  <a:schemeClr val="tx1"/>
+                </a:solidFill>
+                <a:effectLst>
+                  <a:outerShdw blurRad="38100" dist="19050" dir="2700000" algn="tl" rotWithShape="0">
+                    <a:schemeClr val="dk1">
+                      <a:alpha val="40000"/>
+                    </a:schemeClr>
+                  </a:outerShdw>
+                </a:effectLst>
+                <a:latin typeface="+mj-lt"/>
+                <a:ea typeface="+mj-ea"/>
+                <a:cs typeface="+mj-cs"/>
+              </a:rPr>
+              <a:t>社区</a:t>
+            </a:r>
+            <a:r>
+              <a:rPr lang="zh-CN" altLang="en-US">
+                <a:ln/>
+                <a:solidFill>
+                  <a:schemeClr val="tx1"/>
+                </a:solidFill>
+                <a:effectLst>
+                  <a:outerShdw blurRad="38100" dist="19050" dir="2700000" algn="tl" rotWithShape="0">
+                    <a:schemeClr val="dk1">
+                      <a:alpha val="40000"/>
+                    </a:schemeClr>
+                  </a:outerShdw>
+                </a:effectLst>
+                <a:latin typeface="+mj-lt"/>
+                <a:ea typeface="+mj-ea"/>
+                <a:cs typeface="+mj-cs"/>
+              </a:rPr>
+              <a:t> 团队</a:t>
+            </a:r>
+            <a:endParaRPr lang="zh-CN" altLang="en-US" sz="3200">
+              <a:ln/>
+              <a:solidFill>
+                <a:schemeClr val="tx1"/>
+              </a:solidFill>
+              <a:effectLst>
+                <a:outerShdw blurRad="38100" dist="19050" dir="2700000" algn="tl" rotWithShape="0">
+                  <a:schemeClr val="dk1">
+                    <a:alpha val="40000"/>
+                  </a:schemeClr>
+                </a:outerShdw>
+              </a:effectLst>
+              <a:latin typeface="+mj-lt"/>
+              <a:ea typeface="+mj-ea"/>
+              <a:cs typeface="+mj-cs"/>
+            </a:endParaRPr>
+          </a:p>
+        </p:txBody>
+      </p:sp>
+      <p:sp>
+        <p:nvSpPr>
+          <p:cNvPr id="15" name="文本框 14"/>
+          <p:cNvSpPr txBox="1"/>
+          <p:nvPr>
+            <p:custDataLst>
+              <p:tags r:id="rId13"/>
+            </p:custDataLst>
+          </p:nvPr>
+        </p:nvSpPr>
+        <p:spPr>
+          <a:xfrm>
+            <a:off x="4177818" y="2324662"/>
+            <a:ext cx="3724597" cy="3094758"/>
+          </a:xfrm>
+          <a:prstGeom prst="rect">
+            <a:avLst/>
+          </a:prstGeom>
+        </p:spPr>
+        <p:txBody>
+          <a:bodyPr wrap="square">
+            <a:normAutofit/>
+          </a:bodyPr>
+          <a:lstStyle>
+            <a:defPPr>
+              <a:defRPr lang="zh-CN"/>
+            </a:defPPr>
+            <a:lvl1pPr>
+              <a:lnSpc>
+                <a:spcPct val="130000"/>
+              </a:lnSpc>
+              <a:spcBef>
+                <a:spcPts val="600"/>
+              </a:spcBef>
+              <a:spcAft>
+                <a:spcPts val="1200"/>
+              </a:spcAft>
+              <a:defRPr sz="1400">
+                <a:solidFill>
+                  <a:schemeClr val="bg1"/>
+                </a:solidFill>
+                <a:cs typeface="+mn-ea"/>
+              </a:defRPr>
+            </a:lvl1pPr>
+          </a:lstStyle>
+          <a:p>
+            <a:r>
+              <a:rPr lang="en-US" altLang="zh-CN" sz="1800">
+                <a:ln/>
+                <a:solidFill>
+                  <a:schemeClr val="tx1"/>
+                </a:solidFill>
+                <a:effectLst>
+                  <a:outerShdw blurRad="38100" dist="19050" dir="2700000" algn="tl" rotWithShape="0">
+                    <a:schemeClr val="dk1">
+                      <a:alpha val="40000"/>
+                    </a:schemeClr>
+                  </a:outerShdw>
+                </a:effectLst>
+                <a:latin typeface="宋体" panose="02010600030101010101" pitchFamily="2" charset="-122"/>
+                <a:ea typeface="宋体" panose="02010600030101010101" pitchFamily="2" charset="-122"/>
+                <a:cs typeface="+mn-cs"/>
+              </a:rPr>
+              <a:t>◎</a:t>
+            </a:r>
+            <a:r>
+              <a:rPr lang="zh-CN" altLang="en-US" sz="1800">
+                <a:ln/>
+                <a:solidFill>
+                  <a:schemeClr val="tx1"/>
+                </a:solidFill>
+                <a:effectLst>
+                  <a:outerShdw blurRad="38100" dist="19050" dir="2700000" algn="tl" rotWithShape="0">
+                    <a:schemeClr val="dk1">
+                      <a:alpha val="40000"/>
+                    </a:schemeClr>
+                  </a:outerShdw>
+                </a:effectLst>
+                <a:latin typeface="宋体" panose="02010600030101010101" pitchFamily="2" charset="-122"/>
+                <a:ea typeface="宋体" panose="02010600030101010101" pitchFamily="2" charset="-122"/>
+                <a:cs typeface="+mn-cs"/>
+              </a:rPr>
+              <a:t>通过大多数人的无私奉献来完成整个项目。</a:t>
+            </a:r>
+            <a:endParaRPr lang="zh-CN" altLang="en-US" sz="1800">
+              <a:ln/>
+              <a:solidFill>
+                <a:schemeClr val="tx1"/>
+              </a:solidFill>
+              <a:effectLst>
+                <a:outerShdw blurRad="38100" dist="19050" dir="2700000" algn="tl" rotWithShape="0">
+                  <a:schemeClr val="dk1">
+                    <a:alpha val="40000"/>
+                  </a:schemeClr>
+                </a:outerShdw>
+              </a:effectLst>
+              <a:latin typeface="宋体" panose="02010600030101010101" pitchFamily="2" charset="-122"/>
+              <a:ea typeface="宋体" panose="02010600030101010101" pitchFamily="2" charset="-122"/>
+              <a:cs typeface="+mn-cs"/>
+            </a:endParaRPr>
+          </a:p>
+          <a:p>
+            <a:r>
+              <a:rPr lang="zh-CN" altLang="en-US" sz="1800">
+                <a:ln/>
+                <a:solidFill>
+                  <a:schemeClr val="tx1"/>
+                </a:solidFill>
+                <a:effectLst>
+                  <a:outerShdw blurRad="38100" dist="19050" dir="2700000" algn="tl" rotWithShape="0">
+                    <a:schemeClr val="dk1">
+                      <a:alpha val="40000"/>
+                    </a:schemeClr>
+                  </a:outerShdw>
+                </a:effectLst>
+                <a:latin typeface="宋体" panose="02010600030101010101" pitchFamily="2" charset="-122"/>
+                <a:ea typeface="宋体" panose="02010600030101010101" pitchFamily="2" charset="-122"/>
+                <a:cs typeface="+mn-cs"/>
+              </a:rPr>
+              <a:t>◎具有相应的审查制度。</a:t>
+            </a:r>
+            <a:endParaRPr lang="zh-CN" altLang="en-US" sz="1800">
+              <a:ln/>
+              <a:solidFill>
+                <a:schemeClr val="tx1"/>
+              </a:solidFill>
+              <a:effectLst>
+                <a:outerShdw blurRad="38100" dist="19050" dir="2700000" algn="tl" rotWithShape="0">
+                  <a:schemeClr val="dk1">
+                    <a:alpha val="40000"/>
+                  </a:schemeClr>
+                </a:outerShdw>
+              </a:effectLst>
+              <a:latin typeface="宋体" panose="02010600030101010101" pitchFamily="2" charset="-122"/>
+              <a:ea typeface="宋体" panose="02010600030101010101" pitchFamily="2" charset="-122"/>
+              <a:cs typeface="+mn-cs"/>
+            </a:endParaRPr>
+          </a:p>
+          <a:p>
+            <a:r>
+              <a:rPr lang="zh-CN" altLang="en-US" sz="1800">
+                <a:ln/>
+                <a:solidFill>
+                  <a:schemeClr val="tx1"/>
+                </a:solidFill>
+                <a:effectLst>
+                  <a:outerShdw blurRad="38100" dist="19050" dir="2700000" algn="tl" rotWithShape="0">
+                    <a:schemeClr val="dk1">
+                      <a:alpha val="40000"/>
+                    </a:schemeClr>
+                  </a:outerShdw>
+                </a:effectLst>
+                <a:latin typeface="宋体" panose="02010600030101010101" pitchFamily="2" charset="-122"/>
+                <a:ea typeface="宋体" panose="02010600030101010101" pitchFamily="2" charset="-122"/>
+                <a:cs typeface="+mn-cs"/>
+              </a:rPr>
+              <a:t>◎我的经历：东北大学虚拟校园项目。</a:t>
+            </a:r>
+            <a:endParaRPr lang="zh-CN" altLang="en-US">
+              <a:ln/>
+              <a:solidFill>
+                <a:schemeClr val="tx1"/>
+              </a:solidFill>
+              <a:effectLst>
+                <a:outerShdw blurRad="38100" dist="19050" dir="2700000" algn="tl" rotWithShape="0">
+                  <a:schemeClr val="dk1">
+                    <a:alpha val="40000"/>
+                  </a:schemeClr>
+                </a:outerShdw>
+              </a:effectLst>
+              <a:latin typeface="宋体" panose="02010600030101010101" pitchFamily="2" charset="-122"/>
+              <a:ea typeface="宋体" panose="02010600030101010101" pitchFamily="2" charset="-122"/>
+              <a:cs typeface="+mn-cs"/>
+            </a:endParaRPr>
+          </a:p>
+          <a:p>
+            <a:endParaRPr lang="zh-CN" altLang="en-US">
+              <a:ln/>
+              <a:solidFill>
+                <a:schemeClr val="tx1"/>
+              </a:solidFill>
+              <a:effectLst>
+                <a:outerShdw blurRad="38100" dist="19050" dir="2700000" algn="tl" rotWithShape="0">
+                  <a:schemeClr val="dk1">
+                    <a:alpha val="40000"/>
+                  </a:schemeClr>
+                </a:outerShdw>
+              </a:effectLst>
+              <a:latin typeface="宋体" panose="02010600030101010101" pitchFamily="2" charset="-122"/>
+              <a:ea typeface="宋体" panose="02010600030101010101" pitchFamily="2" charset="-122"/>
+              <a:cs typeface="+mn-cs"/>
+            </a:endParaRPr>
+          </a:p>
+        </p:txBody>
+      </p:sp>
+    </p:spTree>
+    <p:custDataLst>
+      <p:tags r:id="rId14"/>
+    </p:custDataLst>
+  </p:cSld>
+  <p:clrMapOvr>
+    <a:masterClrMapping/>
+  </p:clrMapOvr>
+</p:sld>
+</file>
+
+<file path=ppt/slides/slide5.xml><?xml version="1.0" encoding="utf-8"?>
+<p:sld xmlns:a="http://schemas.openxmlformats.org/drawingml/2006/main" xmlns:r="http://schemas.openxmlformats.org/officeDocument/2006/relationships" xmlns:p="http://schemas.openxmlformats.org/presentationml/2006/main">
+  <p:cSld>
+    <p:spTree>
+      <p:nvGrpSpPr>
+        <p:cNvPr id="1" name=""/>
+        <p:cNvGrpSpPr/>
+        <p:nvPr/>
+      </p:nvGrpSpPr>
+      <p:grpSpPr>
+        <a:xfrm>
+          <a:off x="0" y="0"/>
+          <a:ext cx="0" cy="0"/>
+          <a:chOff x="0" y="0"/>
+          <a:chExt cx="0" cy="0"/>
+        </a:xfrm>
+      </p:grpSpPr>
+      <p:pic>
+        <p:nvPicPr>
+          <p:cNvPr id="9" name="图片 8" descr="E:\Modern software engineering\资料图片\忍者.JPG忍者"/>
+          <p:cNvPicPr>
+            <a:picLocks noChangeAspect="1"/>
+          </p:cNvPicPr>
+          <p:nvPr>
+            <p:custDataLst>
+              <p:tags r:id="rId1"/>
+            </p:custDataLst>
+          </p:nvPr>
+        </p:nvPicPr>
+        <p:blipFill>
+          <a:blip r:embed="rId2"/>
+          <a:srcRect/>
+          <a:stretch>
+            <a:fillRect/>
+          </a:stretch>
+        </p:blipFill>
+        <p:spPr>
+          <a:xfrm>
+            <a:off x="0" y="158750"/>
+            <a:ext cx="12192000" cy="6540500"/>
+          </a:xfrm>
+          <a:prstGeom prst="rect">
+            <a:avLst/>
+          </a:prstGeom>
+        </p:spPr>
+      </p:pic>
+      <p:sp>
+        <p:nvSpPr>
+          <p:cNvPr id="2" name="矩形 1"/>
+          <p:cNvSpPr/>
+          <p:nvPr>
+            <p:custDataLst>
+              <p:tags r:id="rId3"/>
+            </p:custDataLst>
+          </p:nvPr>
+        </p:nvSpPr>
+        <p:spPr>
+          <a:xfrm>
+            <a:off x="0" y="0"/>
+            <a:ext cx="4940300" cy="6858000"/>
+          </a:xfrm>
+          <a:prstGeom prst="rect">
+            <a:avLst/>
+          </a:prstGeom>
+          <a:gradFill flip="none" rotWithShape="1">
+            <a:gsLst>
+              <a:gs pos="33000">
+                <a:schemeClr val="accent1">
+                  <a:lumMod val="75000"/>
+                  <a:alpha val="88000"/>
+                </a:schemeClr>
+              </a:gs>
+              <a:gs pos="100000">
+                <a:schemeClr val="accent1">
+                  <a:alpha val="40000"/>
+                </a:schemeClr>
+              </a:gs>
+            </a:gsLst>
+            <a:lin ang="0" scaled="1"/>
+            <a:tileRect/>
+          </a:gradFill>
+          <a:ln>
+            <a:noFill/>
+          </a:ln>
+        </p:spPr>
+        <p:style>
+          <a:lnRef idx="2">
+            <a:schemeClr val="accent1">
+              <a:shade val="50000"/>
+            </a:schemeClr>
+          </a:lnRef>
+          <a:fillRef idx="1">
+            <a:schemeClr val="accent1"/>
+          </a:fillRef>
+          <a:effectRef idx="0">
+            <a:schemeClr val="accent1"/>
+          </a:effectRef>
+          <a:fontRef idx="minor">
+            <a:schemeClr val="lt1"/>
+          </a:fontRef>
+        </p:style>
+        <p:txBody>
+          <a:bodyPr rtlCol="0" anchor="ctr"/>
+          <a:lstStyle/>
+          <a:p>
+            <a:pPr algn="ctr"/>
+            <a:endParaRPr lang="zh-CN" altLang="en-US"/>
+          </a:p>
+        </p:txBody>
+      </p:sp>
+      <p:sp>
+        <p:nvSpPr>
+          <p:cNvPr id="3" name="矩形 2"/>
+          <p:cNvSpPr/>
+          <p:nvPr>
+            <p:custDataLst>
+              <p:tags r:id="rId4"/>
+            </p:custDataLst>
+          </p:nvPr>
+        </p:nvSpPr>
+        <p:spPr>
+          <a:xfrm>
+            <a:off x="635000" y="2354245"/>
+            <a:ext cx="1155700" cy="63500"/>
+          </a:xfrm>
+          <a:prstGeom prst="rect">
+            <a:avLst/>
+          </a:prstGeom>
+          <a:solidFill>
+            <a:schemeClr val="accent3"/>
+          </a:solidFill>
+          <a:ln>
+            <a:noFill/>
+          </a:ln>
+        </p:spPr>
+        <p:style>
+          <a:lnRef idx="2">
+            <a:schemeClr val="accent1">
+              <a:shade val="50000"/>
+            </a:schemeClr>
+          </a:lnRef>
+          <a:fillRef idx="1">
+            <a:schemeClr val="accent1"/>
+          </a:fillRef>
+          <a:effectRef idx="0">
+            <a:schemeClr val="accent1"/>
+          </a:effectRef>
+          <a:fontRef idx="minor">
+            <a:schemeClr val="lt1"/>
+          </a:fontRef>
+        </p:style>
+        <p:txBody>
+          <a:bodyPr rtlCol="0" anchor="ctr"/>
+          <a:lstStyle/>
+          <a:p>
+            <a:pPr algn="ctr"/>
+            <a:endParaRPr lang="zh-CN" altLang="en-US"/>
+          </a:p>
+        </p:txBody>
+      </p:sp>
+      <p:sp>
+        <p:nvSpPr>
+          <p:cNvPr id="6" name="文本框 5"/>
+          <p:cNvSpPr txBox="1"/>
+          <p:nvPr>
+            <p:custDataLst>
+              <p:tags r:id="rId5"/>
+            </p:custDataLst>
+          </p:nvPr>
+        </p:nvSpPr>
+        <p:spPr>
+          <a:xfrm>
+            <a:off x="544195" y="2712085"/>
+            <a:ext cx="3724910" cy="3576955"/>
+          </a:xfrm>
+          <a:prstGeom prst="rect">
+            <a:avLst/>
+          </a:prstGeom>
+        </p:spPr>
+        <p:txBody>
+          <a:bodyPr wrap="square">
+            <a:normAutofit fontScale="90000"/>
+          </a:bodyPr>
+          <a:lstStyle>
+            <a:defPPr>
+              <a:defRPr lang="zh-CN"/>
+            </a:defPPr>
+            <a:lvl1pPr>
+              <a:lnSpc>
+                <a:spcPct val="130000"/>
+              </a:lnSpc>
+              <a:spcBef>
+                <a:spcPts val="600"/>
+              </a:spcBef>
+              <a:spcAft>
+                <a:spcPts val="1200"/>
+              </a:spcAft>
+              <a:defRPr sz="1400">
+                <a:solidFill>
+                  <a:schemeClr val="bg1"/>
+                </a:solidFill>
+                <a:cs typeface="+mn-ea"/>
+              </a:defRPr>
+            </a:lvl1pPr>
+          </a:lstStyle>
+          <a:p>
+            <a:r>
+              <a:rPr lang="en-US" altLang="zh-CN" sz="1800">
+                <a:latin typeface="宋体" panose="02010600030101010101" pitchFamily="2" charset="-122"/>
+                <a:ea typeface="宋体" panose="02010600030101010101" pitchFamily="2" charset="-122"/>
+                <a:cs typeface="+mn-cs"/>
+              </a:rPr>
+              <a:t>◎</a:t>
+            </a:r>
+            <a:r>
+              <a:rPr lang="zh-CN" altLang="en-US" sz="1800">
+                <a:latin typeface="宋体" panose="02010600030101010101" pitchFamily="2" charset="-122"/>
+                <a:ea typeface="宋体" panose="02010600030101010101" pitchFamily="2" charset="-122"/>
+                <a:cs typeface="+mn-cs"/>
+              </a:rPr>
+              <a:t>在小项目当中，个人的开发效率有可能要高于2-3人的新人团队。</a:t>
+            </a:r>
+            <a:endParaRPr lang="zh-CN" altLang="en-US" sz="1800">
+              <a:latin typeface="宋体" panose="02010600030101010101" pitchFamily="2" charset="-122"/>
+              <a:ea typeface="宋体" panose="02010600030101010101" pitchFamily="2" charset="-122"/>
+              <a:cs typeface="+mn-cs"/>
+            </a:endParaRPr>
+          </a:p>
+          <a:p>
+            <a:r>
+              <a:rPr lang="zh-CN" altLang="en-US" sz="1800">
+                <a:latin typeface="宋体" panose="02010600030101010101" pitchFamily="2" charset="-122"/>
+                <a:ea typeface="宋体" panose="02010600030101010101" pitchFamily="2" charset="-122"/>
+                <a:cs typeface="+mn-cs"/>
+              </a:rPr>
+              <a:t>◎《乌合之众：大众心理学研究》提到，无规则约束的团队效率反而远远不如个人</a:t>
+            </a:r>
+            <a:endParaRPr lang="zh-CN" altLang="en-US" sz="1800">
+              <a:latin typeface="宋体" panose="02010600030101010101" pitchFamily="2" charset="-122"/>
+              <a:ea typeface="宋体" panose="02010600030101010101" pitchFamily="2" charset="-122"/>
+              <a:cs typeface="+mn-cs"/>
+            </a:endParaRPr>
+          </a:p>
+          <a:p>
+            <a:r>
+              <a:rPr lang="zh-CN" altLang="en-US" sz="1800">
+                <a:latin typeface="宋体" panose="02010600030101010101" pitchFamily="2" charset="-122"/>
+                <a:ea typeface="宋体" panose="02010600030101010101" pitchFamily="2" charset="-122"/>
+                <a:cs typeface="+mn-cs"/>
+              </a:rPr>
+              <a:t>◎这种模式在30年前的软件开发当中非常流行：在车库当中诞生的诸多软件产品。但是在当今的大公司科学的规划下，日本忍者已然面临着战国时代的结束。</a:t>
+            </a:r>
+            <a:endParaRPr lang="zh-CN" altLang="en-US" sz="1800">
+              <a:latin typeface="宋体" panose="02010600030101010101" pitchFamily="2" charset="-122"/>
+              <a:ea typeface="宋体" panose="02010600030101010101" pitchFamily="2" charset="-122"/>
+              <a:cs typeface="+mn-cs"/>
+            </a:endParaRPr>
+          </a:p>
+        </p:txBody>
+      </p:sp>
+      <p:sp>
+        <p:nvSpPr>
+          <p:cNvPr id="5" name="文本框 4"/>
+          <p:cNvSpPr txBox="1"/>
+          <p:nvPr>
+            <p:custDataLst>
+              <p:tags r:id="rId6"/>
+            </p:custDataLst>
+          </p:nvPr>
+        </p:nvSpPr>
+        <p:spPr>
+          <a:xfrm>
+            <a:off x="634695" y="1371248"/>
+            <a:ext cx="3967766" cy="522451"/>
+          </a:xfrm>
+          <a:prstGeom prst="rect">
+            <a:avLst/>
+          </a:prstGeom>
+        </p:spPr>
+        <p:txBody>
+          <a:bodyPr wrap="square">
+            <a:noAutofit/>
+            <a:scene3d>
+              <a:camera prst="orthographicFront"/>
+              <a:lightRig rig="threePt" dir="t"/>
+            </a:scene3d>
+          </a:bodyPr>
+          <a:lstStyle>
+            <a:defPPr>
+              <a:defRPr lang="zh-CN"/>
+            </a:defPPr>
+            <a:lvl1pPr>
+              <a:lnSpc>
+                <a:spcPct val="130000"/>
+              </a:lnSpc>
+              <a:defRPr sz="2400">
+                <a:solidFill>
+                  <a:schemeClr val="bg2"/>
+                </a:solidFill>
+                <a:cs typeface="+mn-ea"/>
+              </a:defRPr>
+            </a:lvl1pPr>
+          </a:lstStyle>
+          <a:p>
+            <a:r>
+              <a:rPr lang="zh-CN">
+                <a:latin typeface="+mj-lt"/>
+                <a:ea typeface="+mj-ea"/>
+                <a:cs typeface="+mj-cs"/>
+              </a:rPr>
+              <a:t>附加 </a:t>
+            </a:r>
+            <a:r>
+              <a:rPr lang="en-US" altLang="zh-CN">
+                <a:latin typeface="+mj-lt"/>
+                <a:ea typeface="+mj-ea"/>
+                <a:cs typeface="+mj-cs"/>
+              </a:rPr>
+              <a:t>: </a:t>
+            </a:r>
+            <a:r>
+              <a:rPr lang="zh-CN">
+                <a:latin typeface="+mj-lt"/>
+                <a:ea typeface="+mj-ea"/>
+                <a:cs typeface="+mj-cs"/>
+              </a:rPr>
+              <a:t>日本忍者团队模式</a:t>
+            </a:r>
+            <a:endParaRPr lang="zh-CN" sz="3200">
+              <a:ln w="6600">
+                <a:solidFill>
+                  <a:schemeClr val="accent2"/>
+                </a:solidFill>
+                <a:prstDash val="solid"/>
+              </a:ln>
+              <a:solidFill>
+                <a:srgbClr val="FFFFFF"/>
+              </a:solidFill>
+              <a:effectLst>
+                <a:outerShdw dist="38100" dir="2700000" algn="tl" rotWithShape="0">
+                  <a:schemeClr val="accent2"/>
+                </a:outerShdw>
+              </a:effectLst>
+              <a:latin typeface="+mj-lt"/>
+              <a:ea typeface="+mj-ea"/>
+              <a:cs typeface="+mj-cs"/>
+            </a:endParaRPr>
+          </a:p>
+        </p:txBody>
+      </p:sp>
+    </p:spTree>
+    <p:custDataLst>
+      <p:tags r:id="rId7"/>
+    </p:custDataLst>
+  </p:cSld>
+  <p:clrMapOvr>
+    <a:masterClrMapping/>
+  </p:clrMapOvr>
+</p:sld>
+</file>
+
+<file path=ppt/slides/slide6.xml><?xml version="1.0" encoding="utf-8"?>
+<p:sld xmlns:a="http://schemas.openxmlformats.org/drawingml/2006/main" xmlns:r="http://schemas.openxmlformats.org/officeDocument/2006/relationships" xmlns:p="http://schemas.openxmlformats.org/presentationml/2006/main">
+  <p:cSld>
+    <p:spTree>
+      <p:nvGrpSpPr>
+        <p:cNvPr id="1" name=""/>
+        <p:cNvGrpSpPr/>
+        <p:nvPr/>
+      </p:nvGrpSpPr>
+      <p:grpSpPr>
+        <a:xfrm>
+          <a:off x="0" y="0"/>
+          <a:ext cx="0" cy="0"/>
+          <a:chOff x="0" y="0"/>
+          <a:chExt cx="0" cy="0"/>
+        </a:xfrm>
+      </p:grpSpPr>
+      <p:pic>
+        <p:nvPicPr>
+          <p:cNvPr id="9" name="图片 8" descr="E:\Modern software engineering\资料图片\全栈工程师.jpg全栈工程师"/>
+          <p:cNvPicPr>
+            <a:picLocks noChangeAspect="1"/>
+          </p:cNvPicPr>
+          <p:nvPr>
+            <p:custDataLst>
+              <p:tags r:id="rId1"/>
+            </p:custDataLst>
+          </p:nvPr>
+        </p:nvPicPr>
+        <p:blipFill>
+          <a:blip r:embed="rId2"/>
+          <a:srcRect/>
+          <a:stretch>
+            <a:fillRect/>
+          </a:stretch>
+        </p:blipFill>
+        <p:spPr>
+          <a:xfrm>
+            <a:off x="0" y="-1650365"/>
+            <a:ext cx="12201525" cy="8806815"/>
+          </a:xfrm>
+          <a:prstGeom prst="rect">
+            <a:avLst/>
+          </a:prstGeom>
+        </p:spPr>
+      </p:pic>
+      <p:sp>
+        <p:nvSpPr>
+          <p:cNvPr id="2" name="矩形 1"/>
+          <p:cNvSpPr/>
+          <p:nvPr>
+            <p:custDataLst>
+              <p:tags r:id="rId3"/>
+            </p:custDataLst>
+          </p:nvPr>
+        </p:nvSpPr>
+        <p:spPr>
+          <a:xfrm>
+            <a:off x="0" y="0"/>
+            <a:ext cx="4940300" cy="6858000"/>
+          </a:xfrm>
+          <a:prstGeom prst="rect">
+            <a:avLst/>
+          </a:prstGeom>
+          <a:gradFill flip="none" rotWithShape="1">
+            <a:gsLst>
+              <a:gs pos="33000">
+                <a:schemeClr val="accent1">
+                  <a:lumMod val="75000"/>
+                  <a:alpha val="88000"/>
+                </a:schemeClr>
+              </a:gs>
+              <a:gs pos="100000">
+                <a:schemeClr val="accent1">
+                  <a:alpha val="40000"/>
+                </a:schemeClr>
+              </a:gs>
+            </a:gsLst>
+            <a:lin ang="0" scaled="1"/>
+            <a:tileRect/>
+          </a:gradFill>
+          <a:ln>
+            <a:noFill/>
+          </a:ln>
+        </p:spPr>
+        <p:style>
+          <a:lnRef idx="2">
+            <a:schemeClr val="accent1">
+              <a:shade val="50000"/>
+            </a:schemeClr>
+          </a:lnRef>
+          <a:fillRef idx="1">
+            <a:schemeClr val="accent1"/>
+          </a:fillRef>
+          <a:effectRef idx="0">
+            <a:schemeClr val="accent1"/>
+          </a:effectRef>
+          <a:fontRef idx="minor">
+            <a:schemeClr val="lt1"/>
+          </a:fontRef>
+        </p:style>
+        <p:txBody>
+          <a:bodyPr rtlCol="0" anchor="ctr"/>
+          <a:lstStyle/>
+          <a:p>
+            <a:pPr algn="ctr"/>
+            <a:endParaRPr lang="zh-CN" altLang="en-US"/>
+          </a:p>
+        </p:txBody>
+      </p:sp>
+      <p:sp>
+        <p:nvSpPr>
+          <p:cNvPr id="3" name="矩形 2"/>
+          <p:cNvSpPr/>
+          <p:nvPr>
+            <p:custDataLst>
+              <p:tags r:id="rId4"/>
+            </p:custDataLst>
+          </p:nvPr>
+        </p:nvSpPr>
+        <p:spPr>
+          <a:xfrm>
+            <a:off x="635000" y="2354245"/>
+            <a:ext cx="1155700" cy="63500"/>
+          </a:xfrm>
+          <a:prstGeom prst="rect">
+            <a:avLst/>
+          </a:prstGeom>
+          <a:solidFill>
+            <a:schemeClr val="accent3"/>
+          </a:solidFill>
+          <a:ln>
+            <a:noFill/>
+          </a:ln>
+        </p:spPr>
+        <p:style>
+          <a:lnRef idx="2">
+            <a:schemeClr val="accent1">
+              <a:shade val="50000"/>
+            </a:schemeClr>
+          </a:lnRef>
+          <a:fillRef idx="1">
+            <a:schemeClr val="accent1"/>
+          </a:fillRef>
+          <a:effectRef idx="0">
+            <a:schemeClr val="accent1"/>
+          </a:effectRef>
+          <a:fontRef idx="minor">
+            <a:schemeClr val="lt1"/>
+          </a:fontRef>
+        </p:style>
+        <p:txBody>
+          <a:bodyPr rtlCol="0" anchor="ctr"/>
+          <a:lstStyle/>
+          <a:p>
+            <a:pPr algn="ctr"/>
+            <a:endParaRPr lang="zh-CN" altLang="en-US"/>
+          </a:p>
+        </p:txBody>
+      </p:sp>
+      <p:sp>
+        <p:nvSpPr>
+          <p:cNvPr id="6" name="文本框 5"/>
+          <p:cNvSpPr txBox="1"/>
+          <p:nvPr>
+            <p:custDataLst>
+              <p:tags r:id="rId5"/>
+            </p:custDataLst>
+          </p:nvPr>
+        </p:nvSpPr>
+        <p:spPr>
+          <a:xfrm>
+            <a:off x="544195" y="2712085"/>
+            <a:ext cx="3724910" cy="3576955"/>
+          </a:xfrm>
+          <a:prstGeom prst="rect">
+            <a:avLst/>
+          </a:prstGeom>
+        </p:spPr>
+        <p:txBody>
+          <a:bodyPr wrap="square">
+            <a:normAutofit/>
+          </a:bodyPr>
+          <a:lstStyle>
+            <a:defPPr>
+              <a:defRPr lang="zh-CN"/>
+            </a:defPPr>
+            <a:lvl1pPr>
+              <a:lnSpc>
+                <a:spcPct val="130000"/>
+              </a:lnSpc>
+              <a:spcBef>
+                <a:spcPts val="600"/>
+              </a:spcBef>
+              <a:spcAft>
+                <a:spcPts val="1200"/>
+              </a:spcAft>
+              <a:defRPr sz="1400">
+                <a:solidFill>
+                  <a:schemeClr val="bg1"/>
+                </a:solidFill>
+                <a:cs typeface="+mn-ea"/>
+              </a:defRPr>
+            </a:lvl1pPr>
+          </a:lstStyle>
+          <a:p>
+            <a:r>
+              <a:rPr lang="en-US" altLang="zh-CN" sz="1800">
+                <a:latin typeface="宋体" panose="02010600030101010101" pitchFamily="2" charset="-122"/>
+                <a:ea typeface="宋体" panose="02010600030101010101" pitchFamily="2" charset="-122"/>
+                <a:cs typeface="+mn-cs"/>
+              </a:rPr>
+              <a:t>◎</a:t>
+            </a:r>
+            <a:r>
+              <a:rPr lang="zh-CN" altLang="en-US" sz="1800">
+                <a:latin typeface="宋体" panose="02010600030101010101" pitchFamily="2" charset="-122"/>
+                <a:ea typeface="宋体" panose="02010600030101010101" pitchFamily="2" charset="-122"/>
+                <a:cs typeface="+mn-cs"/>
+              </a:rPr>
+              <a:t>由日本忍者团队的进阶。</a:t>
+            </a:r>
+            <a:endParaRPr lang="zh-CN" altLang="en-US" sz="1800">
+              <a:latin typeface="宋体" panose="02010600030101010101" pitchFamily="2" charset="-122"/>
+              <a:ea typeface="宋体" panose="02010600030101010101" pitchFamily="2" charset="-122"/>
+              <a:cs typeface="+mn-cs"/>
+            </a:endParaRPr>
+          </a:p>
+          <a:p>
+            <a:r>
+              <a:rPr lang="zh-CN" altLang="en-US" sz="1800">
+                <a:latin typeface="宋体" panose="02010600030101010101" pitchFamily="2" charset="-122"/>
+                <a:ea typeface="宋体" panose="02010600030101010101" pitchFamily="2" charset="-122"/>
+                <a:cs typeface="+mn-cs"/>
+              </a:rPr>
+              <a:t>◎经验老道，快速解决问题。</a:t>
+            </a:r>
+            <a:endParaRPr lang="zh-CN" altLang="en-US" sz="1800">
+              <a:latin typeface="宋体" panose="02010600030101010101" pitchFamily="2" charset="-122"/>
+              <a:ea typeface="宋体" panose="02010600030101010101" pitchFamily="2" charset="-122"/>
+              <a:cs typeface="+mn-cs"/>
+            </a:endParaRPr>
+          </a:p>
+          <a:p>
+            <a:endParaRPr lang="zh-CN" altLang="en-US" sz="1800">
+              <a:latin typeface="宋体" panose="02010600030101010101" pitchFamily="2" charset="-122"/>
+              <a:ea typeface="宋体" panose="02010600030101010101" pitchFamily="2" charset="-122"/>
+              <a:cs typeface="+mn-cs"/>
+            </a:endParaRPr>
+          </a:p>
+        </p:txBody>
+      </p:sp>
+      <p:sp>
+        <p:nvSpPr>
+          <p:cNvPr id="5" name="文本框 4"/>
+          <p:cNvSpPr txBox="1"/>
+          <p:nvPr>
+            <p:custDataLst>
+              <p:tags r:id="rId6"/>
+            </p:custDataLst>
+          </p:nvPr>
+        </p:nvSpPr>
+        <p:spPr>
+          <a:xfrm>
+            <a:off x="634695" y="1371248"/>
+            <a:ext cx="3967766" cy="522451"/>
+          </a:xfrm>
+          <a:prstGeom prst="rect">
+            <a:avLst/>
+          </a:prstGeom>
+        </p:spPr>
+        <p:txBody>
+          <a:bodyPr wrap="square">
+            <a:noAutofit/>
+            <a:scene3d>
+              <a:camera prst="orthographicFront"/>
+              <a:lightRig rig="threePt" dir="t"/>
+            </a:scene3d>
+          </a:bodyPr>
+          <a:lstStyle>
+            <a:defPPr>
+              <a:defRPr lang="zh-CN"/>
+            </a:defPPr>
+            <a:lvl1pPr>
+              <a:lnSpc>
+                <a:spcPct val="130000"/>
+              </a:lnSpc>
+              <a:defRPr sz="2400">
+                <a:solidFill>
+                  <a:schemeClr val="bg2"/>
+                </a:solidFill>
+                <a:cs typeface="+mn-ea"/>
+              </a:defRPr>
+            </a:lvl1pPr>
+          </a:lstStyle>
+          <a:p>
+            <a:r>
+              <a:rPr lang="en-US">
+                <a:latin typeface="+mj-lt"/>
+                <a:ea typeface="+mj-ea"/>
+                <a:cs typeface="+mj-cs"/>
+              </a:rPr>
+              <a:t>1.3 </a:t>
+            </a:r>
+            <a:r>
+              <a:rPr lang="zh-CN" altLang="en-US">
+                <a:latin typeface="+mj-lt"/>
+                <a:ea typeface="+mj-ea"/>
+                <a:cs typeface="+mj-cs"/>
+              </a:rPr>
+              <a:t>特工 团队</a:t>
+            </a:r>
+            <a:endParaRPr lang="zh-CN" altLang="en-US" sz="3200">
+              <a:ln w="6600">
+                <a:solidFill>
+                  <a:schemeClr val="accent2"/>
+                </a:solidFill>
+                <a:prstDash val="solid"/>
+              </a:ln>
+              <a:solidFill>
+                <a:srgbClr val="FFFFFF"/>
+              </a:solidFill>
+              <a:effectLst>
+                <a:outerShdw dist="38100" dir="2700000" algn="tl" rotWithShape="0">
+                  <a:schemeClr val="accent2"/>
+                </a:outerShdw>
+              </a:effectLst>
+              <a:latin typeface="+mj-lt"/>
+              <a:ea typeface="+mj-ea"/>
+              <a:cs typeface="+mj-cs"/>
+            </a:endParaRPr>
+          </a:p>
+        </p:txBody>
+      </p:sp>
+    </p:spTree>
+    <p:custDataLst>
+      <p:tags r:id="rId7"/>
+    </p:custDataLst>
+  </p:cSld>
+  <p:clrMapOvr>
+    <a:masterClrMapping/>
+  </p:clrMapOvr>
+</p:sld>
+</file>
+
+<file path=ppt/slides/slide7.xml><?xml version="1.0" encoding="utf-8"?>
+<p:sld xmlns:a="http://schemas.openxmlformats.org/drawingml/2006/main" xmlns:r="http://schemas.openxmlformats.org/officeDocument/2006/relationships" xmlns:p="http://schemas.openxmlformats.org/presentationml/2006/main">
+  <p:cSld>
+    <p:spTree>
+      <p:nvGrpSpPr>
+        <p:cNvPr id="1" name=""/>
+        <p:cNvGrpSpPr/>
+        <p:nvPr/>
+      </p:nvGrpSpPr>
+      <p:grpSpPr>
+        <a:xfrm>
+          <a:off x="0" y="0"/>
+          <a:ext cx="0" cy="0"/>
+          <a:chOff x="0" y="0"/>
+          <a:chExt cx="0" cy="0"/>
+        </a:xfrm>
+      </p:grpSpPr>
+      <p:pic>
+        <p:nvPicPr>
+          <p:cNvPr id="16" name="图片 15" descr="E:\Modern software engineering\资料图片\独立游戏2.png独立游戏2"/>
+          <p:cNvPicPr>
+            <a:picLocks noChangeAspect="1"/>
+          </p:cNvPicPr>
+          <p:nvPr>
+            <p:custDataLst>
+              <p:tags r:id="rId1"/>
+            </p:custDataLst>
+          </p:nvPr>
+        </p:nvPicPr>
+        <p:blipFill>
+          <a:blip r:embed="rId2"/>
+          <a:srcRect/>
+          <a:stretch>
+            <a:fillRect/>
+          </a:stretch>
+        </p:blipFill>
+        <p:spPr>
+          <a:xfrm>
+            <a:off x="-1991360" y="-528955"/>
+            <a:ext cx="15403195" cy="7233285"/>
+          </a:xfrm>
+          <a:prstGeom prst="rect">
+            <a:avLst/>
+          </a:prstGeom>
+        </p:spPr>
+      </p:pic>
+      <p:sp>
+        <p:nvSpPr>
+          <p:cNvPr id="3" name="矩形 2"/>
+          <p:cNvSpPr/>
+          <p:nvPr>
+            <p:custDataLst>
+              <p:tags r:id="rId3"/>
+            </p:custDataLst>
+          </p:nvPr>
+        </p:nvSpPr>
+        <p:spPr>
+          <a:xfrm>
+            <a:off x="0" y="-529046"/>
+            <a:ext cx="12192000" cy="4949371"/>
+          </a:xfrm>
+          <a:prstGeom prst="rect">
+            <a:avLst/>
+          </a:prstGeom>
+          <a:solidFill>
+            <a:schemeClr val="accent1">
+              <a:lumMod val="75000"/>
+              <a:alpha val="88000"/>
+            </a:schemeClr>
+          </a:solidFill>
+          <a:ln>
+            <a:noFill/>
+          </a:ln>
+        </p:spPr>
+        <p:style>
+          <a:lnRef idx="2">
+            <a:schemeClr val="accent1">
+              <a:shade val="50000"/>
+            </a:schemeClr>
+          </a:lnRef>
+          <a:fillRef idx="1">
+            <a:schemeClr val="accent1"/>
+          </a:fillRef>
+          <a:effectRef idx="0">
+            <a:schemeClr val="accent1"/>
+          </a:effectRef>
+          <a:fontRef idx="minor">
+            <a:schemeClr val="lt1"/>
+          </a:fontRef>
+        </p:style>
+        <p:txBody>
+          <a:bodyPr rtlCol="0" anchor="ctr"/>
+          <a:lstStyle/>
+          <a:p>
+            <a:pPr algn="ctr">
+              <a:lnSpc>
+                <a:spcPct val="130000"/>
+              </a:lnSpc>
+            </a:pPr>
+            <a:endParaRPr lang="zh-CN" altLang="en-US">
+              <a:cs typeface="+mn-ea"/>
+              <a:sym typeface="+mn-lt"/>
+            </a:endParaRPr>
+          </a:p>
+        </p:txBody>
+      </p:sp>
+      <p:sp>
+        <p:nvSpPr>
+          <p:cNvPr id="10" name="矩形 9"/>
+          <p:cNvSpPr/>
+          <p:nvPr>
+            <p:custDataLst>
+              <p:tags r:id="rId4"/>
+            </p:custDataLst>
+          </p:nvPr>
+        </p:nvSpPr>
+        <p:spPr>
+          <a:xfrm>
+            <a:off x="4688115" y="1567541"/>
+            <a:ext cx="2815770" cy="4506673"/>
+          </a:xfrm>
+          <a:prstGeom prst="rect">
+            <a:avLst/>
+          </a:prstGeom>
+          <a:solidFill>
+            <a:schemeClr val="accent1">
+              <a:lumMod val="60000"/>
+              <a:lumOff val="40000"/>
+            </a:schemeClr>
+          </a:solidFill>
+          <a:ln>
+            <a:noFill/>
+          </a:ln>
+        </p:spPr>
+        <p:style>
+          <a:lnRef idx="2">
+            <a:schemeClr val="accent1">
+              <a:shade val="50000"/>
+            </a:schemeClr>
+          </a:lnRef>
+          <a:fillRef idx="1">
+            <a:schemeClr val="accent1"/>
+          </a:fillRef>
+          <a:effectRef idx="0">
+            <a:schemeClr val="accent1"/>
+          </a:effectRef>
+          <a:fontRef idx="minor">
+            <a:schemeClr val="lt1"/>
+          </a:fontRef>
+        </p:style>
+        <p:txBody>
+          <a:bodyPr rtlCol="0" anchor="ctr"/>
+          <a:lstStyle/>
+          <a:p>
+            <a:pPr algn="ctr">
+              <a:lnSpc>
+                <a:spcPct val="130000"/>
+              </a:lnSpc>
+            </a:pPr>
+            <a:endParaRPr lang="zh-CN" altLang="en-US">
+              <a:solidFill>
+                <a:schemeClr val="tx2"/>
+              </a:solidFill>
+              <a:cs typeface="+mn-ea"/>
+              <a:sym typeface="+mn-lt"/>
+            </a:endParaRPr>
+          </a:p>
+        </p:txBody>
+      </p:sp>
+      <p:sp>
+        <p:nvSpPr>
+          <p:cNvPr id="4" name="文本框 3"/>
+          <p:cNvSpPr txBox="1"/>
+          <p:nvPr>
+            <p:custDataLst>
+              <p:tags r:id="rId5"/>
+            </p:custDataLst>
+          </p:nvPr>
+        </p:nvSpPr>
+        <p:spPr>
+          <a:xfrm>
+            <a:off x="4336542" y="438776"/>
+            <a:ext cx="3518912" cy="522451"/>
+          </a:xfrm>
+          <a:prstGeom prst="rect">
+            <a:avLst/>
+          </a:prstGeom>
+        </p:spPr>
+        <p:txBody>
+          <a:bodyPr wrap="none">
+            <a:normAutofit lnSpcReduction="20000"/>
+          </a:bodyPr>
+          <a:lstStyle>
+            <a:defPPr>
+              <a:defRPr lang="zh-CN"/>
+            </a:defPPr>
+            <a:lvl1pPr algn="ctr">
+              <a:lnSpc>
+                <a:spcPct val="130000"/>
+              </a:lnSpc>
+              <a:defRPr sz="2400" b="1">
+                <a:solidFill>
+                  <a:schemeClr val="bg2"/>
+                </a:solidFill>
+                <a:cs typeface="+mn-ea"/>
+              </a:defRPr>
+            </a:lvl1pPr>
+          </a:lstStyle>
+          <a:p>
+            <a:r>
+              <a:rPr lang="zh-CN" altLang="en-US">
+                <a:latin typeface="+mj-lt"/>
+                <a:ea typeface="+mj-ea"/>
+                <a:cs typeface="+mj-cs"/>
+              </a:rPr>
+              <a:t>附加：独立开发模式</a:t>
+            </a:r>
+            <a:endParaRPr lang="zh-CN" altLang="en-US">
+              <a:latin typeface="+mj-lt"/>
+              <a:ea typeface="+mj-ea"/>
+              <a:cs typeface="+mj-cs"/>
+            </a:endParaRPr>
+          </a:p>
+        </p:txBody>
+      </p:sp>
+      <p:sp>
+        <p:nvSpPr>
+          <p:cNvPr id="5" name="文本框 4"/>
+          <p:cNvSpPr txBox="1"/>
+          <p:nvPr>
+            <p:custDataLst>
+              <p:tags r:id="rId6"/>
+            </p:custDataLst>
+          </p:nvPr>
+        </p:nvSpPr>
+        <p:spPr>
+          <a:xfrm>
+            <a:off x="4916662" y="2123310"/>
+            <a:ext cx="2358676" cy="1154355"/>
+          </a:xfrm>
+          <a:prstGeom prst="rect">
+            <a:avLst/>
+          </a:prstGeom>
+        </p:spPr>
+        <p:txBody>
+          <a:bodyPr wrap="square">
+            <a:normAutofit lnSpcReduction="10000"/>
+          </a:bodyPr>
+          <a:lstStyle>
+            <a:defPPr>
+              <a:defRPr lang="zh-CN"/>
+            </a:defPPr>
+            <a:lvl1pPr algn="ctr">
+              <a:lnSpc>
+                <a:spcPct val="130000"/>
+              </a:lnSpc>
+              <a:defRPr sz="2800" b="1">
+                <a:solidFill>
+                  <a:schemeClr val="bg1"/>
+                </a:solidFill>
+                <a:cs typeface="+mn-ea"/>
+              </a:defRPr>
+            </a:lvl1pPr>
+          </a:lstStyle>
+          <a:p>
+            <a:r>
+              <a:rPr lang="en-US" altLang="zh-CN">
+                <a:latin typeface="+mj-lt"/>
+                <a:ea typeface="+mj-ea"/>
+                <a:cs typeface="+mj-cs"/>
+              </a:rPr>
+              <a:t>Add title here</a:t>
+            </a:r>
+            <a:endParaRPr lang="en-US" altLang="zh-CN">
+              <a:latin typeface="+mj-lt"/>
+              <a:ea typeface="+mj-ea"/>
+              <a:cs typeface="+mj-cs"/>
+            </a:endParaRPr>
+          </a:p>
+        </p:txBody>
+      </p:sp>
+      <p:sp>
+        <p:nvSpPr>
+          <p:cNvPr id="6" name="文本框 5"/>
+          <p:cNvSpPr txBox="1"/>
+          <p:nvPr>
+            <p:custDataLst>
+              <p:tags r:id="rId7"/>
+            </p:custDataLst>
+          </p:nvPr>
+        </p:nvSpPr>
+        <p:spPr>
+          <a:xfrm>
+            <a:off x="4916662" y="3456289"/>
+            <a:ext cx="2358676" cy="2215478"/>
+          </a:xfrm>
+          <a:prstGeom prst="rect">
+            <a:avLst/>
+          </a:prstGeom>
+        </p:spPr>
+        <p:txBody>
+          <a:bodyPr wrap="square">
+            <a:normAutofit lnSpcReduction="10000"/>
+          </a:bodyPr>
+          <a:lstStyle>
+            <a:defPPr>
+              <a:defRPr lang="zh-CN"/>
+            </a:defPPr>
+            <a:lvl1pPr algn="ctr">
+              <a:lnSpc>
+                <a:spcPct val="130000"/>
+              </a:lnSpc>
+              <a:defRPr>
+                <a:solidFill>
+                  <a:schemeClr val="bg1"/>
+                </a:solidFill>
+                <a:cs typeface="+mn-ea"/>
+              </a:defRPr>
+            </a:lvl1pPr>
+          </a:lstStyle>
+          <a:p>
+            <a:r>
+              <a:rPr lang="en-US" altLang="zh-CN">
+                <a:cs typeface="+mn-cs"/>
+              </a:rPr>
+              <a:t>Lorem ipsum dolor sit amet, consectetur adipisicing elit.Lorem ipsum dolor sit amet, consectetur adipisicing elit.</a:t>
+            </a:r>
+            <a:endParaRPr lang="en-US" altLang="zh-CN">
+              <a:cs typeface="+mn-cs"/>
+            </a:endParaRPr>
+          </a:p>
+        </p:txBody>
+      </p:sp>
+      <p:pic>
+        <p:nvPicPr>
+          <p:cNvPr id="14" name="图片 13"/>
+          <p:cNvPicPr>
+            <a:picLocks noChangeAspect="1"/>
+          </p:cNvPicPr>
+          <p:nvPr>
+            <p:custDataLst>
+              <p:tags r:id="rId8"/>
+            </p:custDataLst>
+          </p:nvPr>
+        </p:nvPicPr>
+        <p:blipFill>
+          <a:blip r:embed="rId9">
+            <a:extLst>
+              <a:ext uri="{28A0092B-C50C-407E-A947-70E740481C1C}">
+                <a14:useLocalDpi xmlns:a14="http://schemas.microsoft.com/office/drawing/2010/main" val="0"/>
+              </a:ext>
+            </a:extLst>
+          </a:blip>
+          <a:stretch>
+            <a:fillRect/>
+          </a:stretch>
+        </p:blipFill>
+        <p:spPr>
+          <a:xfrm>
+            <a:off x="1135063" y="1567540"/>
+            <a:ext cx="2809875" cy="4505325"/>
+          </a:xfrm>
+          <a:prstGeom prst="rect">
+            <a:avLst/>
+          </a:prstGeom>
+        </p:spPr>
+      </p:pic>
+      <p:pic>
+        <p:nvPicPr>
+          <p:cNvPr id="15" name="图片 14"/>
+          <p:cNvPicPr>
+            <a:picLocks noChangeAspect="1"/>
+          </p:cNvPicPr>
+          <p:nvPr>
+            <p:custDataLst>
+              <p:tags r:id="rId10"/>
+            </p:custDataLst>
+          </p:nvPr>
+        </p:nvPicPr>
+        <p:blipFill>
+          <a:blip r:embed="rId11">
+            <a:extLst>
+              <a:ext uri="{28A0092B-C50C-407E-A947-70E740481C1C}">
+                <a14:useLocalDpi xmlns:a14="http://schemas.microsoft.com/office/drawing/2010/main" val="0"/>
+              </a:ext>
+            </a:extLst>
+          </a:blip>
+          <a:stretch>
+            <a:fillRect/>
+          </a:stretch>
+        </p:blipFill>
+        <p:spPr>
+          <a:xfrm>
+            <a:off x="8247062" y="1567540"/>
+            <a:ext cx="2809875" cy="4505325"/>
+          </a:xfrm>
+          <a:prstGeom prst="rect">
+            <a:avLst/>
+          </a:prstGeom>
+        </p:spPr>
+      </p:pic>
     </p:spTree>
     <p:custDataLst>
       <p:tags r:id="rId12"/>
@@ -7013,7 +9552,7 @@
 </p:sld>
 </file>
 
-<file path=ppt/slides/slide5.xml><?xml version="1.0" encoding="utf-8"?>
+<file path=ppt/slides/slide8.xml><?xml version="1.0" encoding="utf-8"?>
 <p:sld xmlns:a="http://schemas.openxmlformats.org/drawingml/2006/main" xmlns:r="http://schemas.openxmlformats.org/officeDocument/2006/relationships" xmlns:p="http://schemas.openxmlformats.org/presentationml/2006/main">
   <p:cSld>
     <p:spTree>
@@ -8034,424 +10573,7 @@
 </p:sld>
 </file>
 
-<file path=ppt/slides/slide6.xml><?xml version="1.0" encoding="utf-8"?>
-<p:sld xmlns:a="http://schemas.openxmlformats.org/drawingml/2006/main" xmlns:r="http://schemas.openxmlformats.org/officeDocument/2006/relationships" xmlns:p="http://schemas.openxmlformats.org/presentationml/2006/main">
-  <p:cSld>
-    <p:spTree>
-      <p:nvGrpSpPr>
-        <p:cNvPr id="1" name=""/>
-        <p:cNvGrpSpPr/>
-        <p:nvPr/>
-      </p:nvGrpSpPr>
-      <p:grpSpPr>
-        <a:xfrm>
-          <a:off x="0" y="0"/>
-          <a:ext cx="0" cy="0"/>
-          <a:chOff x="0" y="0"/>
-          <a:chExt cx="0" cy="0"/>
-        </a:xfrm>
-      </p:grpSpPr>
-      <p:pic>
-        <p:nvPicPr>
-          <p:cNvPr id="16" name="图片 15"/>
-          <p:cNvPicPr>
-            <a:picLocks noChangeAspect="1"/>
-          </p:cNvPicPr>
-          <p:nvPr>
-            <p:custDataLst>
-              <p:tags r:id="rId1"/>
-            </p:custDataLst>
-          </p:nvPr>
-        </p:nvPicPr>
-        <p:blipFill>
-          <a:blip r:embed="rId2">
-            <a:extLst>
-              <a:ext uri="{28A0092B-C50C-407E-A947-70E740481C1C}">
-                <a14:useLocalDpi xmlns:a14="http://schemas.microsoft.com/office/drawing/2010/main" val="0"/>
-              </a:ext>
-            </a:extLst>
-          </a:blip>
-          <a:stretch>
-            <a:fillRect/>
-          </a:stretch>
-        </p:blipFill>
-        <p:spPr>
-          <a:xfrm>
-            <a:off x="-2" y="0"/>
-            <a:ext cx="12192000" cy="4914900"/>
-          </a:xfrm>
-          <a:prstGeom prst="rect">
-            <a:avLst/>
-          </a:prstGeom>
-        </p:spPr>
-      </p:pic>
-      <p:sp>
-        <p:nvSpPr>
-          <p:cNvPr id="3" name="矩形 2"/>
-          <p:cNvSpPr/>
-          <p:nvPr>
-            <p:custDataLst>
-              <p:tags r:id="rId3"/>
-            </p:custDataLst>
-          </p:nvPr>
-        </p:nvSpPr>
-        <p:spPr>
-          <a:xfrm>
-            <a:off x="0" y="-17236"/>
-            <a:ext cx="12192000" cy="4949371"/>
-          </a:xfrm>
-          <a:prstGeom prst="rect">
-            <a:avLst/>
-          </a:prstGeom>
-          <a:solidFill>
-            <a:schemeClr val="accent1">
-              <a:lumMod val="75000"/>
-              <a:alpha val="88000"/>
-            </a:schemeClr>
-          </a:solidFill>
-          <a:ln>
-            <a:noFill/>
-          </a:ln>
-        </p:spPr>
-        <p:style>
-          <a:lnRef idx="2">
-            <a:schemeClr val="accent1">
-              <a:shade val="50000"/>
-            </a:schemeClr>
-          </a:lnRef>
-          <a:fillRef idx="1">
-            <a:schemeClr val="accent1"/>
-          </a:fillRef>
-          <a:effectRef idx="0">
-            <a:schemeClr val="accent1"/>
-          </a:effectRef>
-          <a:fontRef idx="minor">
-            <a:schemeClr val="lt1"/>
-          </a:fontRef>
-        </p:style>
-        <p:txBody>
-          <a:bodyPr rtlCol="0" anchor="ctr"/>
-          <a:lstStyle/>
-          <a:p>
-            <a:pPr algn="ctr">
-              <a:lnSpc>
-                <a:spcPct val="130000"/>
-              </a:lnSpc>
-            </a:pPr>
-            <a:endParaRPr lang="zh-CN" altLang="en-US">
-              <a:cs typeface="+mn-ea"/>
-              <a:sym typeface="+mn-lt"/>
-            </a:endParaRPr>
-          </a:p>
-        </p:txBody>
-      </p:sp>
-      <p:sp>
-        <p:nvSpPr>
-          <p:cNvPr id="10" name="矩形 9"/>
-          <p:cNvSpPr/>
-          <p:nvPr>
-            <p:custDataLst>
-              <p:tags r:id="rId4"/>
-            </p:custDataLst>
-          </p:nvPr>
-        </p:nvSpPr>
-        <p:spPr>
-          <a:xfrm>
-            <a:off x="4688115" y="1567541"/>
-            <a:ext cx="2815770" cy="4506673"/>
-          </a:xfrm>
-          <a:prstGeom prst="rect">
-            <a:avLst/>
-          </a:prstGeom>
-          <a:solidFill>
-            <a:schemeClr val="accent1">
-              <a:lumMod val="60000"/>
-              <a:lumOff val="40000"/>
-            </a:schemeClr>
-          </a:solidFill>
-          <a:ln>
-            <a:noFill/>
-          </a:ln>
-        </p:spPr>
-        <p:style>
-          <a:lnRef idx="2">
-            <a:schemeClr val="accent1">
-              <a:shade val="50000"/>
-            </a:schemeClr>
-          </a:lnRef>
-          <a:fillRef idx="1">
-            <a:schemeClr val="accent1"/>
-          </a:fillRef>
-          <a:effectRef idx="0">
-            <a:schemeClr val="accent1"/>
-          </a:effectRef>
-          <a:fontRef idx="minor">
-            <a:schemeClr val="lt1"/>
-          </a:fontRef>
-        </p:style>
-        <p:txBody>
-          <a:bodyPr rtlCol="0" anchor="ctr"/>
-          <a:lstStyle/>
-          <a:p>
-            <a:pPr algn="ctr">
-              <a:lnSpc>
-                <a:spcPct val="130000"/>
-              </a:lnSpc>
-            </a:pPr>
-            <a:endParaRPr lang="zh-CN" altLang="en-US">
-              <a:solidFill>
-                <a:schemeClr val="tx2"/>
-              </a:solidFill>
-              <a:cs typeface="+mn-ea"/>
-              <a:sym typeface="+mn-lt"/>
-            </a:endParaRPr>
-          </a:p>
-        </p:txBody>
-      </p:sp>
-      <p:sp>
-        <p:nvSpPr>
-          <p:cNvPr id="4" name="文本框 3"/>
-          <p:cNvSpPr txBox="1"/>
-          <p:nvPr>
-            <p:custDataLst>
-              <p:tags r:id="rId5"/>
-            </p:custDataLst>
-          </p:nvPr>
-        </p:nvSpPr>
-        <p:spPr>
-          <a:xfrm>
-            <a:off x="4336542" y="438776"/>
-            <a:ext cx="3518912" cy="522451"/>
-          </a:xfrm>
-          <a:prstGeom prst="rect">
-            <a:avLst/>
-          </a:prstGeom>
-        </p:spPr>
-        <p:txBody>
-          <a:bodyPr wrap="none">
-            <a:normAutofit lnSpcReduction="20000"/>
-          </a:bodyPr>
-          <a:lstStyle>
-            <a:defPPr>
-              <a:defRPr lang="zh-CN"/>
-            </a:defPPr>
-            <a:lvl1pPr algn="ctr">
-              <a:lnSpc>
-                <a:spcPct val="130000"/>
-              </a:lnSpc>
-              <a:defRPr sz="2400" b="1">
-                <a:solidFill>
-                  <a:schemeClr val="bg2"/>
-                </a:solidFill>
-                <a:cs typeface="+mn-ea"/>
-              </a:defRPr>
-            </a:lvl1pPr>
-          </a:lstStyle>
-          <a:p>
-            <a:r>
-              <a:rPr lang="en-US" altLang="zh-CN">
-                <a:latin typeface="+mj-lt"/>
-                <a:ea typeface="+mj-ea"/>
-                <a:cs typeface="+mj-cs"/>
-              </a:rPr>
-              <a:t>LOREM IPSUM DOLOR</a:t>
-            </a:r>
-            <a:endParaRPr lang="en-US" altLang="zh-CN">
-              <a:latin typeface="+mj-lt"/>
-              <a:ea typeface="+mj-ea"/>
-              <a:cs typeface="+mj-cs"/>
-            </a:endParaRPr>
-          </a:p>
-        </p:txBody>
-      </p:sp>
-      <p:sp>
-        <p:nvSpPr>
-          <p:cNvPr id="5" name="文本框 4"/>
-          <p:cNvSpPr txBox="1"/>
-          <p:nvPr>
-            <p:custDataLst>
-              <p:tags r:id="rId6"/>
-            </p:custDataLst>
-          </p:nvPr>
-        </p:nvSpPr>
-        <p:spPr>
-          <a:xfrm>
-            <a:off x="4916662" y="2123310"/>
-            <a:ext cx="2358676" cy="1154355"/>
-          </a:xfrm>
-          <a:prstGeom prst="rect">
-            <a:avLst/>
-          </a:prstGeom>
-        </p:spPr>
-        <p:txBody>
-          <a:bodyPr wrap="square">
-            <a:normAutofit lnSpcReduction="10000"/>
-          </a:bodyPr>
-          <a:lstStyle>
-            <a:defPPr>
-              <a:defRPr lang="zh-CN"/>
-            </a:defPPr>
-            <a:lvl1pPr algn="ctr">
-              <a:lnSpc>
-                <a:spcPct val="130000"/>
-              </a:lnSpc>
-              <a:defRPr sz="2800" b="1">
-                <a:solidFill>
-                  <a:schemeClr val="bg1"/>
-                </a:solidFill>
-                <a:cs typeface="+mn-ea"/>
-              </a:defRPr>
-            </a:lvl1pPr>
-          </a:lstStyle>
-          <a:p>
-            <a:r>
-              <a:rPr lang="en-US" altLang="zh-CN">
-                <a:latin typeface="+mj-lt"/>
-                <a:ea typeface="+mj-ea"/>
-                <a:cs typeface="+mj-cs"/>
-              </a:rPr>
-              <a:t>Add title here</a:t>
-            </a:r>
-            <a:endParaRPr lang="en-US" altLang="zh-CN">
-              <a:latin typeface="+mj-lt"/>
-              <a:ea typeface="+mj-ea"/>
-              <a:cs typeface="+mj-cs"/>
-            </a:endParaRPr>
-          </a:p>
-        </p:txBody>
-      </p:sp>
-      <p:sp>
-        <p:nvSpPr>
-          <p:cNvPr id="6" name="文本框 5"/>
-          <p:cNvSpPr txBox="1"/>
-          <p:nvPr>
-            <p:custDataLst>
-              <p:tags r:id="rId7"/>
-            </p:custDataLst>
-          </p:nvPr>
-        </p:nvSpPr>
-        <p:spPr>
-          <a:xfrm>
-            <a:off x="4916662" y="3456289"/>
-            <a:ext cx="2358676" cy="2215478"/>
-          </a:xfrm>
-          <a:prstGeom prst="rect">
-            <a:avLst/>
-          </a:prstGeom>
-        </p:spPr>
-        <p:txBody>
-          <a:bodyPr wrap="square">
-            <a:normAutofit lnSpcReduction="10000"/>
-          </a:bodyPr>
-          <a:lstStyle>
-            <a:defPPr>
-              <a:defRPr lang="zh-CN"/>
-            </a:defPPr>
-            <a:lvl1pPr algn="ctr">
-              <a:lnSpc>
-                <a:spcPct val="130000"/>
-              </a:lnSpc>
-              <a:defRPr>
-                <a:solidFill>
-                  <a:schemeClr val="bg1"/>
-                </a:solidFill>
-                <a:cs typeface="+mn-ea"/>
-              </a:defRPr>
-            </a:lvl1pPr>
-          </a:lstStyle>
-          <a:p>
-            <a:r>
-              <a:rPr lang="en-US" altLang="zh-CN">
-                <a:cs typeface="+mn-cs"/>
-              </a:rPr>
-              <a:t>Lorem ipsum dolor sit amet, consectetur adipisicing elit.Lorem ipsum dolor sit amet, consectetur adipisicing elit.</a:t>
-            </a:r>
-            <a:endParaRPr lang="en-US" altLang="zh-CN">
-              <a:cs typeface="+mn-cs"/>
-            </a:endParaRPr>
-          </a:p>
-        </p:txBody>
-      </p:sp>
-      <p:pic>
-        <p:nvPicPr>
-          <p:cNvPr id="14" name="图片 13"/>
-          <p:cNvPicPr>
-            <a:picLocks noChangeAspect="1"/>
-          </p:cNvPicPr>
-          <p:nvPr>
-            <p:custDataLst>
-              <p:tags r:id="rId8"/>
-            </p:custDataLst>
-          </p:nvPr>
-        </p:nvPicPr>
-        <p:blipFill>
-          <a:blip r:embed="rId9">
-            <a:extLst>
-              <a:ext uri="{28A0092B-C50C-407E-A947-70E740481C1C}">
-                <a14:useLocalDpi xmlns:a14="http://schemas.microsoft.com/office/drawing/2010/main" val="0"/>
-              </a:ext>
-            </a:extLst>
-          </a:blip>
-          <a:stretch>
-            <a:fillRect/>
-          </a:stretch>
-        </p:blipFill>
-        <p:spPr>
-          <a:xfrm>
-            <a:off x="1135063" y="1567540"/>
-            <a:ext cx="2809875" cy="4505325"/>
-          </a:xfrm>
-          <a:prstGeom prst="rect">
-            <a:avLst/>
-          </a:prstGeom>
-        </p:spPr>
-      </p:pic>
-      <p:pic>
-        <p:nvPicPr>
-          <p:cNvPr id="15" name="图片 14"/>
-          <p:cNvPicPr>
-            <a:picLocks noChangeAspect="1"/>
-          </p:cNvPicPr>
-          <p:nvPr>
-            <p:custDataLst>
-              <p:tags r:id="rId10"/>
-            </p:custDataLst>
-          </p:nvPr>
-        </p:nvPicPr>
-        <p:blipFill>
-          <a:blip r:embed="rId11">
-            <a:extLst>
-              <a:ext uri="{28A0092B-C50C-407E-A947-70E740481C1C}">
-                <a14:useLocalDpi xmlns:a14="http://schemas.microsoft.com/office/drawing/2010/main" val="0"/>
-              </a:ext>
-            </a:extLst>
-          </a:blip>
-          <a:stretch>
-            <a:fillRect/>
-          </a:stretch>
-        </p:blipFill>
-        <p:spPr>
-          <a:xfrm>
-            <a:off x="8247062" y="1567540"/>
-            <a:ext cx="2809875" cy="4505325"/>
-          </a:xfrm>
-          <a:prstGeom prst="rect">
-            <a:avLst/>
-          </a:prstGeom>
-        </p:spPr>
-      </p:pic>
-    </p:spTree>
-    <p:custDataLst>
-      <p:tags r:id="rId12"/>
-    </p:custDataLst>
-  </p:cSld>
-  <p:clrMapOvr>
-    <a:masterClrMapping/>
-  </p:clrMapOvr>
-</p:sld>
-</file>
-
-<file path=ppt/slides/slide7.xml><?xml version="1.0" encoding="utf-8"?>
+<file path=ppt/slides/slide9.xml><?xml version="1.0" encoding="utf-8"?>
 <p:sld xmlns:a="http://schemas.openxmlformats.org/drawingml/2006/main" xmlns:r="http://schemas.openxmlformats.org/officeDocument/2006/relationships" xmlns:p="http://schemas.openxmlformats.org/presentationml/2006/main">
   <p:cSld>
     <p:spTree>
@@ -9822,1021 +11944,6 @@
 </p:sld>
 </file>
 
-<file path=ppt/slides/slide8.xml><?xml version="1.0" encoding="utf-8"?>
-<p:sld xmlns:a="http://schemas.openxmlformats.org/drawingml/2006/main" xmlns:r="http://schemas.openxmlformats.org/officeDocument/2006/relationships" xmlns:p="http://schemas.openxmlformats.org/presentationml/2006/main">
-  <p:cSld>
-    <p:spTree>
-      <p:nvGrpSpPr>
-        <p:cNvPr id="1" name=""/>
-        <p:cNvGrpSpPr/>
-        <p:nvPr/>
-      </p:nvGrpSpPr>
-      <p:grpSpPr>
-        <a:xfrm>
-          <a:off x="0" y="0"/>
-          <a:ext cx="0" cy="0"/>
-          <a:chOff x="0" y="0"/>
-          <a:chExt cx="0" cy="0"/>
-        </a:xfrm>
-      </p:grpSpPr>
-      <p:cxnSp>
-        <p:nvCxnSpPr>
-          <p:cNvPr id="10" name="直接连接符 9"/>
-          <p:cNvCxnSpPr/>
-          <p:nvPr>
-            <p:custDataLst>
-              <p:tags r:id="rId1"/>
-            </p:custDataLst>
-          </p:nvPr>
-        </p:nvCxnSpPr>
-        <p:spPr>
-          <a:xfrm>
-            <a:off x="6088743" y="2352615"/>
-            <a:ext cx="7257" cy="4490871"/>
-          </a:xfrm>
-          <a:prstGeom prst="line">
-            <a:avLst/>
-          </a:prstGeom>
-          <a:ln w="9525">
-            <a:solidFill>
-              <a:schemeClr val="accent2"/>
-            </a:solidFill>
-          </a:ln>
-        </p:spPr>
-        <p:style>
-          <a:lnRef idx="1">
-            <a:schemeClr val="accent1"/>
-          </a:lnRef>
-          <a:fillRef idx="0">
-            <a:schemeClr val="accent1"/>
-          </a:fillRef>
-          <a:effectRef idx="0">
-            <a:schemeClr val="accent1"/>
-          </a:effectRef>
-          <a:fontRef idx="minor">
-            <a:schemeClr val="tx1"/>
-          </a:fontRef>
-        </p:style>
-      </p:cxnSp>
-      <p:sp>
-        <p:nvSpPr>
-          <p:cNvPr id="15" name="椭圆 14"/>
-          <p:cNvSpPr/>
-          <p:nvPr>
-            <p:custDataLst>
-              <p:tags r:id="rId2"/>
-            </p:custDataLst>
-          </p:nvPr>
-        </p:nvSpPr>
-        <p:spPr>
-          <a:xfrm>
-            <a:off x="5998160" y="2149415"/>
-            <a:ext cx="203200" cy="203200"/>
-          </a:xfrm>
-          <a:prstGeom prst="ellipse">
-            <a:avLst/>
-          </a:prstGeom>
-          <a:solidFill>
-            <a:schemeClr val="accent1">
-              <a:lumMod val="75000"/>
-            </a:schemeClr>
-          </a:solidFill>
-          <a:ln>
-            <a:noFill/>
-          </a:ln>
-        </p:spPr>
-        <p:style>
-          <a:lnRef idx="2">
-            <a:schemeClr val="accent1">
-              <a:shade val="50000"/>
-            </a:schemeClr>
-          </a:lnRef>
-          <a:fillRef idx="1">
-            <a:schemeClr val="accent1"/>
-          </a:fillRef>
-          <a:effectRef idx="0">
-            <a:schemeClr val="accent1"/>
-          </a:effectRef>
-          <a:fontRef idx="minor">
-            <a:schemeClr val="lt1"/>
-          </a:fontRef>
-        </p:style>
-        <p:txBody>
-          <a:bodyPr rtlCol="0" anchor="ctr"/>
-          <a:lstStyle/>
-          <a:p>
-            <a:pPr algn="ctr">
-              <a:lnSpc>
-                <a:spcPct val="130000"/>
-              </a:lnSpc>
-            </a:pPr>
-            <a:endParaRPr lang="zh-CN" altLang="en-US">
-              <a:sym typeface="+mn-lt"/>
-            </a:endParaRPr>
-          </a:p>
-        </p:txBody>
-      </p:sp>
-      <p:sp>
-        <p:nvSpPr>
-          <p:cNvPr id="17" name="椭圆 16"/>
-          <p:cNvSpPr/>
-          <p:nvPr>
-            <p:custDataLst>
-              <p:tags r:id="rId3"/>
-            </p:custDataLst>
-          </p:nvPr>
-        </p:nvSpPr>
-        <p:spPr>
-          <a:xfrm>
-            <a:off x="6009177" y="4876628"/>
-            <a:ext cx="203200" cy="203200"/>
-          </a:xfrm>
-          <a:prstGeom prst="ellipse">
-            <a:avLst/>
-          </a:prstGeom>
-          <a:solidFill>
-            <a:schemeClr val="accent1">
-              <a:lumMod val="75000"/>
-            </a:schemeClr>
-          </a:solidFill>
-          <a:ln>
-            <a:noFill/>
-          </a:ln>
-        </p:spPr>
-        <p:style>
-          <a:lnRef idx="2">
-            <a:schemeClr val="accent1">
-              <a:shade val="50000"/>
-            </a:schemeClr>
-          </a:lnRef>
-          <a:fillRef idx="1">
-            <a:schemeClr val="accent1"/>
-          </a:fillRef>
-          <a:effectRef idx="0">
-            <a:schemeClr val="accent1"/>
-          </a:effectRef>
-          <a:fontRef idx="minor">
-            <a:schemeClr val="lt1"/>
-          </a:fontRef>
-        </p:style>
-        <p:txBody>
-          <a:bodyPr rtlCol="0" anchor="ctr"/>
-          <a:lstStyle/>
-          <a:p>
-            <a:pPr algn="ctr">
-              <a:lnSpc>
-                <a:spcPct val="130000"/>
-              </a:lnSpc>
-            </a:pPr>
-            <a:endParaRPr lang="zh-CN" altLang="en-US">
-              <a:sym typeface="+mn-lt"/>
-            </a:endParaRPr>
-          </a:p>
-        </p:txBody>
-      </p:sp>
-      <p:sp>
-        <p:nvSpPr>
-          <p:cNvPr id="2" name="文本框 1"/>
-          <p:cNvSpPr txBox="1"/>
-          <p:nvPr>
-            <p:custDataLst>
-              <p:tags r:id="rId4"/>
-            </p:custDataLst>
-          </p:nvPr>
-        </p:nvSpPr>
-        <p:spPr>
-          <a:xfrm>
-            <a:off x="4259137" y="1538578"/>
-            <a:ext cx="918835" cy="522451"/>
-          </a:xfrm>
-          <a:prstGeom prst="rect">
-            <a:avLst/>
-          </a:prstGeom>
-        </p:spPr>
-        <p:txBody>
-          <a:bodyPr wrap="square">
-            <a:normAutofit fontScale="75000" lnSpcReduction="10000"/>
-          </a:bodyPr>
-          <a:lstStyle>
-            <a:defPPr>
-              <a:defRPr lang="zh-CN"/>
-            </a:defPPr>
-            <a:lvl1pPr algn="ctr">
-              <a:lnSpc>
-                <a:spcPct val="130000"/>
-              </a:lnSpc>
-              <a:defRPr sz="2800">
-                <a:solidFill>
-                  <a:schemeClr val="tx2"/>
-                </a:solidFill>
-                <a:latin typeface="Impact" panose="020B0806030902050204" pitchFamily="34" charset="0"/>
-                <a:cs typeface="+mn-ea"/>
-              </a:defRPr>
-            </a:lvl1pPr>
-          </a:lstStyle>
-          <a:p>
-            <a:r>
-              <a:rPr lang="en-US" altLang="zh-CN" dirty="0">
-                <a:latin typeface="+mn-lt"/>
-                <a:cs typeface="+mn-cs"/>
-              </a:rPr>
-              <a:t>2015</a:t>
-            </a:r>
-            <a:endParaRPr lang="zh-CN" altLang="en-US" dirty="0">
-              <a:latin typeface="+mn-lt"/>
-              <a:cs typeface="+mn-cs"/>
-            </a:endParaRPr>
-          </a:p>
-        </p:txBody>
-      </p:sp>
-      <p:sp>
-        <p:nvSpPr>
-          <p:cNvPr id="4" name="文本框 3"/>
-          <p:cNvSpPr txBox="1"/>
-          <p:nvPr>
-            <p:custDataLst>
-              <p:tags r:id="rId5"/>
-            </p:custDataLst>
-          </p:nvPr>
-        </p:nvSpPr>
-        <p:spPr>
-          <a:xfrm>
-            <a:off x="7173069" y="4287566"/>
-            <a:ext cx="899760" cy="479857"/>
-          </a:xfrm>
-          <a:prstGeom prst="rect">
-            <a:avLst/>
-          </a:prstGeom>
-        </p:spPr>
-        <p:txBody>
-          <a:bodyPr wrap="square">
-            <a:normAutofit fontScale="75000" lnSpcReduction="20000"/>
-          </a:bodyPr>
-          <a:lstStyle>
-            <a:defPPr>
-              <a:defRPr lang="zh-CN"/>
-            </a:defPPr>
-            <a:lvl1pPr algn="ctr">
-              <a:lnSpc>
-                <a:spcPct val="130000"/>
-              </a:lnSpc>
-              <a:defRPr sz="2800">
-                <a:solidFill>
-                  <a:schemeClr val="tx2"/>
-                </a:solidFill>
-                <a:latin typeface="Impact" panose="020B0806030902050204" pitchFamily="34" charset="0"/>
-                <a:cs typeface="+mn-ea"/>
-              </a:defRPr>
-            </a:lvl1pPr>
-          </a:lstStyle>
-          <a:p>
-            <a:r>
-              <a:rPr lang="en-US" altLang="zh-CN" dirty="0">
-                <a:latin typeface="+mn-lt"/>
-                <a:cs typeface="+mn-cs"/>
-              </a:rPr>
-              <a:t>2016</a:t>
-            </a:r>
-            <a:endParaRPr lang="zh-CN" altLang="en-US" dirty="0">
-              <a:latin typeface="+mn-lt"/>
-              <a:cs typeface="+mn-cs"/>
-            </a:endParaRPr>
-          </a:p>
-        </p:txBody>
-      </p:sp>
-      <p:sp>
-        <p:nvSpPr>
-          <p:cNvPr id="6" name="文本框 5"/>
-          <p:cNvSpPr txBox="1"/>
-          <p:nvPr>
-            <p:custDataLst>
-              <p:tags r:id="rId6"/>
-            </p:custDataLst>
-          </p:nvPr>
-        </p:nvSpPr>
-        <p:spPr>
-          <a:xfrm>
-            <a:off x="1820954" y="2123661"/>
-            <a:ext cx="3365081" cy="1019253"/>
-          </a:xfrm>
-          <a:prstGeom prst="rect">
-            <a:avLst/>
-          </a:prstGeom>
-        </p:spPr>
-        <p:txBody>
-          <a:bodyPr wrap="square">
-            <a:normAutofit lnSpcReduction="10000"/>
-          </a:bodyPr>
-          <a:lstStyle>
-            <a:defPPr>
-              <a:defRPr lang="zh-CN"/>
-            </a:defPPr>
-            <a:lvl1pPr algn="r">
-              <a:lnSpc>
-                <a:spcPct val="130000"/>
-              </a:lnSpc>
-              <a:defRPr sz="1600">
-                <a:solidFill>
-                  <a:schemeClr val="tx1">
-                    <a:lumMod val="50000"/>
-                    <a:lumOff val="50000"/>
-                  </a:schemeClr>
-                </a:solidFill>
-                <a:cs typeface="+mn-ea"/>
-              </a:defRPr>
-            </a:lvl1pPr>
-          </a:lstStyle>
-          <a:p>
-            <a:r>
-              <a:rPr lang="en-US" altLang="zh-CN">
-                <a:cs typeface="+mn-cs"/>
-              </a:rPr>
-              <a:t>Lorem ipsum dolor sit amet, consectetur adipisicing elit.Lorem ipsum dolor sit amet,</a:t>
-            </a:r>
-            <a:endParaRPr lang="en-US" altLang="zh-CN">
-              <a:cs typeface="+mn-cs"/>
-            </a:endParaRPr>
-          </a:p>
-        </p:txBody>
-      </p:sp>
-      <p:sp>
-        <p:nvSpPr>
-          <p:cNvPr id="7" name="文本框 6"/>
-          <p:cNvSpPr txBox="1"/>
-          <p:nvPr>
-            <p:custDataLst>
-              <p:tags r:id="rId7"/>
-            </p:custDataLst>
-          </p:nvPr>
-        </p:nvSpPr>
-        <p:spPr>
-          <a:xfrm>
-            <a:off x="1820954" y="1579460"/>
-            <a:ext cx="2315617" cy="450829"/>
-          </a:xfrm>
-          <a:prstGeom prst="rect">
-            <a:avLst/>
-          </a:prstGeom>
-        </p:spPr>
-        <p:txBody>
-          <a:bodyPr wrap="square" anchor="b">
-            <a:normAutofit lnSpcReduction="20000"/>
-          </a:bodyPr>
-          <a:lstStyle>
-            <a:defPPr>
-              <a:defRPr lang="zh-CN"/>
-            </a:defPPr>
-            <a:lvl1pPr algn="r">
-              <a:lnSpc>
-                <a:spcPct val="130000"/>
-              </a:lnSpc>
-              <a:defRPr sz="2000">
-                <a:latin typeface="+mj-lt"/>
-                <a:cs typeface="+mn-ea"/>
-              </a:defRPr>
-            </a:lvl1pPr>
-          </a:lstStyle>
-          <a:p>
-            <a:r>
-              <a:rPr lang="en-US" altLang="zh-CN">
-                <a:ea typeface="+mj-ea"/>
-                <a:cs typeface="+mj-cs"/>
-              </a:rPr>
-              <a:t>Text here</a:t>
-            </a:r>
-            <a:endParaRPr lang="en-US" altLang="zh-CN">
-              <a:ea typeface="+mj-ea"/>
-              <a:cs typeface="+mj-cs"/>
-            </a:endParaRPr>
-          </a:p>
-        </p:txBody>
-      </p:sp>
-      <p:sp>
-        <p:nvSpPr>
-          <p:cNvPr id="8" name="文本框 7"/>
-          <p:cNvSpPr txBox="1"/>
-          <p:nvPr>
-            <p:custDataLst>
-              <p:tags r:id="rId8"/>
-            </p:custDataLst>
-          </p:nvPr>
-        </p:nvSpPr>
-        <p:spPr>
-          <a:xfrm>
-            <a:off x="509906" y="375765"/>
-            <a:ext cx="4216710" cy="522451"/>
-          </a:xfrm>
-          <a:prstGeom prst="rect">
-            <a:avLst/>
-          </a:prstGeom>
-        </p:spPr>
-        <p:txBody>
-          <a:bodyPr wrap="square">
-            <a:normAutofit lnSpcReduction="20000"/>
-          </a:bodyPr>
-          <a:lstStyle>
-            <a:defPPr>
-              <a:defRPr lang="zh-CN"/>
-            </a:defPPr>
-            <a:lvl1pPr>
-              <a:lnSpc>
-                <a:spcPct val="130000"/>
-              </a:lnSpc>
-              <a:defRPr sz="2400">
-                <a:cs typeface="+mn-ea"/>
-              </a:defRPr>
-            </a:lvl1pPr>
-          </a:lstStyle>
-          <a:p>
-            <a:r>
-              <a:rPr lang="en-US" altLang="zh-CN">
-                <a:latin typeface="+mj-lt"/>
-                <a:ea typeface="+mj-ea"/>
-                <a:cs typeface="+mj-cs"/>
-              </a:rPr>
-              <a:t>Our Time Line at here</a:t>
-            </a:r>
-            <a:endParaRPr lang="en-US" altLang="zh-CN">
-              <a:latin typeface="+mj-lt"/>
-              <a:ea typeface="+mj-ea"/>
-              <a:cs typeface="+mj-cs"/>
-            </a:endParaRPr>
-          </a:p>
-        </p:txBody>
-      </p:sp>
-      <p:sp>
-        <p:nvSpPr>
-          <p:cNvPr id="9" name="文本框 8"/>
-          <p:cNvSpPr txBox="1"/>
-          <p:nvPr>
-            <p:custDataLst>
-              <p:tags r:id="rId9"/>
-            </p:custDataLst>
-          </p:nvPr>
-        </p:nvSpPr>
-        <p:spPr>
-          <a:xfrm>
-            <a:off x="7173068" y="4827370"/>
-            <a:ext cx="2822185" cy="1339341"/>
-          </a:xfrm>
-          <a:prstGeom prst="rect">
-            <a:avLst/>
-          </a:prstGeom>
-        </p:spPr>
-        <p:txBody>
-          <a:bodyPr wrap="square">
-            <a:normAutofit lnSpcReduction="10000"/>
-          </a:bodyPr>
-          <a:lstStyle>
-            <a:defPPr>
-              <a:defRPr lang="zh-CN"/>
-            </a:defPPr>
-            <a:lvl1pPr>
-              <a:lnSpc>
-                <a:spcPct val="130000"/>
-              </a:lnSpc>
-              <a:defRPr sz="1600">
-                <a:solidFill>
-                  <a:schemeClr val="tx1">
-                    <a:lumMod val="50000"/>
-                    <a:lumOff val="50000"/>
-                  </a:schemeClr>
-                </a:solidFill>
-                <a:cs typeface="+mn-ea"/>
-              </a:defRPr>
-            </a:lvl1pPr>
-          </a:lstStyle>
-          <a:p>
-            <a:r>
-              <a:rPr lang="en-US" altLang="zh-CN">
-                <a:cs typeface="+mn-cs"/>
-              </a:rPr>
-              <a:t>Lorem ipsum dolor sit amet, consectetur adipisicing elit.Lorem ipsum dolor sit amet,</a:t>
-            </a:r>
-            <a:endParaRPr lang="en-US" altLang="zh-CN">
-              <a:cs typeface="+mn-cs"/>
-            </a:endParaRPr>
-          </a:p>
-        </p:txBody>
-      </p:sp>
-      <p:sp>
-        <p:nvSpPr>
-          <p:cNvPr id="11" name="文本框 10"/>
-          <p:cNvSpPr txBox="1"/>
-          <p:nvPr>
-            <p:custDataLst>
-              <p:tags r:id="rId10"/>
-            </p:custDataLst>
-          </p:nvPr>
-        </p:nvSpPr>
-        <p:spPr>
-          <a:xfrm>
-            <a:off x="8200571" y="4287567"/>
-            <a:ext cx="1794682" cy="450829"/>
-          </a:xfrm>
-          <a:prstGeom prst="rect">
-            <a:avLst/>
-          </a:prstGeom>
-        </p:spPr>
-        <p:txBody>
-          <a:bodyPr wrap="square" anchor="b">
-            <a:normAutofit lnSpcReduction="20000"/>
-          </a:bodyPr>
-          <a:lstStyle>
-            <a:defPPr>
-              <a:defRPr lang="zh-CN"/>
-            </a:defPPr>
-            <a:lvl1pPr>
-              <a:lnSpc>
-                <a:spcPct val="130000"/>
-              </a:lnSpc>
-              <a:defRPr sz="2000">
-                <a:latin typeface="+mj-lt"/>
-                <a:cs typeface="+mn-ea"/>
-              </a:defRPr>
-            </a:lvl1pPr>
-          </a:lstStyle>
-          <a:p>
-            <a:r>
-              <a:rPr lang="en-US" altLang="zh-CN">
-                <a:ea typeface="+mj-ea"/>
-                <a:cs typeface="+mj-cs"/>
-              </a:rPr>
-              <a:t>Text here</a:t>
-            </a:r>
-            <a:endParaRPr lang="en-US" altLang="zh-CN">
-              <a:ea typeface="+mj-ea"/>
-              <a:cs typeface="+mj-cs"/>
-            </a:endParaRPr>
-          </a:p>
-        </p:txBody>
-      </p:sp>
-      <p:pic>
-        <p:nvPicPr>
-          <p:cNvPr id="18" name="图片 17"/>
-          <p:cNvPicPr>
-            <a:picLocks noChangeAspect="1"/>
-          </p:cNvPicPr>
-          <p:nvPr>
-            <p:custDataLst>
-              <p:tags r:id="rId11"/>
-            </p:custDataLst>
-          </p:nvPr>
-        </p:nvPicPr>
-        <p:blipFill>
-          <a:blip r:embed="rId12">
-            <a:extLst>
-              <a:ext uri="{28A0092B-C50C-407E-A947-70E740481C1C}">
-                <a14:useLocalDpi xmlns:a14="http://schemas.microsoft.com/office/drawing/2010/main" val="0"/>
-              </a:ext>
-            </a:extLst>
-          </a:blip>
-          <a:stretch>
-            <a:fillRect/>
-          </a:stretch>
-        </p:blipFill>
-        <p:spPr>
-          <a:xfrm>
-            <a:off x="1822349" y="3812296"/>
-            <a:ext cx="3276600" cy="2181225"/>
-          </a:xfrm>
-          <a:prstGeom prst="rect">
-            <a:avLst/>
-          </a:prstGeom>
-        </p:spPr>
-      </p:pic>
-      <p:pic>
-        <p:nvPicPr>
-          <p:cNvPr id="19" name="图片 18"/>
-          <p:cNvPicPr>
-            <a:picLocks noChangeAspect="1"/>
-          </p:cNvPicPr>
-          <p:nvPr>
-            <p:custDataLst>
-              <p:tags r:id="rId13"/>
-            </p:custDataLst>
-          </p:nvPr>
-        </p:nvPicPr>
-        <p:blipFill>
-          <a:blip r:embed="rId14">
-            <a:extLst>
-              <a:ext uri="{28A0092B-C50C-407E-A947-70E740481C1C}">
-                <a14:useLocalDpi xmlns:a14="http://schemas.microsoft.com/office/drawing/2010/main" val="0"/>
-              </a:ext>
-            </a:extLst>
-          </a:blip>
-          <a:stretch>
-            <a:fillRect/>
-          </a:stretch>
-        </p:blipFill>
-        <p:spPr>
-          <a:xfrm>
-            <a:off x="7073267" y="1264117"/>
-            <a:ext cx="2952750" cy="2209800"/>
-          </a:xfrm>
-          <a:prstGeom prst="rect">
-            <a:avLst/>
-          </a:prstGeom>
-        </p:spPr>
-      </p:pic>
-    </p:spTree>
-    <p:custDataLst>
-      <p:tags r:id="rId15"/>
-    </p:custDataLst>
-  </p:cSld>
-  <p:clrMapOvr>
-    <a:masterClrMapping/>
-  </p:clrMapOvr>
-</p:sld>
-</file>
-
-<file path=ppt/slides/slide9.xml><?xml version="1.0" encoding="utf-8"?>
-<p:sld xmlns:a="http://schemas.openxmlformats.org/drawingml/2006/main" xmlns:r="http://schemas.openxmlformats.org/officeDocument/2006/relationships" xmlns:p="http://schemas.openxmlformats.org/presentationml/2006/main">
-  <p:cSld>
-    <p:spTree>
-      <p:nvGrpSpPr>
-        <p:cNvPr id="1" name=""/>
-        <p:cNvGrpSpPr/>
-        <p:nvPr/>
-      </p:nvGrpSpPr>
-      <p:grpSpPr>
-        <a:xfrm>
-          <a:off x="0" y="0"/>
-          <a:ext cx="0" cy="0"/>
-          <a:chOff x="0" y="0"/>
-          <a:chExt cx="0" cy="0"/>
-        </a:xfrm>
-      </p:grpSpPr>
-      <p:grpSp>
-        <p:nvGrpSpPr>
-          <p:cNvPr id="10" name="组合 9"/>
-          <p:cNvGrpSpPr/>
-          <p:nvPr>
-            <p:custDataLst>
-              <p:tags r:id="rId1"/>
-            </p:custDataLst>
-          </p:nvPr>
-        </p:nvGrpSpPr>
-        <p:grpSpPr>
-          <a:xfrm>
-            <a:off x="3860800" y="2670629"/>
-            <a:ext cx="4354286" cy="2148114"/>
-            <a:chOff x="3860800" y="2670629"/>
-            <a:chExt cx="4354286" cy="2148114"/>
-          </a:xfrm>
-        </p:grpSpPr>
-        <p:cxnSp>
-          <p:nvCxnSpPr>
-            <p:cNvPr id="4" name="直接连接符 3"/>
-            <p:cNvCxnSpPr/>
-            <p:nvPr>
-              <p:custDataLst>
-                <p:tags r:id="rId2"/>
-              </p:custDataLst>
-            </p:nvPr>
-          </p:nvCxnSpPr>
-          <p:spPr>
-            <a:xfrm>
-              <a:off x="3860800" y="2670629"/>
-              <a:ext cx="0" cy="2148114"/>
-            </a:xfrm>
-            <a:prstGeom prst="line">
-              <a:avLst/>
-            </a:prstGeom>
-            <a:ln>
-              <a:solidFill>
-                <a:schemeClr val="accent1"/>
-              </a:solidFill>
-            </a:ln>
-          </p:spPr>
-          <p:style>
-            <a:lnRef idx="1">
-              <a:schemeClr val="accent1"/>
-            </a:lnRef>
-            <a:fillRef idx="0">
-              <a:schemeClr val="accent1"/>
-            </a:fillRef>
-            <a:effectRef idx="0">
-              <a:schemeClr val="accent1"/>
-            </a:effectRef>
-            <a:fontRef idx="minor">
-              <a:schemeClr val="tx1"/>
-            </a:fontRef>
-          </p:style>
-        </p:cxnSp>
-        <p:cxnSp>
-          <p:nvCxnSpPr>
-            <p:cNvPr id="8" name="直接连接符 7"/>
-            <p:cNvCxnSpPr/>
-            <p:nvPr>
-              <p:custDataLst>
-                <p:tags r:id="rId3"/>
-              </p:custDataLst>
-            </p:nvPr>
-          </p:nvCxnSpPr>
-          <p:spPr>
-            <a:xfrm>
-              <a:off x="3875314" y="4818743"/>
-              <a:ext cx="4339772" cy="0"/>
-            </a:xfrm>
-            <a:prstGeom prst="line">
-              <a:avLst/>
-            </a:prstGeom>
-            <a:ln>
-              <a:solidFill>
-                <a:schemeClr val="accent1"/>
-              </a:solidFill>
-            </a:ln>
-          </p:spPr>
-          <p:style>
-            <a:lnRef idx="1">
-              <a:schemeClr val="accent1"/>
-            </a:lnRef>
-            <a:fillRef idx="0">
-              <a:schemeClr val="accent1"/>
-            </a:fillRef>
-            <a:effectRef idx="0">
-              <a:schemeClr val="accent1"/>
-            </a:effectRef>
-            <a:fontRef idx="minor">
-              <a:schemeClr val="tx1"/>
-            </a:fontRef>
-          </p:style>
-        </p:cxnSp>
-        <p:cxnSp>
-          <p:nvCxnSpPr>
-            <p:cNvPr id="13" name="直接连接符 12"/>
-            <p:cNvCxnSpPr/>
-            <p:nvPr>
-              <p:custDataLst>
-                <p:tags r:id="rId4"/>
-              </p:custDataLst>
-            </p:nvPr>
-          </p:nvCxnSpPr>
-          <p:spPr>
-            <a:xfrm>
-              <a:off x="8215086" y="2670629"/>
-              <a:ext cx="0" cy="2148114"/>
-            </a:xfrm>
-            <a:prstGeom prst="line">
-              <a:avLst/>
-            </a:prstGeom>
-            <a:ln>
-              <a:solidFill>
-                <a:schemeClr val="accent1"/>
-              </a:solidFill>
-            </a:ln>
-          </p:spPr>
-          <p:style>
-            <a:lnRef idx="1">
-              <a:schemeClr val="accent1"/>
-            </a:lnRef>
-            <a:fillRef idx="0">
-              <a:schemeClr val="accent1"/>
-            </a:fillRef>
-            <a:effectRef idx="0">
-              <a:schemeClr val="accent1"/>
-            </a:effectRef>
-            <a:fontRef idx="minor">
-              <a:schemeClr val="tx1"/>
-            </a:fontRef>
-          </p:style>
-        </p:cxnSp>
-      </p:grpSp>
-      <p:sp>
-        <p:nvSpPr>
-          <p:cNvPr id="2" name="文本框 1"/>
-          <p:cNvSpPr txBox="1"/>
-          <p:nvPr>
-            <p:custDataLst>
-              <p:tags r:id="rId5"/>
-            </p:custDataLst>
-          </p:nvPr>
-        </p:nvSpPr>
-        <p:spPr>
-          <a:xfrm>
-            <a:off x="3749495" y="1118791"/>
-            <a:ext cx="4581704" cy="522451"/>
-          </a:xfrm>
-          <a:prstGeom prst="rect">
-            <a:avLst/>
-          </a:prstGeom>
-        </p:spPr>
-        <p:txBody>
-          <a:bodyPr wrap="square">
-            <a:normAutofit lnSpcReduction="20000"/>
-          </a:bodyPr>
-          <a:lstStyle>
-            <a:defPPr>
-              <a:defRPr lang="zh-CN"/>
-            </a:defPPr>
-            <a:lvl1pPr algn="ctr">
-              <a:lnSpc>
-                <a:spcPct val="130000"/>
-              </a:lnSpc>
-              <a:defRPr sz="2400">
-                <a:cs typeface="+mn-ea"/>
-              </a:defRPr>
-            </a:lvl1pPr>
-          </a:lstStyle>
-          <a:p>
-            <a:r>
-              <a:rPr lang="en-US" altLang="zh-CN">
-                <a:latin typeface="+mj-lt"/>
-                <a:ea typeface="+mj-ea"/>
-                <a:cs typeface="+mj-cs"/>
-              </a:rPr>
-              <a:t>Lorem Ipsum Dolor</a:t>
-            </a:r>
-            <a:endParaRPr lang="en-US" altLang="zh-CN">
-              <a:latin typeface="+mj-lt"/>
-              <a:ea typeface="+mj-ea"/>
-              <a:cs typeface="+mj-cs"/>
-            </a:endParaRPr>
-          </a:p>
-        </p:txBody>
-      </p:sp>
-      <p:sp>
-        <p:nvSpPr>
-          <p:cNvPr id="3" name="文本框 2"/>
-          <p:cNvSpPr txBox="1"/>
-          <p:nvPr>
-            <p:custDataLst>
-              <p:tags r:id="rId6"/>
-            </p:custDataLst>
-          </p:nvPr>
-        </p:nvSpPr>
-        <p:spPr>
-          <a:xfrm>
-            <a:off x="3749496" y="1762593"/>
-            <a:ext cx="4581703" cy="307777"/>
-          </a:xfrm>
-          <a:prstGeom prst="rect">
-            <a:avLst/>
-          </a:prstGeom>
-        </p:spPr>
-        <p:txBody>
-          <a:bodyPr wrap="none">
-            <a:normAutofit/>
-          </a:bodyPr>
-          <a:lstStyle>
-            <a:defPPr>
-              <a:defRPr lang="zh-CN"/>
-            </a:defPPr>
-            <a:lvl1pPr>
-              <a:defRPr sz="1400">
-                <a:solidFill>
-                  <a:schemeClr val="tx1">
-                    <a:lumMod val="50000"/>
-                    <a:lumOff val="50000"/>
-                  </a:schemeClr>
-                </a:solidFill>
-              </a:defRPr>
-            </a:lvl1pPr>
-          </a:lstStyle>
-          <a:p>
-            <a:r>
-              <a:rPr lang="en-US" altLang="zh-CN"/>
-              <a:t>Lorem ipsum dolor sit amet, consectetur adipisicing elit,</a:t>
-            </a:r>
-            <a:endParaRPr lang="en-US" altLang="zh-CN"/>
-          </a:p>
-        </p:txBody>
-      </p:sp>
-      <p:sp>
-        <p:nvSpPr>
-          <p:cNvPr id="5" name="文本框 4"/>
-          <p:cNvSpPr txBox="1"/>
-          <p:nvPr>
-            <p:custDataLst>
-              <p:tags r:id="rId7"/>
-            </p:custDataLst>
-          </p:nvPr>
-        </p:nvSpPr>
-        <p:spPr>
-          <a:xfrm>
-            <a:off x="4185694" y="2714172"/>
-            <a:ext cx="3772807" cy="1659429"/>
-          </a:xfrm>
-          <a:prstGeom prst="rect">
-            <a:avLst/>
-          </a:prstGeom>
-        </p:spPr>
-        <p:txBody>
-          <a:bodyPr wrap="square">
-            <a:normAutofit lnSpcReduction="10000"/>
-          </a:bodyPr>
-          <a:lstStyle>
-            <a:defPPr>
-              <a:defRPr lang="zh-CN"/>
-            </a:defPPr>
-            <a:lvl1pPr algn="ctr">
-              <a:lnSpc>
-                <a:spcPct val="130000"/>
-              </a:lnSpc>
-              <a:defRPr sz="1600">
-                <a:solidFill>
-                  <a:schemeClr val="tx1">
-                    <a:lumMod val="50000"/>
-                    <a:lumOff val="50000"/>
-                  </a:schemeClr>
-                </a:solidFill>
-                <a:cs typeface="+mn-ea"/>
-              </a:defRPr>
-            </a:lvl1pPr>
-          </a:lstStyle>
-          <a:p>
-            <a:r>
-              <a:rPr lang="en-US" altLang="zh-CN">
-                <a:cs typeface="+mn-cs"/>
-              </a:rPr>
-              <a:t>Lorem ipsum dolor sit amet, consectetur adipisicing elit.Lorem ipsum dolor sit amet, consectetur adipisicing elit. Lorem ipsum dolor sit amet, consectetur adipisicing elit.</a:t>
-            </a:r>
-            <a:endParaRPr lang="en-US" altLang="zh-CN">
-              <a:cs typeface="+mn-cs"/>
-            </a:endParaRPr>
-          </a:p>
-        </p:txBody>
-      </p:sp>
-      <p:pic>
-        <p:nvPicPr>
-          <p:cNvPr id="7" name="图片 6"/>
-          <p:cNvPicPr>
-            <a:picLocks noChangeAspect="1"/>
-          </p:cNvPicPr>
-          <p:nvPr>
-            <p:custDataLst>
-              <p:tags r:id="rId8"/>
-            </p:custDataLst>
-          </p:nvPr>
-        </p:nvPicPr>
-        <p:blipFill>
-          <a:blip r:embed="rId9">
-            <a:extLst>
-              <a:ext uri="{28A0092B-C50C-407E-A947-70E740481C1C}">
-                <a14:useLocalDpi xmlns:a14="http://schemas.microsoft.com/office/drawing/2010/main" val="0"/>
-              </a:ext>
-            </a:extLst>
-          </a:blip>
-          <a:stretch>
-            <a:fillRect/>
-          </a:stretch>
-        </p:blipFill>
-        <p:spPr>
-          <a:xfrm>
-            <a:off x="-21317" y="0"/>
-            <a:ext cx="3409950" cy="6858000"/>
-          </a:xfrm>
-          <a:prstGeom prst="rect">
-            <a:avLst/>
-          </a:prstGeom>
-        </p:spPr>
-      </p:pic>
-      <p:pic>
-        <p:nvPicPr>
-          <p:cNvPr id="11" name="图片 10"/>
-          <p:cNvPicPr>
-            <a:picLocks noChangeAspect="1"/>
-          </p:cNvPicPr>
-          <p:nvPr>
-            <p:custDataLst>
-              <p:tags r:id="rId10"/>
-            </p:custDataLst>
-          </p:nvPr>
-        </p:nvPicPr>
-        <p:blipFill>
-          <a:blip r:embed="rId11">
-            <a:extLst>
-              <a:ext uri="{28A0092B-C50C-407E-A947-70E740481C1C}">
-                <a14:useLocalDpi xmlns:a14="http://schemas.microsoft.com/office/drawing/2010/main" val="0"/>
-              </a:ext>
-            </a:extLst>
-          </a:blip>
-          <a:stretch>
-            <a:fillRect/>
-          </a:stretch>
-        </p:blipFill>
-        <p:spPr>
-          <a:xfrm>
-            <a:off x="8782050" y="0"/>
-            <a:ext cx="3409950" cy="6858000"/>
-          </a:xfrm>
-          <a:prstGeom prst="rect">
-            <a:avLst/>
-          </a:prstGeom>
-        </p:spPr>
-      </p:pic>
-    </p:spTree>
-    <p:custDataLst>
-      <p:tags r:id="rId12"/>
-    </p:custDataLst>
-  </p:cSld>
-  <p:clrMapOvr>
-    <a:masterClrMapping/>
-  </p:clrMapOvr>
-</p:sld>
-</file>
-
 <file path=ppt/tags/tag1.xml><?xml version="1.0" encoding="utf-8"?>
 <p:tagLst xmlns:p="http://schemas.openxmlformats.org/presentationml/2006/main">
   <p:tag name="KSO_WM_TAG_VERSION" val="1.0"/>
@@ -10858,6 +11965,210 @@
 </file>
 
 <file path=ppt/tags/tag100.xml><?xml version="1.0" encoding="utf-8"?>
+<p:tagLst xmlns:p="http://schemas.openxmlformats.org/presentationml/2006/main">
+  <p:tag name="KSO_WM_TAG_VERSION" val="1.0"/>
+  <p:tag name="KSO_WM_BEAUTIFY_FLAG" val="#wm#"/>
+  <p:tag name="KSO_WM_UNIT_TYPE" val="i"/>
+  <p:tag name="KSO_WM_UNIT_ID" val="custom20189046_7*i*0"/>
+  <p:tag name="KSO_WM_TEMPLATE_CATEGORY" val="custom"/>
+  <p:tag name="KSO_WM_TEMPLATE_INDEX" val="20189046"/>
+  <p:tag name="KSO_WM_UNIT_INDEX" val="0"/>
+</p:tagLst>
+</file>
+
+<file path=ppt/tags/tag101.xml><?xml version="1.0" encoding="utf-8"?>
+<p:tagLst xmlns:p="http://schemas.openxmlformats.org/presentationml/2006/main">
+  <p:tag name="KSO_WM_TAG_VERSION" val="1.0"/>
+  <p:tag name="KSO_WM_BEAUTIFY_FLAG" val="#wm#"/>
+  <p:tag name="KSO_WM_UNIT_TYPE" val="i"/>
+  <p:tag name="KSO_WM_UNIT_ID" val="custom20189046_7*i*4"/>
+  <p:tag name="KSO_WM_TEMPLATE_CATEGORY" val="custom"/>
+  <p:tag name="KSO_WM_TEMPLATE_INDEX" val="20189046"/>
+  <p:tag name="KSO_WM_UNIT_INDEX" val="4"/>
+</p:tagLst>
+</file>
+
+<file path=ppt/tags/tag102.xml><?xml version="1.0" encoding="utf-8"?>
+<p:tagLst xmlns:p="http://schemas.openxmlformats.org/presentationml/2006/main">
+  <p:tag name="KSO_WM_TAG_VERSION" val="1.0"/>
+  <p:tag name="KSO_WM_BEAUTIFY_FLAG" val="#wm#"/>
+  <p:tag name="KSO_WM_UNIT_TYPE" val="i"/>
+  <p:tag name="KSO_WM_UNIT_ID" val="custom20189046_7*i*5"/>
+  <p:tag name="KSO_WM_TEMPLATE_CATEGORY" val="custom"/>
+  <p:tag name="KSO_WM_TEMPLATE_INDEX" val="20189046"/>
+  <p:tag name="KSO_WM_UNIT_INDEX" val="5"/>
+</p:tagLst>
+</file>
+
+<file path=ppt/tags/tag103.xml><?xml version="1.0" encoding="utf-8"?>
+<p:tagLst xmlns:p="http://schemas.openxmlformats.org/presentationml/2006/main">
+  <p:tag name="KSO_WM_TAG_VERSION" val="1.0"/>
+  <p:tag name="KSO_WM_BEAUTIFY_FLAG" val="#wm#"/>
+  <p:tag name="KSO_WM_UNIT_TYPE" val="i"/>
+  <p:tag name="KSO_WM_UNIT_ID" val="custom20189046_7*i*6"/>
+  <p:tag name="KSO_WM_TEMPLATE_CATEGORY" val="custom"/>
+  <p:tag name="KSO_WM_TEMPLATE_INDEX" val="20189046"/>
+  <p:tag name="KSO_WM_UNIT_INDEX" val="6"/>
+</p:tagLst>
+</file>
+
+<file path=ppt/tags/tag104.xml><?xml version="1.0" encoding="utf-8"?>
+<p:tagLst xmlns:p="http://schemas.openxmlformats.org/presentationml/2006/main">
+  <p:tag name="KSO_WM_TEMPLATE_CATEGORY" val="custom"/>
+  <p:tag name="KSO_WM_TEMPLATE_INDEX" val="20189046"/>
+  <p:tag name="KSO_WM_TAG_VERSION" val="1.0"/>
+  <p:tag name="KSO_WM_UNIT_TYPE" val="a"/>
+  <p:tag name="KSO_WM_UNIT_INDEX" val="1"/>
+  <p:tag name="KSO_WM_UNIT_LAYERLEVEL" val="1"/>
+  <p:tag name="KSO_WM_UNIT_VALUE" val="17"/>
+  <p:tag name="KSO_WM_UNIT_ISCONTENTSTITLE" val="0"/>
+  <p:tag name="KSO_WM_UNIT_HIGHLIGHT" val="0"/>
+  <p:tag name="KSO_WM_UNIT_COMPATIBLE" val="0"/>
+  <p:tag name="KSO_WM_UNIT_CLEAR" val="0"/>
+  <p:tag name="KSO_WM_BEAUTIFY_FLAG" val="#wm#"/>
+  <p:tag name="KSO_WM_UNIT_ID" val="custom20189046_7*a*1"/>
+  <p:tag name="KSO_WM_UNIT_PRESET_TEXT" val="Lorem Ipsum Dolor"/>
+</p:tagLst>
+</file>
+
+<file path=ppt/tags/tag105.xml><?xml version="1.0" encoding="utf-8"?>
+<p:tagLst xmlns:p="http://schemas.openxmlformats.org/presentationml/2006/main">
+  <p:tag name="KSO_WM_TEMPLATE_CATEGORY" val="custom"/>
+  <p:tag name="KSO_WM_TEMPLATE_INDEX" val="20189046"/>
+  <p:tag name="KSO_WM_TAG_VERSION" val="1.0"/>
+  <p:tag name="KSO_WM_UNIT_TYPE" val="b"/>
+  <p:tag name="KSO_WM_UNIT_INDEX" val="1"/>
+  <p:tag name="KSO_WM_UNIT_LAYERLEVEL" val="1"/>
+  <p:tag name="KSO_WM_UNIT_VALUE" val="24"/>
+  <p:tag name="KSO_WM_UNIT_ISCONTENTSTITLE" val="0"/>
+  <p:tag name="KSO_WM_UNIT_HIGHLIGHT" val="0"/>
+  <p:tag name="KSO_WM_UNIT_COMPATIBLE" val="0"/>
+  <p:tag name="KSO_WM_UNIT_CLEAR" val="0"/>
+  <p:tag name="KSO_WM_BEAUTIFY_FLAG" val="#wm#"/>
+  <p:tag name="KSO_WM_UNIT_ID" val="custom20189046_7*b*1"/>
+  <p:tag name="KSO_WM_UNIT_PRESET_TEXT" val="Lorem ipsum dolor sit amet, consectetur adipisicing elit,"/>
+</p:tagLst>
+</file>
+
+<file path=ppt/tags/tag106.xml><?xml version="1.0" encoding="utf-8"?>
+<p:tagLst xmlns:p="http://schemas.openxmlformats.org/presentationml/2006/main">
+  <p:tag name="KSO_WM_TEMPLATE_CATEGORY" val="custom"/>
+  <p:tag name="KSO_WM_TEMPLATE_INDEX" val="20189046"/>
+  <p:tag name="KSO_WM_TAG_VERSION" val="1.0"/>
+  <p:tag name="KSO_WM_UNIT_TYPE" val="f"/>
+  <p:tag name="KSO_WM_UNIT_INDEX" val="1"/>
+  <p:tag name="KSO_WM_UNIT_LAYERLEVEL" val="1"/>
+  <p:tag name="KSO_WM_UNIT_VALUE" val="85"/>
+  <p:tag name="KSO_WM_UNIT_HIGHLIGHT" val="0"/>
+  <p:tag name="KSO_WM_UNIT_COMPATIBLE" val="0"/>
+  <p:tag name="KSO_WM_UNIT_CLEAR" val="0"/>
+  <p:tag name="KSO_WM_BEAUTIFY_FLAG" val="#wm#"/>
+  <p:tag name="KSO_WM_UNIT_ID" val="custom20189046_7*f*1"/>
+  <p:tag name="KSO_WM_UNIT_PRESET_TEXT" val="Lorem ipsum dolor sit amet, consectetur adipisicing elit.Lorem ipsum dolor sit amet, consectetur adipisicing elit. Lorem ipsum dolor sit amet, consectetur adipisicing elit."/>
+</p:tagLst>
+</file>
+
+<file path=ppt/tags/tag107.xml><?xml version="1.0" encoding="utf-8"?>
+<p:tagLst xmlns:p="http://schemas.openxmlformats.org/presentationml/2006/main">
+  <p:tag name="KSO_WM_TAG_VERSION" val="1.0"/>
+  <p:tag name="KSO_WM_TEMPLATE_CATEGORY" val="custom"/>
+  <p:tag name="KSO_WM_TEMPLATE_INDEX" val="20189046"/>
+  <p:tag name="KSO_WM_UNIT_TYPE" val="d"/>
+  <p:tag name="KSO_WM_UNIT_INDEX" val="1"/>
+  <p:tag name="KSO_WM_UNIT_ID" val="custom20189046_7*d*1"/>
+  <p:tag name="KSO_WM_UNIT_LAYERLEVEL" val="1"/>
+  <p:tag name="KSO_WM_UNIT_VALUE" val="1904*946"/>
+  <p:tag name="KSO_WM_UNIT_HIGHLIGHT" val="0"/>
+  <p:tag name="KSO_WM_UNIT_COMPATIBLE" val="0"/>
+  <p:tag name="KSO_WM_UNIT_CLEAR" val="0"/>
+  <p:tag name="KSO_WM_BEAUTIFY_FLAG" val="#wm#"/>
+</p:tagLst>
+</file>
+
+<file path=ppt/tags/tag108.xml><?xml version="1.0" encoding="utf-8"?>
+<p:tagLst xmlns:p="http://schemas.openxmlformats.org/presentationml/2006/main">
+  <p:tag name="KSO_WM_TAG_VERSION" val="1.0"/>
+  <p:tag name="KSO_WM_TEMPLATE_CATEGORY" val="custom"/>
+  <p:tag name="KSO_WM_TEMPLATE_INDEX" val="20189046"/>
+  <p:tag name="KSO_WM_UNIT_TYPE" val="d"/>
+  <p:tag name="KSO_WM_UNIT_INDEX" val="2"/>
+  <p:tag name="KSO_WM_UNIT_ID" val="custom20189046_7*d*2"/>
+  <p:tag name="KSO_WM_UNIT_LAYERLEVEL" val="1"/>
+  <p:tag name="KSO_WM_UNIT_VALUE" val="1904*946"/>
+  <p:tag name="KSO_WM_UNIT_HIGHLIGHT" val="0"/>
+  <p:tag name="KSO_WM_UNIT_COMPATIBLE" val="0"/>
+  <p:tag name="KSO_WM_UNIT_CLEAR" val="0"/>
+  <p:tag name="KSO_WM_BEAUTIFY_FLAG" val="#wm#"/>
+</p:tagLst>
+</file>
+
+<file path=ppt/tags/tag109.xml><?xml version="1.0" encoding="utf-8"?>
+<p:tagLst xmlns:p="http://schemas.openxmlformats.org/presentationml/2006/main">
+  <p:tag name="KSO_WM_TAG_VERSION" val="1.0"/>
+  <p:tag name="KSO_WM_SLIDE_ITEM_CNT" val="3"/>
+  <p:tag name="KSO_WM_SLIDE_LAYOUT" val="a_b_f_d"/>
+  <p:tag name="KSO_WM_SLIDE_LAYOUT_CNT" val="1_1_1_2"/>
+  <p:tag name="KSO_WM_SLIDE_TYPE" val="text"/>
+  <p:tag name="KSO_WM_SLIDE_SUBTYPE" val="picTxt"/>
+  <p:tag name="KSO_WM_BEAUTIFY_FLAG" val="#wm#"/>
+  <p:tag name="KSO_WM_SLIDE_POSITION" val="-1*0"/>
+  <p:tag name="KSO_WM_SLIDE_SIZE" val="960*540"/>
+  <p:tag name="KSO_WM_COMBINE_RELATE_SLIDE_ID" val="background20185110_7"/>
+  <p:tag name="KSO_WM_TEMPLATE_CATEGORY" val="custom"/>
+  <p:tag name="KSO_WM_TEMPLATE_INDEX" val="20189046"/>
+  <p:tag name="KSO_WM_SLIDE_ID" val="custom20189046_7"/>
+  <p:tag name="KSO_WM_SLIDE_INDEX" val="7"/>
+  <p:tag name="KSO_WM_TEMPLATE_SUBCATEGORY" val="combine"/>
+</p:tagLst>
+</file>
+
+<file path=ppt/tags/tag11.xml><?xml version="1.0" encoding="utf-8"?>
+<p:tagLst xmlns:p="http://schemas.openxmlformats.org/presentationml/2006/main">
+  <p:tag name="KSO_WM_TAG_VERSION" val="1.0"/>
+  <p:tag name="KSO_WM_BEAUTIFY_FLAG" val="#wm#"/>
+  <p:tag name="KSO_WM_UNIT_TYPE" val="i"/>
+  <p:tag name="KSO_WM_UNIT_ID" val="custom20189046_3*i*5"/>
+  <p:tag name="KSO_WM_TEMPLATE_CATEGORY" val="custom"/>
+  <p:tag name="KSO_WM_TEMPLATE_INDEX" val="20189046"/>
+  <p:tag name="KSO_WM_UNIT_INDEX" val="5"/>
+</p:tagLst>
+</file>
+
+<file path=ppt/tags/tag110.xml><?xml version="1.0" encoding="utf-8"?>
+<p:tagLst xmlns:p="http://schemas.openxmlformats.org/presentationml/2006/main">
+  <p:tag name="KSO_WM_TAG_VERSION" val="1.0"/>
+  <p:tag name="KSO_WM_TEMPLATE_CATEGORY" val="custom"/>
+  <p:tag name="KSO_WM_TEMPLATE_INDEX" val="20189046"/>
+  <p:tag name="KSO_WM_UNIT_TYPE" val="d"/>
+  <p:tag name="KSO_WM_UNIT_INDEX" val="4"/>
+  <p:tag name="KSO_WM_UNIT_ID" val="custom20189046_8*d*4"/>
+  <p:tag name="KSO_WM_UNIT_LAYERLEVEL" val="1"/>
+  <p:tag name="KSO_WM_UNIT_VALUE" val="798*1473"/>
+  <p:tag name="KSO_WM_UNIT_HIGHLIGHT" val="0"/>
+  <p:tag name="KSO_WM_UNIT_COMPATIBLE" val="0"/>
+  <p:tag name="KSO_WM_UNIT_CLEAR" val="0"/>
+  <p:tag name="KSO_WM_BEAUTIFY_FLAG" val="#wm#"/>
+</p:tagLst>
+</file>
+
+<file path=ppt/tags/tag111.xml><?xml version="1.0" encoding="utf-8"?>
+<p:tagLst xmlns:p="http://schemas.openxmlformats.org/presentationml/2006/main">
+  <p:tag name="KSO_WM_TAG_VERSION" val="1.0"/>
+  <p:tag name="KSO_WM_TEMPLATE_CATEGORY" val="custom"/>
+  <p:tag name="KSO_WM_TEMPLATE_INDEX" val="20189046"/>
+  <p:tag name="KSO_WM_UNIT_TYPE" val="d"/>
+  <p:tag name="KSO_WM_UNIT_INDEX" val="5"/>
+  <p:tag name="KSO_WM_UNIT_ID" val="custom20189046_8*d*5"/>
+  <p:tag name="KSO_WM_UNIT_LAYERLEVEL" val="1"/>
+  <p:tag name="KSO_WM_UNIT_VALUE" val="798*1451"/>
+  <p:tag name="KSO_WM_UNIT_HIGHLIGHT" val="0"/>
+  <p:tag name="KSO_WM_UNIT_COMPATIBLE" val="0"/>
+  <p:tag name="KSO_WM_UNIT_CLEAR" val="0"/>
+  <p:tag name="KSO_WM_BEAUTIFY_FLAG" val="#wm#"/>
+</p:tagLst>
+</file>
+
+<file path=ppt/tags/tag112.xml><?xml version="1.0" encoding="utf-8"?>
 <p:tagLst xmlns:p="http://schemas.openxmlformats.org/presentationml/2006/main">
   <p:tag name="KSO_WM_TAG_VERSION" val="1.0"/>
   <p:tag name="KSO_WM_TEMPLATE_CATEGORY" val="custom"/>
@@ -10874,7 +12185,7 @@
 </p:tagLst>
 </file>
 
-<file path=ppt/tags/tag101.xml><?xml version="1.0" encoding="utf-8"?>
+<file path=ppt/tags/tag113.xml><?xml version="1.0" encoding="utf-8"?>
 <p:tagLst xmlns:p="http://schemas.openxmlformats.org/presentationml/2006/main">
   <p:tag name="KSO_WM_TAG_VERSION" val="1.0"/>
   <p:tag name="KSO_WM_TEMPLATE_CATEGORY" val="custom"/>
@@ -10891,7 +12202,7 @@
 </p:tagLst>
 </file>
 
-<file path=ppt/tags/tag102.xml><?xml version="1.0" encoding="utf-8"?>
+<file path=ppt/tags/tag114.xml><?xml version="1.0" encoding="utf-8"?>
 <p:tagLst xmlns:p="http://schemas.openxmlformats.org/presentationml/2006/main">
   <p:tag name="KSO_WM_TAG_VERSION" val="1.0"/>
   <p:tag name="KSO_WM_TEMPLATE_CATEGORY" val="custom"/>
@@ -10908,7 +12219,7 @@
 </p:tagLst>
 </file>
 
-<file path=ppt/tags/tag103.xml><?xml version="1.0" encoding="utf-8"?>
+<file path=ppt/tags/tag115.xml><?xml version="1.0" encoding="utf-8"?>
 <p:tagLst xmlns:p="http://schemas.openxmlformats.org/presentationml/2006/main">
   <p:tag name="KSO_WM_TAG_VERSION" val="1.0"/>
   <p:tag name="KSO_WM_BEAUTIFY_FLAG" val="#wm#"/>
@@ -10920,7 +12231,7 @@
 </p:tagLst>
 </file>
 
-<file path=ppt/tags/tag104.xml><?xml version="1.0" encoding="utf-8"?>
+<file path=ppt/tags/tag116.xml><?xml version="1.0" encoding="utf-8"?>
 <p:tagLst xmlns:p="http://schemas.openxmlformats.org/presentationml/2006/main">
   <p:tag name="KSO_WM_TEMPLATE_CATEGORY" val="custom"/>
   <p:tag name="KSO_WM_TEMPLATE_INDEX" val="20189046"/>
@@ -10939,7 +12250,7 @@
 </p:tagLst>
 </file>
 
-<file path=ppt/tags/tag105.xml><?xml version="1.0" encoding="utf-8"?>
+<file path=ppt/tags/tag117.xml><?xml version="1.0" encoding="utf-8"?>
 <p:tagLst xmlns:p="http://schemas.openxmlformats.org/presentationml/2006/main">
   <p:tag name="KSO_WM_TAG_VERSION" val="1.0"/>
   <p:tag name="KSO_WM_SLIDE_ITEM_CNT" val="5"/>
@@ -10959,7 +12270,7 @@
 </p:tagLst>
 </file>
 
-<file path=ppt/tags/tag106.xml><?xml version="1.0" encoding="utf-8"?>
+<file path=ppt/tags/tag118.xml><?xml version="1.0" encoding="utf-8"?>
 <p:tagLst xmlns:p="http://schemas.openxmlformats.org/presentationml/2006/main">
   <p:tag name="KSO_WM_TEMPLATE_CATEGORY" val="custom"/>
   <p:tag name="KSO_WM_TEMPLATE_INDEX" val="20189046"/>
@@ -10981,7 +12292,7 @@
 </p:tagLst>
 </file>
 
-<file path=ppt/tags/tag107.xml><?xml version="1.0" encoding="utf-8"?>
+<file path=ppt/tags/tag119.xml><?xml version="1.0" encoding="utf-8"?>
 <p:tagLst xmlns:p="http://schemas.openxmlformats.org/presentationml/2006/main">
   <p:tag name="KSO_WM_TEMPLATE_CATEGORY" val="custom"/>
   <p:tag name="KSO_WM_TEMPLATE_INDEX" val="20189046"/>
@@ -11003,7 +12314,19 @@
 </p:tagLst>
 </file>
 
-<file path=ppt/tags/tag108.xml><?xml version="1.0" encoding="utf-8"?>
+<file path=ppt/tags/tag12.xml><?xml version="1.0" encoding="utf-8"?>
+<p:tagLst xmlns:p="http://schemas.openxmlformats.org/presentationml/2006/main">
+  <p:tag name="KSO_WM_TAG_VERSION" val="1.0"/>
+  <p:tag name="KSO_WM_BEAUTIFY_FLAG" val="#wm#"/>
+  <p:tag name="KSO_WM_UNIT_TYPE" val="i"/>
+  <p:tag name="KSO_WM_UNIT_ID" val="custom20189046_3*i*6"/>
+  <p:tag name="KSO_WM_TEMPLATE_CATEGORY" val="custom"/>
+  <p:tag name="KSO_WM_TEMPLATE_INDEX" val="20189046"/>
+  <p:tag name="KSO_WM_UNIT_INDEX" val="6"/>
+</p:tagLst>
+</file>
+
+<file path=ppt/tags/tag120.xml><?xml version="1.0" encoding="utf-8"?>
 <p:tagLst xmlns:p="http://schemas.openxmlformats.org/presentationml/2006/main">
   <p:tag name="KSO_WM_TEMPLATE_CATEGORY" val="custom"/>
   <p:tag name="KSO_WM_TEMPLATE_INDEX" val="20189046"/>
@@ -11025,7 +12348,7 @@
 </p:tagLst>
 </file>
 
-<file path=ppt/tags/tag109.xml><?xml version="1.0" encoding="utf-8"?>
+<file path=ppt/tags/tag121.xml><?xml version="1.0" encoding="utf-8"?>
 <p:tagLst xmlns:p="http://schemas.openxmlformats.org/presentationml/2006/main">
   <p:tag name="KSO_WM_TEMPLATE_CATEGORY" val="custom"/>
   <p:tag name="KSO_WM_TEMPLATE_INDEX" val="20189046"/>
@@ -11047,19 +12370,7 @@
 </p:tagLst>
 </file>
 
-<file path=ppt/tags/tag11.xml><?xml version="1.0" encoding="utf-8"?>
-<p:tagLst xmlns:p="http://schemas.openxmlformats.org/presentationml/2006/main">
-  <p:tag name="KSO_WM_TAG_VERSION" val="1.0"/>
-  <p:tag name="KSO_WM_BEAUTIFY_FLAG" val="#wm#"/>
-  <p:tag name="KSO_WM_UNIT_TYPE" val="i"/>
-  <p:tag name="KSO_WM_UNIT_ID" val="custom20189046_3*i*5"/>
-  <p:tag name="KSO_WM_TEMPLATE_CATEGORY" val="custom"/>
-  <p:tag name="KSO_WM_TEMPLATE_INDEX" val="20189046"/>
-  <p:tag name="KSO_WM_UNIT_INDEX" val="5"/>
-</p:tagLst>
-</file>
-
-<file path=ppt/tags/tag110.xml><?xml version="1.0" encoding="utf-8"?>
+<file path=ppt/tags/tag122.xml><?xml version="1.0" encoding="utf-8"?>
 <p:tagLst xmlns:p="http://schemas.openxmlformats.org/presentationml/2006/main">
   <p:tag name="KSO_WM_TEMPLATE_CATEGORY" val="custom"/>
   <p:tag name="KSO_WM_TEMPLATE_INDEX" val="20189046"/>
@@ -11081,7 +12392,7 @@
 </p:tagLst>
 </file>
 
-<file path=ppt/tags/tag111.xml><?xml version="1.0" encoding="utf-8"?>
+<file path=ppt/tags/tag123.xml><?xml version="1.0" encoding="utf-8"?>
 <p:tagLst xmlns:p="http://schemas.openxmlformats.org/presentationml/2006/main">
   <p:tag name="KSO_WM_TEMPLATE_CATEGORY" val="custom"/>
   <p:tag name="KSO_WM_TEMPLATE_INDEX" val="20189046"/>
@@ -11103,7 +12414,7 @@
 </p:tagLst>
 </file>
 
-<file path=ppt/tags/tag112.xml><?xml version="1.0" encoding="utf-8"?>
+<file path=ppt/tags/tag124.xml><?xml version="1.0" encoding="utf-8"?>
 <p:tagLst xmlns:p="http://schemas.openxmlformats.org/presentationml/2006/main">
   <p:tag name="KSO_WM_TEMPLATE_CATEGORY" val="custom"/>
   <p:tag name="KSO_WM_TEMPLATE_INDEX" val="20189046"/>
@@ -11126,7 +12437,7 @@
 </p:tagLst>
 </file>
 
-<file path=ppt/tags/tag113.xml><?xml version="1.0" encoding="utf-8"?>
+<file path=ppt/tags/tag125.xml><?xml version="1.0" encoding="utf-8"?>
 <p:tagLst xmlns:p="http://schemas.openxmlformats.org/presentationml/2006/main">
   <p:tag name="KSO_WM_TAG_VERSION" val="1.0"/>
   <p:tag name="KSO_WM_TEMPLATE_CATEGORY" val="custom"/>
@@ -11147,7 +12458,7 @@
 </p:tagLst>
 </file>
 
-<file path=ppt/tags/tag114.xml><?xml version="1.0" encoding="utf-8"?>
+<file path=ppt/tags/tag126.xml><?xml version="1.0" encoding="utf-8"?>
 <p:tagLst xmlns:p="http://schemas.openxmlformats.org/presentationml/2006/main">
   <p:tag name="KSO_WM_TAG_VERSION" val="1.0"/>
   <p:tag name="KSO_WM_TEMPLATE_CATEGORY" val="custom"/>
@@ -11168,7 +12479,7 @@
 </p:tagLst>
 </file>
 
-<file path=ppt/tags/tag115.xml><?xml version="1.0" encoding="utf-8"?>
+<file path=ppt/tags/tag127.xml><?xml version="1.0" encoding="utf-8"?>
 <p:tagLst xmlns:p="http://schemas.openxmlformats.org/presentationml/2006/main">
   <p:tag name="KSO_WM_TAG_VERSION" val="1.0"/>
   <p:tag name="KSO_WM_TEMPLATE_CATEGORY" val="custom"/>
@@ -11189,7 +12500,7 @@
 </p:tagLst>
 </file>
 
-<file path=ppt/tags/tag116.xml><?xml version="1.0" encoding="utf-8"?>
+<file path=ppt/tags/tag128.xml><?xml version="1.0" encoding="utf-8"?>
 <p:tagLst xmlns:p="http://schemas.openxmlformats.org/presentationml/2006/main">
   <p:tag name="KSO_WM_TAG_VERSION" val="1.0"/>
   <p:tag name="KSO_WM_SLIDE_ITEM_CNT" val="3"/>
@@ -11210,7 +12521,7 @@
 </p:tagLst>
 </file>
 
-<file path=ppt/tags/tag117.xml><?xml version="1.0" encoding="utf-8"?>
+<file path=ppt/tags/tag129.xml><?xml version="1.0" encoding="utf-8"?>
 <p:tagLst xmlns:p="http://schemas.openxmlformats.org/presentationml/2006/main">
   <p:tag name="KSO_WM_TEMPLATE_CATEGORY" val="custom"/>
   <p:tag name="KSO_WM_TEMPLATE_INDEX" val="20189046"/>
@@ -11229,7 +12540,26 @@
 </p:tagLst>
 </file>
 
-<file path=ppt/tags/tag118.xml><?xml version="1.0" encoding="utf-8"?>
+<file path=ppt/tags/tag13.xml><?xml version="1.0" encoding="utf-8"?>
+<p:tagLst xmlns:p="http://schemas.openxmlformats.org/presentationml/2006/main">
+  <p:tag name="KSO_WM_TEMPLATE_CATEGORY" val="custom"/>
+  <p:tag name="KSO_WM_TEMPLATE_INDEX" val="20189046"/>
+  <p:tag name="KSO_WM_TAG_VERSION" val="1.0"/>
+  <p:tag name="KSO_WM_UNIT_TYPE" val="a"/>
+  <p:tag name="KSO_WM_UNIT_INDEX" val="1"/>
+  <p:tag name="KSO_WM_UNIT_LAYERLEVEL" val="1"/>
+  <p:tag name="KSO_WM_UNIT_VALUE" val="14"/>
+  <p:tag name="KSO_WM_UNIT_ISCONTENTSTITLE" val="0"/>
+  <p:tag name="KSO_WM_UNIT_HIGHLIGHT" val="0"/>
+  <p:tag name="KSO_WM_UNIT_COMPATIBLE" val="0"/>
+  <p:tag name="KSO_WM_UNIT_CLEAR" val="0"/>
+  <p:tag name="KSO_WM_BEAUTIFY_FLAG" val="#wm#"/>
+  <p:tag name="KSO_WM_UNIT_ID" val="custom20189046_3*a*1"/>
+  <p:tag name="KSO_WM_UNIT_PRESET_TEXT" val="LOREM IPSUM DOLOR"/>
+</p:tagLst>
+</file>
+
+<file path=ppt/tags/tag130.xml><?xml version="1.0" encoding="utf-8"?>
 <p:tagLst xmlns:p="http://schemas.openxmlformats.org/presentationml/2006/main">
   <p:tag name="KSO_WM_TEMPLATE_CATEGORY" val="custom"/>
   <p:tag name="KSO_WM_TEMPLATE_INDEX" val="20189046"/>
@@ -11248,7 +12578,7 @@
 </p:tagLst>
 </file>
 
-<file path=ppt/tags/tag119.xml><?xml version="1.0" encoding="utf-8"?>
+<file path=ppt/tags/tag131.xml><?xml version="1.0" encoding="utf-8"?>
 <p:tagLst xmlns:p="http://schemas.openxmlformats.org/presentationml/2006/main">
   <p:tag name="KSO_WM_TAG_VERSION" val="1.0"/>
   <p:tag name="KSO_WM_SLIDE_ITEM_CNT" val="2"/>
@@ -11263,37 +12593,6 @@
   <p:tag name="KSO_WM_SLIDE_ID" val="custom20189046_10"/>
   <p:tag name="KSO_WM_SLIDE_INDEX" val="10"/>
   <p:tag name="KSO_WM_TEMPLATE_SUBCATEGORY" val="combine"/>
-</p:tagLst>
-</file>
-
-<file path=ppt/tags/tag12.xml><?xml version="1.0" encoding="utf-8"?>
-<p:tagLst xmlns:p="http://schemas.openxmlformats.org/presentationml/2006/main">
-  <p:tag name="KSO_WM_TAG_VERSION" val="1.0"/>
-  <p:tag name="KSO_WM_BEAUTIFY_FLAG" val="#wm#"/>
-  <p:tag name="KSO_WM_UNIT_TYPE" val="i"/>
-  <p:tag name="KSO_WM_UNIT_ID" val="custom20189046_3*i*6"/>
-  <p:tag name="KSO_WM_TEMPLATE_CATEGORY" val="custom"/>
-  <p:tag name="KSO_WM_TEMPLATE_INDEX" val="20189046"/>
-  <p:tag name="KSO_WM_UNIT_INDEX" val="6"/>
-</p:tagLst>
-</file>
-
-<file path=ppt/tags/tag13.xml><?xml version="1.0" encoding="utf-8"?>
-<p:tagLst xmlns:p="http://schemas.openxmlformats.org/presentationml/2006/main">
-  <p:tag name="KSO_WM_TEMPLATE_CATEGORY" val="custom"/>
-  <p:tag name="KSO_WM_TEMPLATE_INDEX" val="20189046"/>
-  <p:tag name="KSO_WM_TAG_VERSION" val="1.0"/>
-  <p:tag name="KSO_WM_UNIT_TYPE" val="a"/>
-  <p:tag name="KSO_WM_UNIT_INDEX" val="1"/>
-  <p:tag name="KSO_WM_UNIT_LAYERLEVEL" val="1"/>
-  <p:tag name="KSO_WM_UNIT_VALUE" val="14"/>
-  <p:tag name="KSO_WM_UNIT_ISCONTENTSTITLE" val="0"/>
-  <p:tag name="KSO_WM_UNIT_HIGHLIGHT" val="0"/>
-  <p:tag name="KSO_WM_UNIT_COMPATIBLE" val="0"/>
-  <p:tag name="KSO_WM_UNIT_CLEAR" val="0"/>
-  <p:tag name="KSO_WM_BEAUTIFY_FLAG" val="#wm#"/>
-  <p:tag name="KSO_WM_UNIT_ID" val="custom20189046_3*a*1"/>
-  <p:tag name="KSO_WM_UNIT_PRESET_TEXT" val="LOREM IPSUM DOLOR"/>
 </p:tagLst>
 </file>
 
@@ -11505,43 +12804,6 @@
 
 <file path=ppt/tags/tag27.xml><?xml version="1.0" encoding="utf-8"?>
 <p:tagLst xmlns:p="http://schemas.openxmlformats.org/presentationml/2006/main">
-  <p:tag name="KSO_WM_TEMPLATE_CATEGORY" val="custom"/>
-  <p:tag name="KSO_WM_TEMPLATE_INDEX" val="20189046"/>
-  <p:tag name="KSO_WM_TAG_VERSION" val="1.0"/>
-  <p:tag name="KSO_WM_UNIT_TYPE" val="b"/>
-  <p:tag name="KSO_WM_UNIT_INDEX" val="1"/>
-  <p:tag name="KSO_WM_UNIT_LAYERLEVEL" val="1"/>
-  <p:tag name="KSO_WM_UNIT_VALUE" val="24"/>
-  <p:tag name="KSO_WM_UNIT_ISCONTENTSTITLE" val="0"/>
-  <p:tag name="KSO_WM_UNIT_HIGHLIGHT" val="0"/>
-  <p:tag name="KSO_WM_UNIT_COMPATIBLE" val="0"/>
-  <p:tag name="KSO_WM_UNIT_CLEAR" val="0"/>
-  <p:tag name="KSO_WM_BEAUTIFY_FLAG" val="#wm#"/>
-  <p:tag name="KSO_WM_UNIT_ID" val="custom20189046_7*b*1"/>
-  <p:tag name="KSO_WM_UNIT_PRESET_TEXT" val="Lorem ipsum dolor sit amet, consectetur adipisicing elit,"/>
-</p:tagLst>
-</file>
-
-<file path=ppt/tags/tag28.xml><?xml version="1.0" encoding="utf-8"?>
-<p:tagLst xmlns:p="http://schemas.openxmlformats.org/presentationml/2006/main">
-  <p:tag name="KSO_WM_TEMPLATE_CATEGORY" val="custom"/>
-  <p:tag name="KSO_WM_TEMPLATE_INDEX" val="20189046"/>
-  <p:tag name="KSO_WM_TAG_VERSION" val="1.0"/>
-  <p:tag name="KSO_WM_UNIT_TYPE" val="f"/>
-  <p:tag name="KSO_WM_UNIT_INDEX" val="1"/>
-  <p:tag name="KSO_WM_UNIT_LAYERLEVEL" val="1"/>
-  <p:tag name="KSO_WM_UNIT_VALUE" val="85"/>
-  <p:tag name="KSO_WM_UNIT_HIGHLIGHT" val="0"/>
-  <p:tag name="KSO_WM_UNIT_COMPATIBLE" val="0"/>
-  <p:tag name="KSO_WM_UNIT_CLEAR" val="0"/>
-  <p:tag name="KSO_WM_BEAUTIFY_FLAG" val="#wm#"/>
-  <p:tag name="KSO_WM_UNIT_ID" val="custom20189046_7*f*1"/>
-  <p:tag name="KSO_WM_UNIT_PRESET_TEXT" val="Lorem ipsum dolor sit amet, consectetur adipisicing elit.Lorem ipsum dolor sit amet, consectetur adipisicing elit. Lorem ipsum dolor sit amet, consectetur adipisicing elit."/>
-</p:tagLst>
-</file>
-
-<file path=ppt/tags/tag29.xml><?xml version="1.0" encoding="utf-8"?>
-<p:tagLst xmlns:p="http://schemas.openxmlformats.org/presentationml/2006/main">
   <p:tag name="KSO_WM_TAG_VERSION" val="1.0"/>
   <p:tag name="KSO_WM_TEMPLATE_CATEGORY" val="custom"/>
   <p:tag name="KSO_WM_TEMPLATE_INDEX" val="20189046"/>
@@ -11557,19 +12819,7 @@
 </p:tagLst>
 </file>
 
-<file path=ppt/tags/tag3.xml><?xml version="1.0" encoding="utf-8"?>
-<p:tagLst xmlns:p="http://schemas.openxmlformats.org/presentationml/2006/main">
-  <p:tag name="KSO_WM_TAG_VERSION" val="1.0"/>
-  <p:tag name="KSO_WM_BEAUTIFY_FLAG" val="#wm#"/>
-  <p:tag name="KSO_WM_COMBINE_RELATE_SLIDE_ID" val="background20185110_1"/>
-  <p:tag name="KSO_WM_TEMPLATE_CATEGORY" val="custom"/>
-  <p:tag name="KSO_WM_TEMPLATE_INDEX" val="20189046"/>
-  <p:tag name="KSO_WM_TEMPLATE_SUBCATEGORY" val="combine"/>
-  <p:tag name="KSO_WM_TEMPLATE_THUMBS_INDEX" val="1、2、3、4、5、6、7、8、9、10"/>
-</p:tagLst>
-</file>
-
-<file path=ppt/tags/tag30.xml><?xml version="1.0" encoding="utf-8"?>
+<file path=ppt/tags/tag28.xml><?xml version="1.0" encoding="utf-8"?>
 <p:tagLst xmlns:p="http://schemas.openxmlformats.org/presentationml/2006/main">
   <p:tag name="KSO_WM_TAG_VERSION" val="1.0"/>
   <p:tag name="KSO_WM_TEMPLATE_CATEGORY" val="custom"/>
@@ -11583,6 +12833,55 @@
   <p:tag name="KSO_WM_UNIT_COMPATIBLE" val="0"/>
   <p:tag name="KSO_WM_UNIT_CLEAR" val="0"/>
   <p:tag name="KSO_WM_BEAUTIFY_FLAG" val="#wm#"/>
+</p:tagLst>
+</file>
+
+<file path=ppt/tags/tag29.xml><?xml version="1.0" encoding="utf-8"?>
+<p:tagLst xmlns:p="http://schemas.openxmlformats.org/presentationml/2006/main">
+  <p:tag name="KSO_WM_TEMPLATE_CATEGORY" val="custom"/>
+  <p:tag name="KSO_WM_TEMPLATE_INDEX" val="20189046"/>
+  <p:tag name="KSO_WM_TAG_VERSION" val="1.0"/>
+  <p:tag name="KSO_WM_UNIT_TYPE" val="a"/>
+  <p:tag name="KSO_WM_UNIT_INDEX" val="1"/>
+  <p:tag name="KSO_WM_UNIT_LAYERLEVEL" val="1"/>
+  <p:tag name="KSO_WM_UNIT_VALUE" val="14"/>
+  <p:tag name="KSO_WM_UNIT_ISCONTENTSTITLE" val="0"/>
+  <p:tag name="KSO_WM_UNIT_HIGHLIGHT" val="0"/>
+  <p:tag name="KSO_WM_UNIT_COMPATIBLE" val="0"/>
+  <p:tag name="KSO_WM_UNIT_CLEAR" val="0"/>
+  <p:tag name="KSO_WM_BEAUTIFY_FLAG" val="#wm#"/>
+  <p:tag name="KSO_WM_UNIT_ID" val="custom20189046_3*a*1"/>
+  <p:tag name="KSO_WM_UNIT_PRESET_TEXT" val="LOREM IPSUM DOLOR"/>
+</p:tagLst>
+</file>
+
+<file path=ppt/tags/tag3.xml><?xml version="1.0" encoding="utf-8"?>
+<p:tagLst xmlns:p="http://schemas.openxmlformats.org/presentationml/2006/main">
+  <p:tag name="KSO_WM_TAG_VERSION" val="1.0"/>
+  <p:tag name="KSO_WM_BEAUTIFY_FLAG" val="#wm#"/>
+  <p:tag name="KSO_WM_COMBINE_RELATE_SLIDE_ID" val="background20185110_1"/>
+  <p:tag name="KSO_WM_TEMPLATE_CATEGORY" val="custom"/>
+  <p:tag name="KSO_WM_TEMPLATE_INDEX" val="20189046"/>
+  <p:tag name="KSO_WM_TEMPLATE_SUBCATEGORY" val="combine"/>
+  <p:tag name="KSO_WM_TEMPLATE_THUMBS_INDEX" val="1、2、3、4、5、6、7、8、9、10"/>
+</p:tagLst>
+</file>
+
+<file path=ppt/tags/tag30.xml><?xml version="1.0" encoding="utf-8"?>
+<p:tagLst xmlns:p="http://schemas.openxmlformats.org/presentationml/2006/main">
+  <p:tag name="KSO_WM_TEMPLATE_CATEGORY" val="custom"/>
+  <p:tag name="KSO_WM_TEMPLATE_INDEX" val="20189046"/>
+  <p:tag name="KSO_WM_TAG_VERSION" val="1.0"/>
+  <p:tag name="KSO_WM_UNIT_TYPE" val="f"/>
+  <p:tag name="KSO_WM_UNIT_INDEX" val="1"/>
+  <p:tag name="KSO_WM_UNIT_LAYERLEVEL" val="1"/>
+  <p:tag name="KSO_WM_UNIT_VALUE" val="209"/>
+  <p:tag name="KSO_WM_UNIT_HIGHLIGHT" val="0"/>
+  <p:tag name="KSO_WM_UNIT_COMPATIBLE" val="0"/>
+  <p:tag name="KSO_WM_UNIT_CLEAR" val="0"/>
+  <p:tag name="KSO_WM_BEAUTIFY_FLAG" val="#wm#"/>
+  <p:tag name="KSO_WM_UNIT_ID" val="custom20189046_2*f*1"/>
+  <p:tag name="KSO_WM_UNIT_PRESET_TEXT" val="Lorem ipsum dolor sit amet, consectetur adipisicing elit.Lorem ipsum dolor sit amet, consectetur adipisicing elit. Lorem ipsum dolor sit amet, consectetur adipisicing elit.Lorem ipsum dolor sit amet, consectetur adipisicing elit.Lorem ipsum dolor sit amet&#13;Lorem ipsum dolor sit amet, consectetur adipisicing elit.Lorem ipsum dolor sit amet, consectetur adipisicing elit.Lorem ipsum dolor sit amet"/>
 </p:tagLst>
 </file>
 
@@ -11608,6 +12907,374 @@
 
 <file path=ppt/tags/tag32.xml><?xml version="1.0" encoding="utf-8"?>
 <p:tagLst xmlns:p="http://schemas.openxmlformats.org/presentationml/2006/main">
+  <p:tag name="KSO_WM_TAG_VERSION" val="1.0"/>
+  <p:tag name="KSO_WM_BEAUTIFY_FLAG" val="#wm#"/>
+  <p:tag name="KSO_WM_UNIT_TYPE" val="i"/>
+  <p:tag name="KSO_WM_UNIT_ID" val="custom20189046_2*i*0"/>
+  <p:tag name="KSO_WM_TEMPLATE_CATEGORY" val="custom"/>
+  <p:tag name="KSO_WM_TEMPLATE_INDEX" val="20189046"/>
+  <p:tag name="KSO_WM_UNIT_INDEX" val="0"/>
+</p:tagLst>
+</file>
+
+<file path=ppt/tags/tag33.xml><?xml version="1.0" encoding="utf-8"?>
+<p:tagLst xmlns:p="http://schemas.openxmlformats.org/presentationml/2006/main">
+  <p:tag name="KSO_WM_TAG_VERSION" val="1.0"/>
+  <p:tag name="KSO_WM_BEAUTIFY_FLAG" val="#wm#"/>
+  <p:tag name="KSO_WM_UNIT_TYPE" val="i"/>
+  <p:tag name="KSO_WM_UNIT_ID" val="custom20189046_2*i*1"/>
+  <p:tag name="KSO_WM_TEMPLATE_CATEGORY" val="custom"/>
+  <p:tag name="KSO_WM_TEMPLATE_INDEX" val="20189046"/>
+  <p:tag name="KSO_WM_UNIT_INDEX" val="1"/>
+</p:tagLst>
+</file>
+
+<file path=ppt/tags/tag34.xml><?xml version="1.0" encoding="utf-8"?>
+<p:tagLst xmlns:p="http://schemas.openxmlformats.org/presentationml/2006/main">
+  <p:tag name="KSO_WM_TAG_VERSION" val="1.0"/>
+  <p:tag name="KSO_WM_BEAUTIFY_FLAG" val="#wm#"/>
+  <p:tag name="KSO_WM_UNIT_TYPE" val="i"/>
+  <p:tag name="KSO_WM_UNIT_ID" val="custom20189046_2*i*2"/>
+  <p:tag name="KSO_WM_TEMPLATE_CATEGORY" val="custom"/>
+  <p:tag name="KSO_WM_TEMPLATE_INDEX" val="20189046"/>
+  <p:tag name="KSO_WM_UNIT_INDEX" val="2"/>
+</p:tagLst>
+</file>
+
+<file path=ppt/tags/tag35.xml><?xml version="1.0" encoding="utf-8"?>
+<p:tagLst xmlns:p="http://schemas.openxmlformats.org/presentationml/2006/main">
+  <p:tag name="KSO_WM_TEMPLATE_CATEGORY" val="custom"/>
+  <p:tag name="KSO_WM_TEMPLATE_INDEX" val="20189046"/>
+  <p:tag name="KSO_WM_TAG_VERSION" val="1.0"/>
+  <p:tag name="KSO_WM_UNIT_TYPE" val="f"/>
+  <p:tag name="KSO_WM_UNIT_INDEX" val="1"/>
+  <p:tag name="KSO_WM_UNIT_LAYERLEVEL" val="1"/>
+  <p:tag name="KSO_WM_UNIT_VALUE" val="209"/>
+  <p:tag name="KSO_WM_UNIT_HIGHLIGHT" val="0"/>
+  <p:tag name="KSO_WM_UNIT_COMPATIBLE" val="0"/>
+  <p:tag name="KSO_WM_UNIT_CLEAR" val="0"/>
+  <p:tag name="KSO_WM_BEAUTIFY_FLAG" val="#wm#"/>
+  <p:tag name="KSO_WM_UNIT_ID" val="custom20189046_2*f*1"/>
+  <p:tag name="KSO_WM_UNIT_PRESET_TEXT" val="Lorem ipsum dolor sit amet, consectetur adipisicing elit.Lorem ipsum dolor sit amet, consectetur adipisicing elit. Lorem ipsum dolor sit amet, consectetur adipisicing elit.Lorem ipsum dolor sit amet, consectetur adipisicing elit.Lorem ipsum dolor sit amet&#13;Lorem ipsum dolor sit amet, consectetur adipisicing elit.Lorem ipsum dolor sit amet, consectetur adipisicing elit.Lorem ipsum dolor sit amet"/>
+</p:tagLst>
+</file>
+
+<file path=ppt/tags/tag36.xml><?xml version="1.0" encoding="utf-8"?>
+<p:tagLst xmlns:p="http://schemas.openxmlformats.org/presentationml/2006/main">
+  <p:tag name="KSO_WM_TEMPLATE_CATEGORY" val="custom"/>
+  <p:tag name="KSO_WM_TEMPLATE_INDEX" val="20189046"/>
+  <p:tag name="KSO_WM_TAG_VERSION" val="1.0"/>
+  <p:tag name="KSO_WM_UNIT_TYPE" val="a"/>
+  <p:tag name="KSO_WM_UNIT_INDEX" val="1"/>
+  <p:tag name="KSO_WM_UNIT_LAYERLEVEL" val="1"/>
+  <p:tag name="KSO_WM_UNIT_VALUE" val="14"/>
+  <p:tag name="KSO_WM_UNIT_ISCONTENTSTITLE" val="0"/>
+  <p:tag name="KSO_WM_UNIT_HIGHLIGHT" val="0"/>
+  <p:tag name="KSO_WM_UNIT_COMPATIBLE" val="0"/>
+  <p:tag name="KSO_WM_UNIT_CLEAR" val="0"/>
+  <p:tag name="KSO_WM_BEAUTIFY_FLAG" val="#wm#"/>
+  <p:tag name="KSO_WM_UNIT_ID" val="custom20189046_3*a*1"/>
+  <p:tag name="KSO_WM_UNIT_PRESET_TEXT" val="LOREM IPSUM DOLOR"/>
+</p:tagLst>
+</file>
+
+<file path=ppt/tags/tag37.xml><?xml version="1.0" encoding="utf-8"?>
+<p:tagLst xmlns:p="http://schemas.openxmlformats.org/presentationml/2006/main">
+  <p:tag name="KSO_WM_TAG_VERSION" val="1.0"/>
+  <p:tag name="KSO_WM_SLIDE_ITEM_CNT" val="1"/>
+  <p:tag name="KSO_WM_SLIDE_LAYOUT" val="a_f"/>
+  <p:tag name="KSO_WM_SLIDE_LAYOUT_CNT" val="1_1"/>
+  <p:tag name="KSO_WM_SLIDE_TYPE" val="text"/>
+  <p:tag name="KSO_WM_SLIDE_SUBTYPE" val="pureTxt"/>
+  <p:tag name="KSO_WM_BEAUTIFY_FLAG" val="#wm#"/>
+  <p:tag name="KSO_WM_SLIDE_POSITION" val="42*213"/>
+  <p:tag name="KSO_WM_SLIDE_SIZE" val="293*243"/>
+  <p:tag name="KSO_WM_COMBINE_RELATE_SLIDE_ID" val="background20185110_2"/>
+  <p:tag name="KSO_WM_TEMPLATE_CATEGORY" val="custom"/>
+  <p:tag name="KSO_WM_TEMPLATE_INDEX" val="20189046"/>
+  <p:tag name="KSO_WM_SLIDE_ID" val="custom20189046_2"/>
+  <p:tag name="KSO_WM_SLIDE_INDEX" val="2"/>
+  <p:tag name="KSO_WM_TEMPLATE_SUBCATEGORY" val="combine"/>
+</p:tagLst>
+</file>
+
+<file path=ppt/tags/tag38.xml><?xml version="1.0" encoding="utf-8"?>
+<p:tagLst xmlns:p="http://schemas.openxmlformats.org/presentationml/2006/main">
+  <p:tag name="KSO_WM_TAG_VERSION" val="1.0"/>
+  <p:tag name="KSO_WM_BEAUTIFY_FLAG" val="#wm#"/>
+  <p:tag name="KSO_WM_UNIT_TYPE" val="i"/>
+  <p:tag name="KSO_WM_UNIT_ID" val="custom20189046_2*i*0"/>
+  <p:tag name="KSO_WM_TEMPLATE_CATEGORY" val="custom"/>
+  <p:tag name="KSO_WM_TEMPLATE_INDEX" val="20189046"/>
+  <p:tag name="KSO_WM_UNIT_INDEX" val="0"/>
+</p:tagLst>
+</file>
+
+<file path=ppt/tags/tag39.xml><?xml version="1.0" encoding="utf-8"?>
+<p:tagLst xmlns:p="http://schemas.openxmlformats.org/presentationml/2006/main">
+  <p:tag name="KSO_WM_TAG_VERSION" val="1.0"/>
+  <p:tag name="KSO_WM_BEAUTIFY_FLAG" val="#wm#"/>
+  <p:tag name="KSO_WM_UNIT_TYPE" val="i"/>
+  <p:tag name="KSO_WM_UNIT_ID" val="custom20189046_2*i*1"/>
+  <p:tag name="KSO_WM_TEMPLATE_CATEGORY" val="custom"/>
+  <p:tag name="KSO_WM_TEMPLATE_INDEX" val="20189046"/>
+  <p:tag name="KSO_WM_UNIT_INDEX" val="1"/>
+</p:tagLst>
+</file>
+
+<file path=ppt/tags/tag4.xml><?xml version="1.0" encoding="utf-8"?>
+<p:tagLst xmlns:p="http://schemas.openxmlformats.org/presentationml/2006/main">
+  <p:tag name="KSO_WM_TEMPLATE_CATEGORY" val="custom"/>
+  <p:tag name="KSO_WM_TEMPLATE_INDEX" val="20189046"/>
+  <p:tag name="KSO_WM_TAG_VERSION" val="1.0"/>
+  <p:tag name="KSO_WM_UNIT_TYPE" val="f"/>
+  <p:tag name="KSO_WM_UNIT_INDEX" val="1"/>
+  <p:tag name="KSO_WM_UNIT_LAYERLEVEL" val="1"/>
+  <p:tag name="KSO_WM_UNIT_VALUE" val="17"/>
+  <p:tag name="KSO_WM_UNIT_HIGHLIGHT" val="0"/>
+  <p:tag name="KSO_WM_UNIT_COMPATIBLE" val="0"/>
+  <p:tag name="KSO_WM_UNIT_CLEAR" val="0"/>
+  <p:tag name="KSO_WM_BEAUTIFY_FLAG" val="#wm#"/>
+  <p:tag name="KSO_WM_UNIT_ID" val="custom20189046_1*f*1"/>
+  <p:tag name="KSO_WM_UNIT_PRESET_TEXT" val="GRADUATION"/>
+</p:tagLst>
+</file>
+
+<file path=ppt/tags/tag40.xml><?xml version="1.0" encoding="utf-8"?>
+<p:tagLst xmlns:p="http://schemas.openxmlformats.org/presentationml/2006/main">
+  <p:tag name="KSO_WM_TAG_VERSION" val="1.0"/>
+  <p:tag name="KSO_WM_BEAUTIFY_FLAG" val="#wm#"/>
+  <p:tag name="KSO_WM_UNIT_TYPE" val="i"/>
+  <p:tag name="KSO_WM_UNIT_ID" val="custom20189046_2*i*2"/>
+  <p:tag name="KSO_WM_TEMPLATE_CATEGORY" val="custom"/>
+  <p:tag name="KSO_WM_TEMPLATE_INDEX" val="20189046"/>
+  <p:tag name="KSO_WM_UNIT_INDEX" val="2"/>
+</p:tagLst>
+</file>
+
+<file path=ppt/tags/tag41.xml><?xml version="1.0" encoding="utf-8"?>
+<p:tagLst xmlns:p="http://schemas.openxmlformats.org/presentationml/2006/main">
+  <p:tag name="KSO_WM_TEMPLATE_CATEGORY" val="custom"/>
+  <p:tag name="KSO_WM_TEMPLATE_INDEX" val="20189046"/>
+  <p:tag name="KSO_WM_TAG_VERSION" val="1.0"/>
+  <p:tag name="KSO_WM_UNIT_TYPE" val="f"/>
+  <p:tag name="KSO_WM_UNIT_INDEX" val="1"/>
+  <p:tag name="KSO_WM_UNIT_LAYERLEVEL" val="1"/>
+  <p:tag name="KSO_WM_UNIT_VALUE" val="209"/>
+  <p:tag name="KSO_WM_UNIT_HIGHLIGHT" val="0"/>
+  <p:tag name="KSO_WM_UNIT_COMPATIBLE" val="0"/>
+  <p:tag name="KSO_WM_UNIT_CLEAR" val="0"/>
+  <p:tag name="KSO_WM_BEAUTIFY_FLAG" val="#wm#"/>
+  <p:tag name="KSO_WM_UNIT_ID" val="custom20189046_2*f*1"/>
+  <p:tag name="KSO_WM_UNIT_PRESET_TEXT" val="Lorem ipsum dolor sit amet, consectetur adipisicing elit.Lorem ipsum dolor sit amet, consectetur adipisicing elit. Lorem ipsum dolor sit amet, consectetur adipisicing elit.Lorem ipsum dolor sit amet, consectetur adipisicing elit.Lorem ipsum dolor sit amet&#13;Lorem ipsum dolor sit amet, consectetur adipisicing elit.Lorem ipsum dolor sit amet, consectetur adipisicing elit.Lorem ipsum dolor sit amet"/>
+</p:tagLst>
+</file>
+
+<file path=ppt/tags/tag42.xml><?xml version="1.0" encoding="utf-8"?>
+<p:tagLst xmlns:p="http://schemas.openxmlformats.org/presentationml/2006/main">
+  <p:tag name="KSO_WM_TEMPLATE_CATEGORY" val="custom"/>
+  <p:tag name="KSO_WM_TEMPLATE_INDEX" val="20189046"/>
+  <p:tag name="KSO_WM_TAG_VERSION" val="1.0"/>
+  <p:tag name="KSO_WM_UNIT_TYPE" val="a"/>
+  <p:tag name="KSO_WM_UNIT_INDEX" val="1"/>
+  <p:tag name="KSO_WM_UNIT_LAYERLEVEL" val="1"/>
+  <p:tag name="KSO_WM_UNIT_VALUE" val="14"/>
+  <p:tag name="KSO_WM_UNIT_ISCONTENTSTITLE" val="0"/>
+  <p:tag name="KSO_WM_UNIT_HIGHLIGHT" val="0"/>
+  <p:tag name="KSO_WM_UNIT_COMPATIBLE" val="0"/>
+  <p:tag name="KSO_WM_UNIT_CLEAR" val="0"/>
+  <p:tag name="KSO_WM_BEAUTIFY_FLAG" val="#wm#"/>
+  <p:tag name="KSO_WM_UNIT_ID" val="custom20189046_3*a*1"/>
+  <p:tag name="KSO_WM_UNIT_PRESET_TEXT" val="LOREM IPSUM DOLOR"/>
+</p:tagLst>
+</file>
+
+<file path=ppt/tags/tag43.xml><?xml version="1.0" encoding="utf-8"?>
+<p:tagLst xmlns:p="http://schemas.openxmlformats.org/presentationml/2006/main">
+  <p:tag name="KSO_WM_TAG_VERSION" val="1.0"/>
+  <p:tag name="KSO_WM_SLIDE_ITEM_CNT" val="1"/>
+  <p:tag name="KSO_WM_SLIDE_LAYOUT" val="a_f"/>
+  <p:tag name="KSO_WM_SLIDE_LAYOUT_CNT" val="1_1"/>
+  <p:tag name="KSO_WM_SLIDE_TYPE" val="text"/>
+  <p:tag name="KSO_WM_SLIDE_SUBTYPE" val="pureTxt"/>
+  <p:tag name="KSO_WM_BEAUTIFY_FLAG" val="#wm#"/>
+  <p:tag name="KSO_WM_SLIDE_POSITION" val="42*213"/>
+  <p:tag name="KSO_WM_SLIDE_SIZE" val="293*243"/>
+  <p:tag name="KSO_WM_COMBINE_RELATE_SLIDE_ID" val="background20185110_2"/>
+  <p:tag name="KSO_WM_TEMPLATE_CATEGORY" val="custom"/>
+  <p:tag name="KSO_WM_TEMPLATE_INDEX" val="20189046"/>
+  <p:tag name="KSO_WM_SLIDE_ID" val="custom20189046_2"/>
+  <p:tag name="KSO_WM_SLIDE_INDEX" val="2"/>
+  <p:tag name="KSO_WM_TEMPLATE_SUBCATEGORY" val="combine"/>
+</p:tagLst>
+</file>
+
+<file path=ppt/tags/tag44.xml><?xml version="1.0" encoding="utf-8"?>
+<p:tagLst xmlns:p="http://schemas.openxmlformats.org/presentationml/2006/main">
+  <p:tag name="KSO_WM_TAG_VERSION" val="1.0"/>
+  <p:tag name="KSO_WM_BEAUTIFY_FLAG" val="#wm#"/>
+  <p:tag name="KSO_WM_UNIT_TYPE" val="i"/>
+  <p:tag name="KSO_WM_UNIT_ID" val="custom20189046_4*i*0"/>
+  <p:tag name="KSO_WM_TEMPLATE_CATEGORY" val="custom"/>
+  <p:tag name="KSO_WM_TEMPLATE_INDEX" val="20189046"/>
+  <p:tag name="KSO_WM_UNIT_INDEX" val="0"/>
+</p:tagLst>
+</file>
+
+<file path=ppt/tags/tag45.xml><?xml version="1.0" encoding="utf-8"?>
+<p:tagLst xmlns:p="http://schemas.openxmlformats.org/presentationml/2006/main">
+  <p:tag name="KSO_WM_TAG_VERSION" val="1.0"/>
+  <p:tag name="KSO_WM_BEAUTIFY_FLAG" val="#wm#"/>
+  <p:tag name="KSO_WM_UNIT_TYPE" val="i"/>
+  <p:tag name="KSO_WM_UNIT_ID" val="custom20189046_4*i*1"/>
+  <p:tag name="KSO_WM_TEMPLATE_CATEGORY" val="custom"/>
+  <p:tag name="KSO_WM_TEMPLATE_INDEX" val="20189046"/>
+  <p:tag name="KSO_WM_UNIT_INDEX" val="1"/>
+</p:tagLst>
+</file>
+
+<file path=ppt/tags/tag46.xml><?xml version="1.0" encoding="utf-8"?>
+<p:tagLst xmlns:p="http://schemas.openxmlformats.org/presentationml/2006/main">
+  <p:tag name="KSO_WM_TAG_VERSION" val="1.0"/>
+  <p:tag name="KSO_WM_BEAUTIFY_FLAG" val="#wm#"/>
+  <p:tag name="KSO_WM_UNIT_TYPE" val="i"/>
+  <p:tag name="KSO_WM_UNIT_ID" val="custom20189046_4*i*2"/>
+  <p:tag name="KSO_WM_TEMPLATE_CATEGORY" val="custom"/>
+  <p:tag name="KSO_WM_TEMPLATE_INDEX" val="20189046"/>
+  <p:tag name="KSO_WM_UNIT_INDEX" val="2"/>
+</p:tagLst>
+</file>
+
+<file path=ppt/tags/tag47.xml><?xml version="1.0" encoding="utf-8"?>
+<p:tagLst xmlns:p="http://schemas.openxmlformats.org/presentationml/2006/main">
+  <p:tag name="KSO_WM_TEMPLATE_CATEGORY" val="custom"/>
+  <p:tag name="KSO_WM_TEMPLATE_INDEX" val="20189046"/>
+  <p:tag name="KSO_WM_TAG_VERSION" val="1.0"/>
+  <p:tag name="KSO_WM_UNIT_TYPE" val="a"/>
+  <p:tag name="KSO_WM_UNIT_INDEX" val="1"/>
+  <p:tag name="KSO_WM_UNIT_LAYERLEVEL" val="1"/>
+  <p:tag name="KSO_WM_UNIT_VALUE" val="13"/>
+  <p:tag name="KSO_WM_UNIT_ISCONTENTSTITLE" val="0"/>
+  <p:tag name="KSO_WM_UNIT_HIGHLIGHT" val="0"/>
+  <p:tag name="KSO_WM_UNIT_COMPATIBLE" val="0"/>
+  <p:tag name="KSO_WM_UNIT_CLEAR" val="0"/>
+  <p:tag name="KSO_WM_BEAUTIFY_FLAG" val="#wm#"/>
+  <p:tag name="KSO_WM_UNIT_ID" val="custom20189046_4*a*1"/>
+  <p:tag name="KSO_WM_UNIT_PRESET_TEXT" val="LOREM IPSUM DOLOR"/>
+</p:tagLst>
+</file>
+
+<file path=ppt/tags/tag48.xml><?xml version="1.0" encoding="utf-8"?>
+<p:tagLst xmlns:p="http://schemas.openxmlformats.org/presentationml/2006/main">
+  <p:tag name="KSO_WM_TEMPLATE_CATEGORY" val="custom"/>
+  <p:tag name="KSO_WM_TEMPLATE_INDEX" val="20189046"/>
+  <p:tag name="KSO_WM_TAG_VERSION" val="1.0"/>
+  <p:tag name="KSO_WM_UNIT_TYPE" val="h_a"/>
+  <p:tag name="KSO_WM_UNIT_INDEX" val="1_1"/>
+  <p:tag name="KSO_WM_UNIT_LAYERLEVEL" val="1_1"/>
+  <p:tag name="KSO_WM_UNIT_VALUE" val="14"/>
+  <p:tag name="KSO_WM_UNIT_HIGHLIGHT" val="0"/>
+  <p:tag name="KSO_WM_UNIT_COMPATIBLE" val="0"/>
+  <p:tag name="KSO_WM_UNIT_CLEAR" val="0"/>
+  <p:tag name="KSO_WM_BEAUTIFY_FLAG" val="#wm#"/>
+  <p:tag name="KSO_WM_UNIT_ID" val="custom20189046_4*h_a*1_1"/>
+  <p:tag name="KSO_WM_UNIT_PRESET_TEXT" val="Add title here"/>
+</p:tagLst>
+</file>
+
+<file path=ppt/tags/tag49.xml><?xml version="1.0" encoding="utf-8"?>
+<p:tagLst xmlns:p="http://schemas.openxmlformats.org/presentationml/2006/main">
+  <p:tag name="KSO_WM_TEMPLATE_CATEGORY" val="custom"/>
+  <p:tag name="KSO_WM_TEMPLATE_INDEX" val="20189046"/>
+  <p:tag name="KSO_WM_TAG_VERSION" val="1.0"/>
+  <p:tag name="KSO_WM_UNIT_TYPE" val="h_f"/>
+  <p:tag name="KSO_WM_UNIT_INDEX" val="1_1"/>
+  <p:tag name="KSO_WM_UNIT_LAYERLEVEL" val="1_1"/>
+  <p:tag name="KSO_WM_UNIT_VALUE" val="54"/>
+  <p:tag name="KSO_WM_UNIT_HIGHLIGHT" val="0"/>
+  <p:tag name="KSO_WM_UNIT_COMPATIBLE" val="0"/>
+  <p:tag name="KSO_WM_UNIT_CLEAR" val="0"/>
+  <p:tag name="KSO_WM_BEAUTIFY_FLAG" val="#wm#"/>
+  <p:tag name="KSO_WM_UNIT_ID" val="custom20189046_4*h_f*1_1"/>
+  <p:tag name="KSO_WM_UNIT_PRESET_TEXT" val="Lorem ipsum dolor sit amet, consectetur adipisicing elit.Lorem ipsum dolor sit amet, consectetur adipisicing elit."/>
+</p:tagLst>
+</file>
+
+<file path=ppt/tags/tag5.xml><?xml version="1.0" encoding="utf-8"?>
+<p:tagLst xmlns:p="http://schemas.openxmlformats.org/presentationml/2006/main">
+  <p:tag name="KSO_WM_TEMPLATE_CATEGORY" val="custom"/>
+  <p:tag name="KSO_WM_TEMPLATE_INDEX" val="20189046"/>
+  <p:tag name="KSO_WM_TAG_VERSION" val="1.0"/>
+  <p:tag name="KSO_WM_UNIT_TYPE" val="a"/>
+  <p:tag name="KSO_WM_UNIT_INDEX" val="1"/>
+  <p:tag name="KSO_WM_UNIT_LAYERLEVEL" val="1"/>
+  <p:tag name="KSO_WM_UNIT_VALUE" val="7"/>
+  <p:tag name="KSO_WM_UNIT_ISCONTENTSTITLE" val="0"/>
+  <p:tag name="KSO_WM_UNIT_HIGHLIGHT" val="0"/>
+  <p:tag name="KSO_WM_UNIT_COMPATIBLE" val="0"/>
+  <p:tag name="KSO_WM_UNIT_CLEAR" val="0"/>
+  <p:tag name="KSO_WM_BEAUTIFY_FLAG" val="#wm#"/>
+  <p:tag name="KSO_WM_UNIT_ID" val="custom20189046_1*a*1"/>
+  <p:tag name="KSO_WM_UNIT_PRESET_TEXT" val="毕业纪念册模板"/>
+</p:tagLst>
+</file>
+
+<file path=ppt/tags/tag50.xml><?xml version="1.0" encoding="utf-8"?>
+<p:tagLst xmlns:p="http://schemas.openxmlformats.org/presentationml/2006/main">
+  <p:tag name="KSO_WM_TAG_VERSION" val="1.0"/>
+  <p:tag name="KSO_WM_TEMPLATE_CATEGORY" val="custom"/>
+  <p:tag name="KSO_WM_TEMPLATE_INDEX" val="20189046"/>
+  <p:tag name="KSO_WM_UNIT_TYPE" val="d"/>
+  <p:tag name="KSO_WM_UNIT_INDEX" val="1"/>
+  <p:tag name="KSO_WM_UNIT_ID" val="custom20189046_4*d*1"/>
+  <p:tag name="KSO_WM_UNIT_LAYERLEVEL" val="1"/>
+  <p:tag name="KSO_WM_UNIT_VALUE" val="1250*780"/>
+  <p:tag name="KSO_WM_UNIT_HIGHLIGHT" val="0"/>
+  <p:tag name="KSO_WM_UNIT_COMPATIBLE" val="0"/>
+  <p:tag name="KSO_WM_UNIT_CLEAR" val="0"/>
+  <p:tag name="KSO_WM_BEAUTIFY_FLAG" val="#wm#"/>
+</p:tagLst>
+</file>
+
+<file path=ppt/tags/tag51.xml><?xml version="1.0" encoding="utf-8"?>
+<p:tagLst xmlns:p="http://schemas.openxmlformats.org/presentationml/2006/main">
+  <p:tag name="KSO_WM_TAG_VERSION" val="1.0"/>
+  <p:tag name="KSO_WM_TEMPLATE_CATEGORY" val="custom"/>
+  <p:tag name="KSO_WM_TEMPLATE_INDEX" val="20189046"/>
+  <p:tag name="KSO_WM_UNIT_TYPE" val="d"/>
+  <p:tag name="KSO_WM_UNIT_INDEX" val="2"/>
+  <p:tag name="KSO_WM_UNIT_ID" val="custom20189046_4*d*2"/>
+  <p:tag name="KSO_WM_UNIT_LAYERLEVEL" val="1"/>
+  <p:tag name="KSO_WM_UNIT_VALUE" val="1250*780"/>
+  <p:tag name="KSO_WM_UNIT_HIGHLIGHT" val="0"/>
+  <p:tag name="KSO_WM_UNIT_COMPATIBLE" val="0"/>
+  <p:tag name="KSO_WM_UNIT_CLEAR" val="0"/>
+  <p:tag name="KSO_WM_BEAUTIFY_FLAG" val="#wm#"/>
+</p:tagLst>
+</file>
+
+<file path=ppt/tags/tag52.xml><?xml version="1.0" encoding="utf-8"?>
+<p:tagLst xmlns:p="http://schemas.openxmlformats.org/presentationml/2006/main">
+  <p:tag name="KSO_WM_TAG_VERSION" val="1.0"/>
+  <p:tag name="KSO_WM_SLIDE_ITEM_CNT" val="3"/>
+  <p:tag name="KSO_WM_SLIDE_LAYOUT" val="a_h_d"/>
+  <p:tag name="KSO_WM_SLIDE_LAYOUT_CNT" val="1_1_2"/>
+  <p:tag name="KSO_WM_SLIDE_TYPE" val="text"/>
+  <p:tag name="KSO_WM_SLIDE_SUBTYPE" val="picTxt"/>
+  <p:tag name="KSO_WM_BEAUTIFY_FLAG" val="#wm#"/>
+  <p:tag name="KSO_WM_SLIDE_POSITION" val="89*123"/>
+  <p:tag name="KSO_WM_SLIDE_SIZE" val="781*354"/>
+  <p:tag name="KSO_WM_COMBINE_RELATE_SLIDE_ID" val="background20185110_4"/>
+  <p:tag name="KSO_WM_TEMPLATE_CATEGORY" val="custom"/>
+  <p:tag name="KSO_WM_TEMPLATE_INDEX" val="20189046"/>
+  <p:tag name="KSO_WM_SLIDE_ID" val="custom20189046_4"/>
+  <p:tag name="KSO_WM_SLIDE_INDEX" val="4"/>
+  <p:tag name="KSO_WM_TEMPLATE_SUBCATEGORY" val="combine"/>
+</p:tagLst>
+</file>
+
+<file path=ppt/tags/tag53.xml><?xml version="1.0" encoding="utf-8"?>
+<p:tagLst xmlns:p="http://schemas.openxmlformats.org/presentationml/2006/main">
   <p:tag name="KSO_WM_TEMPLATE_CATEGORY" val="custom"/>
   <p:tag name="KSO_WM_TEMPLATE_INDEX" val="20189116"/>
   <p:tag name="KSO_WM_TAG_VERSION" val="1.0"/>
@@ -11626,7 +13293,7 @@
 </p:tagLst>
 </file>
 
-<file path=ppt/tags/tag33.xml><?xml version="1.0" encoding="utf-8"?>
+<file path=ppt/tags/tag54.xml><?xml version="1.0" encoding="utf-8"?>
 <p:tagLst xmlns:p="http://schemas.openxmlformats.org/presentationml/2006/main">
   <p:tag name="KSO_WM_TEMPLATE_CATEGORY" val="custom"/>
   <p:tag name="KSO_WM_TEMPLATE_INDEX" val="20189116"/>
@@ -11646,7 +13313,7 @@
 </p:tagLst>
 </file>
 
-<file path=ppt/tags/tag34.xml><?xml version="1.0" encoding="utf-8"?>
+<file path=ppt/tags/tag55.xml><?xml version="1.0" encoding="utf-8"?>
 <p:tagLst xmlns:p="http://schemas.openxmlformats.org/presentationml/2006/main">
   <p:tag name="KSO_WM_TAG_VERSION" val="1.0"/>
   <p:tag name="KSO_WM_BEAUTIFY_FLAG" val="#wm#"/>
@@ -11658,7 +13325,7 @@
 </p:tagLst>
 </file>
 
-<file path=ppt/tags/tag35.xml><?xml version="1.0" encoding="utf-8"?>
+<file path=ppt/tags/tag56.xml><?xml version="1.0" encoding="utf-8"?>
 <p:tagLst xmlns:p="http://schemas.openxmlformats.org/presentationml/2006/main">
   <p:tag name="KSO_WM_TAG_VERSION" val="1.0"/>
   <p:tag name="KSO_WM_BEAUTIFY_FLAG" val="#wm#"/>
@@ -11670,7 +13337,7 @@
 </p:tagLst>
 </file>
 
-<file path=ppt/tags/tag36.xml><?xml version="1.0" encoding="utf-8"?>
+<file path=ppt/tags/tag57.xml><?xml version="1.0" encoding="utf-8"?>
 <p:tagLst xmlns:p="http://schemas.openxmlformats.org/presentationml/2006/main">
   <p:tag name="KSO_WM_TAG_VERSION" val="1.0"/>
   <p:tag name="KSO_WM_BEAUTIFY_FLAG" val="#wm#"/>
@@ -11687,7 +13354,7 @@
 </p:tagLst>
 </file>
 
-<file path=ppt/tags/tag37.xml><?xml version="1.0" encoding="utf-8"?>
+<file path=ppt/tags/tag58.xml><?xml version="1.0" encoding="utf-8"?>
 <p:tagLst xmlns:p="http://schemas.openxmlformats.org/presentationml/2006/main">
   <p:tag name="KSO_WM_TAG_VERSION" val="1.0"/>
   <p:tag name="KSO_WM_BEAUTIFY_FLAG" val="#wm#"/>
@@ -11710,7 +13377,7 @@
 </p:tagLst>
 </file>
 
-<file path=ppt/tags/tag38.xml><?xml version="1.0" encoding="utf-8"?>
+<file path=ppt/tags/tag59.xml><?xml version="1.0" encoding="utf-8"?>
 <p:tagLst xmlns:p="http://schemas.openxmlformats.org/presentationml/2006/main">
   <p:tag name="KSO_WM_TAG_VERSION" val="1.0"/>
   <p:tag name="KSO_WM_BEAUTIFY_FLAG" val="#wm#"/>
@@ -11733,7 +13400,26 @@
 </p:tagLst>
 </file>
 
-<file path=ppt/tags/tag39.xml><?xml version="1.0" encoding="utf-8"?>
+<file path=ppt/tags/tag6.xml><?xml version="1.0" encoding="utf-8"?>
+<p:tagLst xmlns:p="http://schemas.openxmlformats.org/presentationml/2006/main">
+  <p:tag name="KSO_WM_TEMPLATE_CATEGORY" val="custom"/>
+  <p:tag name="KSO_WM_TEMPLATE_INDEX" val="20189046"/>
+  <p:tag name="KSO_WM_TAG_VERSION" val="1.0"/>
+  <p:tag name="KSO_WM_UNIT_TYPE" val="b"/>
+  <p:tag name="KSO_WM_UNIT_INDEX" val="1"/>
+  <p:tag name="KSO_WM_UNIT_LAYERLEVEL" val="1"/>
+  <p:tag name="KSO_WM_UNIT_VALUE" val="17"/>
+  <p:tag name="KSO_WM_UNIT_ISCONTENTSTITLE" val="0"/>
+  <p:tag name="KSO_WM_UNIT_HIGHLIGHT" val="0"/>
+  <p:tag name="KSO_WM_UNIT_COMPATIBLE" val="0"/>
+  <p:tag name="KSO_WM_UNIT_CLEAR" val="0"/>
+  <p:tag name="KSO_WM_BEAUTIFY_FLAG" val="#wm#"/>
+  <p:tag name="KSO_WM_UNIT_ID" val="custom20189046_1*b*1"/>
+  <p:tag name="KSO_WM_UNIT_PRESET_TEXT" val="我们青春不散场"/>
+</p:tagLst>
+</file>
+
+<file path=ppt/tags/tag60.xml><?xml version="1.0" encoding="utf-8"?>
 <p:tagLst xmlns:p="http://schemas.openxmlformats.org/presentationml/2006/main">
   <p:tag name="KSO_WM_TAG_VERSION" val="1.0"/>
   <p:tag name="KSO_WM_BEAUTIFY_FLAG" val="#wm#"/>
@@ -11750,25 +13436,7 @@
 </p:tagLst>
 </file>
 
-<file path=ppt/tags/tag4.xml><?xml version="1.0" encoding="utf-8"?>
-<p:tagLst xmlns:p="http://schemas.openxmlformats.org/presentationml/2006/main">
-  <p:tag name="KSO_WM_TEMPLATE_CATEGORY" val="custom"/>
-  <p:tag name="KSO_WM_TEMPLATE_INDEX" val="20189046"/>
-  <p:tag name="KSO_WM_TAG_VERSION" val="1.0"/>
-  <p:tag name="KSO_WM_UNIT_TYPE" val="f"/>
-  <p:tag name="KSO_WM_UNIT_INDEX" val="1"/>
-  <p:tag name="KSO_WM_UNIT_LAYERLEVEL" val="1"/>
-  <p:tag name="KSO_WM_UNIT_VALUE" val="17"/>
-  <p:tag name="KSO_WM_UNIT_HIGHLIGHT" val="0"/>
-  <p:tag name="KSO_WM_UNIT_COMPATIBLE" val="0"/>
-  <p:tag name="KSO_WM_UNIT_CLEAR" val="0"/>
-  <p:tag name="KSO_WM_BEAUTIFY_FLAG" val="#wm#"/>
-  <p:tag name="KSO_WM_UNIT_ID" val="custom20189046_1*f*1"/>
-  <p:tag name="KSO_WM_UNIT_PRESET_TEXT" val="GRADUATION"/>
-</p:tagLst>
-</file>
-
-<file path=ppt/tags/tag40.xml><?xml version="1.0" encoding="utf-8"?>
+<file path=ppt/tags/tag61.xml><?xml version="1.0" encoding="utf-8"?>
 <p:tagLst xmlns:p="http://schemas.openxmlformats.org/presentationml/2006/main">
   <p:tag name="KSO_WM_TAG_VERSION" val="1.0"/>
   <p:tag name="KSO_WM_BEAUTIFY_FLAG" val="#wm#"/>
@@ -11791,7 +13459,7 @@
 </p:tagLst>
 </file>
 
-<file path=ppt/tags/tag41.xml><?xml version="1.0" encoding="utf-8"?>
+<file path=ppt/tags/tag62.xml><?xml version="1.0" encoding="utf-8"?>
 <p:tagLst xmlns:p="http://schemas.openxmlformats.org/presentationml/2006/main">
   <p:tag name="KSO_WM_TAG_VERSION" val="1.0"/>
   <p:tag name="KSO_WM_BEAUTIFY_FLAG" val="#wm#"/>
@@ -11814,7 +13482,7 @@
 </p:tagLst>
 </file>
 
-<file path=ppt/tags/tag42.xml><?xml version="1.0" encoding="utf-8"?>
+<file path=ppt/tags/tag63.xml><?xml version="1.0" encoding="utf-8"?>
 <p:tagLst xmlns:p="http://schemas.openxmlformats.org/presentationml/2006/main">
   <p:tag name="KSO_WM_TAG_VERSION" val="1.0"/>
   <p:tag name="KSO_WM_BEAUTIFY_FLAG" val="#wm#"/>
@@ -11831,7 +13499,7 @@
 </p:tagLst>
 </file>
 
-<file path=ppt/tags/tag43.xml><?xml version="1.0" encoding="utf-8"?>
+<file path=ppt/tags/tag64.xml><?xml version="1.0" encoding="utf-8"?>
 <p:tagLst xmlns:p="http://schemas.openxmlformats.org/presentationml/2006/main">
   <p:tag name="KSO_WM_TAG_VERSION" val="1.0"/>
   <p:tag name="KSO_WM_BEAUTIFY_FLAG" val="#wm#"/>
@@ -11854,7 +13522,7 @@
 </p:tagLst>
 </file>
 
-<file path=ppt/tags/tag44.xml><?xml version="1.0" encoding="utf-8"?>
+<file path=ppt/tags/tag65.xml><?xml version="1.0" encoding="utf-8"?>
 <p:tagLst xmlns:p="http://schemas.openxmlformats.org/presentationml/2006/main">
   <p:tag name="KSO_WM_TAG_VERSION" val="1.0"/>
   <p:tag name="KSO_WM_BEAUTIFY_FLAG" val="#wm#"/>
@@ -11877,7 +13545,7 @@
 </p:tagLst>
 </file>
 
-<file path=ppt/tags/tag45.xml><?xml version="1.0" encoding="utf-8"?>
+<file path=ppt/tags/tag66.xml><?xml version="1.0" encoding="utf-8"?>
 <p:tagLst xmlns:p="http://schemas.openxmlformats.org/presentationml/2006/main">
   <p:tag name="KSO_WM_TAG_VERSION" val="1.0"/>
   <p:tag name="KSO_WM_BEAUTIFY_FLAG" val="#wm#"/>
@@ -11894,7 +13562,7 @@
 </p:tagLst>
 </file>
 
-<file path=ppt/tags/tag46.xml><?xml version="1.0" encoding="utf-8"?>
+<file path=ppt/tags/tag67.xml><?xml version="1.0" encoding="utf-8"?>
 <p:tagLst xmlns:p="http://schemas.openxmlformats.org/presentationml/2006/main">
   <p:tag name="KSO_WM_TAG_VERSION" val="1.0"/>
   <p:tag name="KSO_WM_BEAUTIFY_FLAG" val="#wm#"/>
@@ -11917,7 +13585,7 @@
 </p:tagLst>
 </file>
 
-<file path=ppt/tags/tag47.xml><?xml version="1.0" encoding="utf-8"?>
+<file path=ppt/tags/tag68.xml><?xml version="1.0" encoding="utf-8"?>
 <p:tagLst xmlns:p="http://schemas.openxmlformats.org/presentationml/2006/main">
   <p:tag name="KSO_WM_TAG_VERSION" val="1.0"/>
   <p:tag name="KSO_WM_BEAUTIFY_FLAG" val="#wm#"/>
@@ -11940,7 +13608,7 @@
 </p:tagLst>
 </file>
 
-<file path=ppt/tags/tag48.xml><?xml version="1.0" encoding="utf-8"?>
+<file path=ppt/tags/tag69.xml><?xml version="1.0" encoding="utf-8"?>
 <p:tagLst xmlns:p="http://schemas.openxmlformats.org/presentationml/2006/main">
   <p:tag name="KSO_WM_TEMPLATE_CATEGORY" val="custom"/>
   <p:tag name="KSO_WM_TEMPLATE_INDEX" val="20186643"/>
@@ -11960,171 +13628,26 @@
 </p:tagLst>
 </file>
 
-<file path=ppt/tags/tag49.xml><?xml version="1.0" encoding="utf-8"?>
-<p:tagLst xmlns:p="http://schemas.openxmlformats.org/presentationml/2006/main">
-  <p:tag name="KSO_WM_TAG_VERSION" val="1.0"/>
-  <p:tag name="KSO_WM_BEAUTIFY_FLAG" val="#wm#"/>
-  <p:tag name="KSO_WM_UNIT_TYPE" val="i"/>
-  <p:tag name="KSO_WM_UNIT_ID" val="custom20189046_4*i*0"/>
-  <p:tag name="KSO_WM_TEMPLATE_CATEGORY" val="custom"/>
-  <p:tag name="KSO_WM_TEMPLATE_INDEX" val="20189046"/>
-  <p:tag name="KSO_WM_UNIT_INDEX" val="0"/>
-</p:tagLst>
-</file>
-
-<file path=ppt/tags/tag5.xml><?xml version="1.0" encoding="utf-8"?>
-<p:tagLst xmlns:p="http://schemas.openxmlformats.org/presentationml/2006/main">
-  <p:tag name="KSO_WM_TEMPLATE_CATEGORY" val="custom"/>
-  <p:tag name="KSO_WM_TEMPLATE_INDEX" val="20189046"/>
-  <p:tag name="KSO_WM_TAG_VERSION" val="1.0"/>
-  <p:tag name="KSO_WM_UNIT_TYPE" val="a"/>
-  <p:tag name="KSO_WM_UNIT_INDEX" val="1"/>
-  <p:tag name="KSO_WM_UNIT_LAYERLEVEL" val="1"/>
-  <p:tag name="KSO_WM_UNIT_VALUE" val="7"/>
-  <p:tag name="KSO_WM_UNIT_ISCONTENTSTITLE" val="0"/>
-  <p:tag name="KSO_WM_UNIT_HIGHLIGHT" val="0"/>
-  <p:tag name="KSO_WM_UNIT_COMPATIBLE" val="0"/>
-  <p:tag name="KSO_WM_UNIT_CLEAR" val="0"/>
-  <p:tag name="KSO_WM_BEAUTIFY_FLAG" val="#wm#"/>
-  <p:tag name="KSO_WM_UNIT_ID" val="custom20189046_1*a*1"/>
-  <p:tag name="KSO_WM_UNIT_PRESET_TEXT" val="毕业纪念册模板"/>
-</p:tagLst>
-</file>
-
-<file path=ppt/tags/tag50.xml><?xml version="1.0" encoding="utf-8"?>
-<p:tagLst xmlns:p="http://schemas.openxmlformats.org/presentationml/2006/main">
-  <p:tag name="KSO_WM_TAG_VERSION" val="1.0"/>
-  <p:tag name="KSO_WM_BEAUTIFY_FLAG" val="#wm#"/>
-  <p:tag name="KSO_WM_UNIT_TYPE" val="i"/>
-  <p:tag name="KSO_WM_UNIT_ID" val="custom20189046_4*i*1"/>
-  <p:tag name="KSO_WM_TEMPLATE_CATEGORY" val="custom"/>
-  <p:tag name="KSO_WM_TEMPLATE_INDEX" val="20189046"/>
-  <p:tag name="KSO_WM_UNIT_INDEX" val="1"/>
-</p:tagLst>
-</file>
-
-<file path=ppt/tags/tag51.xml><?xml version="1.0" encoding="utf-8"?>
-<p:tagLst xmlns:p="http://schemas.openxmlformats.org/presentationml/2006/main">
-  <p:tag name="KSO_WM_TAG_VERSION" val="1.0"/>
-  <p:tag name="KSO_WM_BEAUTIFY_FLAG" val="#wm#"/>
-  <p:tag name="KSO_WM_UNIT_TYPE" val="i"/>
-  <p:tag name="KSO_WM_UNIT_ID" val="custom20189046_4*i*2"/>
-  <p:tag name="KSO_WM_TEMPLATE_CATEGORY" val="custom"/>
-  <p:tag name="KSO_WM_TEMPLATE_INDEX" val="20189046"/>
-  <p:tag name="KSO_WM_UNIT_INDEX" val="2"/>
-</p:tagLst>
-</file>
-
-<file path=ppt/tags/tag52.xml><?xml version="1.0" encoding="utf-8"?>
-<p:tagLst xmlns:p="http://schemas.openxmlformats.org/presentationml/2006/main">
-  <p:tag name="KSO_WM_TEMPLATE_CATEGORY" val="custom"/>
-  <p:tag name="KSO_WM_TEMPLATE_INDEX" val="20189046"/>
-  <p:tag name="KSO_WM_TAG_VERSION" val="1.0"/>
-  <p:tag name="KSO_WM_UNIT_TYPE" val="a"/>
-  <p:tag name="KSO_WM_UNIT_INDEX" val="1"/>
-  <p:tag name="KSO_WM_UNIT_LAYERLEVEL" val="1"/>
-  <p:tag name="KSO_WM_UNIT_VALUE" val="13"/>
-  <p:tag name="KSO_WM_UNIT_ISCONTENTSTITLE" val="0"/>
-  <p:tag name="KSO_WM_UNIT_HIGHLIGHT" val="0"/>
-  <p:tag name="KSO_WM_UNIT_COMPATIBLE" val="0"/>
-  <p:tag name="KSO_WM_UNIT_CLEAR" val="0"/>
-  <p:tag name="KSO_WM_BEAUTIFY_FLAG" val="#wm#"/>
-  <p:tag name="KSO_WM_UNIT_ID" val="custom20189046_4*a*1"/>
-  <p:tag name="KSO_WM_UNIT_PRESET_TEXT" val="LOREM IPSUM DOLOR"/>
-</p:tagLst>
-</file>
-
-<file path=ppt/tags/tag53.xml><?xml version="1.0" encoding="utf-8"?>
-<p:tagLst xmlns:p="http://schemas.openxmlformats.org/presentationml/2006/main">
-  <p:tag name="KSO_WM_TEMPLATE_CATEGORY" val="custom"/>
-  <p:tag name="KSO_WM_TEMPLATE_INDEX" val="20189046"/>
-  <p:tag name="KSO_WM_TAG_VERSION" val="1.0"/>
-  <p:tag name="KSO_WM_UNIT_TYPE" val="h_a"/>
-  <p:tag name="KSO_WM_UNIT_INDEX" val="1_1"/>
-  <p:tag name="KSO_WM_UNIT_LAYERLEVEL" val="1_1"/>
-  <p:tag name="KSO_WM_UNIT_VALUE" val="14"/>
-  <p:tag name="KSO_WM_UNIT_HIGHLIGHT" val="0"/>
-  <p:tag name="KSO_WM_UNIT_COMPATIBLE" val="0"/>
-  <p:tag name="KSO_WM_UNIT_CLEAR" val="0"/>
-  <p:tag name="KSO_WM_BEAUTIFY_FLAG" val="#wm#"/>
-  <p:tag name="KSO_WM_UNIT_ID" val="custom20189046_4*h_a*1_1"/>
-  <p:tag name="KSO_WM_UNIT_PRESET_TEXT" val="Add title here"/>
-</p:tagLst>
-</file>
-
-<file path=ppt/tags/tag54.xml><?xml version="1.0" encoding="utf-8"?>
-<p:tagLst xmlns:p="http://schemas.openxmlformats.org/presentationml/2006/main">
-  <p:tag name="KSO_WM_TEMPLATE_CATEGORY" val="custom"/>
-  <p:tag name="KSO_WM_TEMPLATE_INDEX" val="20189046"/>
-  <p:tag name="KSO_WM_TAG_VERSION" val="1.0"/>
-  <p:tag name="KSO_WM_UNIT_TYPE" val="h_f"/>
-  <p:tag name="KSO_WM_UNIT_INDEX" val="1_1"/>
-  <p:tag name="KSO_WM_UNIT_LAYERLEVEL" val="1_1"/>
-  <p:tag name="KSO_WM_UNIT_VALUE" val="54"/>
-  <p:tag name="KSO_WM_UNIT_HIGHLIGHT" val="0"/>
-  <p:tag name="KSO_WM_UNIT_COMPATIBLE" val="0"/>
-  <p:tag name="KSO_WM_UNIT_CLEAR" val="0"/>
-  <p:tag name="KSO_WM_BEAUTIFY_FLAG" val="#wm#"/>
-  <p:tag name="KSO_WM_UNIT_ID" val="custom20189046_4*h_f*1_1"/>
-  <p:tag name="KSO_WM_UNIT_PRESET_TEXT" val="Lorem ipsum dolor sit amet, consectetur adipisicing elit.Lorem ipsum dolor sit amet, consectetur adipisicing elit."/>
-</p:tagLst>
-</file>
-
-<file path=ppt/tags/tag55.xml><?xml version="1.0" encoding="utf-8"?>
-<p:tagLst xmlns:p="http://schemas.openxmlformats.org/presentationml/2006/main">
-  <p:tag name="KSO_WM_TAG_VERSION" val="1.0"/>
-  <p:tag name="KSO_WM_TEMPLATE_CATEGORY" val="custom"/>
-  <p:tag name="KSO_WM_TEMPLATE_INDEX" val="20189046"/>
-  <p:tag name="KSO_WM_UNIT_TYPE" val="d"/>
-  <p:tag name="KSO_WM_UNIT_INDEX" val="1"/>
-  <p:tag name="KSO_WM_UNIT_ID" val="custom20189046_4*d*1"/>
-  <p:tag name="KSO_WM_UNIT_LAYERLEVEL" val="1"/>
-  <p:tag name="KSO_WM_UNIT_VALUE" val="1250*780"/>
-  <p:tag name="KSO_WM_UNIT_HIGHLIGHT" val="0"/>
-  <p:tag name="KSO_WM_UNIT_COMPATIBLE" val="0"/>
-  <p:tag name="KSO_WM_UNIT_CLEAR" val="0"/>
-  <p:tag name="KSO_WM_BEAUTIFY_FLAG" val="#wm#"/>
-</p:tagLst>
-</file>
-
-<file path=ppt/tags/tag56.xml><?xml version="1.0" encoding="utf-8"?>
-<p:tagLst xmlns:p="http://schemas.openxmlformats.org/presentationml/2006/main">
-  <p:tag name="KSO_WM_TAG_VERSION" val="1.0"/>
-  <p:tag name="KSO_WM_TEMPLATE_CATEGORY" val="custom"/>
-  <p:tag name="KSO_WM_TEMPLATE_INDEX" val="20189046"/>
-  <p:tag name="KSO_WM_UNIT_TYPE" val="d"/>
-  <p:tag name="KSO_WM_UNIT_INDEX" val="2"/>
-  <p:tag name="KSO_WM_UNIT_ID" val="custom20189046_4*d*2"/>
-  <p:tag name="KSO_WM_UNIT_LAYERLEVEL" val="1"/>
-  <p:tag name="KSO_WM_UNIT_VALUE" val="1250*780"/>
-  <p:tag name="KSO_WM_UNIT_HIGHLIGHT" val="0"/>
-  <p:tag name="KSO_WM_UNIT_COMPATIBLE" val="0"/>
-  <p:tag name="KSO_WM_UNIT_CLEAR" val="0"/>
-  <p:tag name="KSO_WM_BEAUTIFY_FLAG" val="#wm#"/>
-</p:tagLst>
-</file>
-
-<file path=ppt/tags/tag57.xml><?xml version="1.0" encoding="utf-8"?>
+<file path=ppt/tags/tag7.xml><?xml version="1.0" encoding="utf-8"?>
 <p:tagLst xmlns:p="http://schemas.openxmlformats.org/presentationml/2006/main">
   <p:tag name="KSO_WM_TAG_VERSION" val="1.0"/>
   <p:tag name="KSO_WM_SLIDE_ITEM_CNT" val="3"/>
-  <p:tag name="KSO_WM_SLIDE_LAYOUT" val="a_h_d"/>
-  <p:tag name="KSO_WM_SLIDE_LAYOUT_CNT" val="1_1_2"/>
-  <p:tag name="KSO_WM_SLIDE_TYPE" val="text"/>
-  <p:tag name="KSO_WM_SLIDE_SUBTYPE" val="picTxt"/>
+  <p:tag name="KSO_WM_SLIDE_LAYOUT" val="a_b_f"/>
+  <p:tag name="KSO_WM_SLIDE_LAYOUT_CNT" val="1_1_1"/>
+  <p:tag name="KSO_WM_SLIDE_TYPE" val="title"/>
+  <p:tag name="KSO_WM_SLIDE_SUBTYPE" val="pureTxt"/>
   <p:tag name="KSO_WM_BEAUTIFY_FLAG" val="#wm#"/>
-  <p:tag name="KSO_WM_SLIDE_POSITION" val="89*123"/>
-  <p:tag name="KSO_WM_SLIDE_SIZE" val="781*354"/>
-  <p:tag name="KSO_WM_COMBINE_RELATE_SLIDE_ID" val="background20185110_4"/>
+  <p:tag name="KSO_WM_COMBINE_RELATE_SLIDE_ID" val="background20185110_1"/>
   <p:tag name="KSO_WM_TEMPLATE_CATEGORY" val="custom"/>
   <p:tag name="KSO_WM_TEMPLATE_INDEX" val="20189046"/>
-  <p:tag name="KSO_WM_SLIDE_ID" val="custom20189046_4"/>
-  <p:tag name="KSO_WM_SLIDE_INDEX" val="4"/>
+  <p:tag name="KSO_WM_SLIDE_ID" val="custom20189046_1"/>
+  <p:tag name="KSO_WM_SLIDE_INDEX" val="1"/>
   <p:tag name="KSO_WM_TEMPLATE_SUBCATEGORY" val="combine"/>
+  <p:tag name="KSO_WM_TEMPLATE_THUMBS_INDEX" val="1、2、3、4、5、6、7、8、9、10、"/>
 </p:tagLst>
 </file>
 
-<file path=ppt/tags/tag58.xml><?xml version="1.0" encoding="utf-8"?>
+<file path=ppt/tags/tag70.xml><?xml version="1.0" encoding="utf-8"?>
 <p:tagLst xmlns:p="http://schemas.openxmlformats.org/presentationml/2006/main">
   <p:tag name="KSO_WM_TEMPLATE_CATEGORY" val="custom"/>
   <p:tag name="KSO_WM_TEMPLATE_INDEX" val="20189046"/>
@@ -12146,7 +13669,7 @@
 </p:tagLst>
 </file>
 
-<file path=ppt/tags/tag59.xml><?xml version="1.0" encoding="utf-8"?>
+<file path=ppt/tags/tag71.xml><?xml version="1.0" encoding="utf-8"?>
 <p:tagLst xmlns:p="http://schemas.openxmlformats.org/presentationml/2006/main">
   <p:tag name="KSO_WM_TEMPLATE_CATEGORY" val="custom"/>
   <p:tag name="KSO_WM_TEMPLATE_INDEX" val="20189046"/>
@@ -12168,26 +13691,7 @@
 </p:tagLst>
 </file>
 
-<file path=ppt/tags/tag6.xml><?xml version="1.0" encoding="utf-8"?>
-<p:tagLst xmlns:p="http://schemas.openxmlformats.org/presentationml/2006/main">
-  <p:tag name="KSO_WM_TEMPLATE_CATEGORY" val="custom"/>
-  <p:tag name="KSO_WM_TEMPLATE_INDEX" val="20189046"/>
-  <p:tag name="KSO_WM_TAG_VERSION" val="1.0"/>
-  <p:tag name="KSO_WM_UNIT_TYPE" val="b"/>
-  <p:tag name="KSO_WM_UNIT_INDEX" val="1"/>
-  <p:tag name="KSO_WM_UNIT_LAYERLEVEL" val="1"/>
-  <p:tag name="KSO_WM_UNIT_VALUE" val="17"/>
-  <p:tag name="KSO_WM_UNIT_ISCONTENTSTITLE" val="0"/>
-  <p:tag name="KSO_WM_UNIT_HIGHLIGHT" val="0"/>
-  <p:tag name="KSO_WM_UNIT_COMPATIBLE" val="0"/>
-  <p:tag name="KSO_WM_UNIT_CLEAR" val="0"/>
-  <p:tag name="KSO_WM_BEAUTIFY_FLAG" val="#wm#"/>
-  <p:tag name="KSO_WM_UNIT_ID" val="custom20189046_1*b*1"/>
-  <p:tag name="KSO_WM_UNIT_PRESET_TEXT" val="我们青春不散场"/>
-</p:tagLst>
-</file>
-
-<file path=ppt/tags/tag60.xml><?xml version="1.0" encoding="utf-8"?>
+<file path=ppt/tags/tag72.xml><?xml version="1.0" encoding="utf-8"?>
 <p:tagLst xmlns:p="http://schemas.openxmlformats.org/presentationml/2006/main">
   <p:tag name="KSO_WM_TEMPLATE_CATEGORY" val="custom"/>
   <p:tag name="KSO_WM_TEMPLATE_INDEX" val="20189046"/>
@@ -12209,7 +13713,7 @@
 </p:tagLst>
 </file>
 
-<file path=ppt/tags/tag61.xml><?xml version="1.0" encoding="utf-8"?>
+<file path=ppt/tags/tag73.xml><?xml version="1.0" encoding="utf-8"?>
 <p:tagLst xmlns:p="http://schemas.openxmlformats.org/presentationml/2006/main">
   <p:tag name="KSO_WM_TEMPLATE_CATEGORY" val="custom"/>
   <p:tag name="KSO_WM_TEMPLATE_INDEX" val="20189046"/>
@@ -12231,7 +13735,7 @@
 </p:tagLst>
 </file>
 
-<file path=ppt/tags/tag62.xml><?xml version="1.0" encoding="utf-8"?>
+<file path=ppt/tags/tag74.xml><?xml version="1.0" encoding="utf-8"?>
 <p:tagLst xmlns:p="http://schemas.openxmlformats.org/presentationml/2006/main">
   <p:tag name="KSO_WM_TEMPLATE_CATEGORY" val="custom"/>
   <p:tag name="KSO_WM_TEMPLATE_INDEX" val="20189046"/>
@@ -12253,7 +13757,7 @@
 </p:tagLst>
 </file>
 
-<file path=ppt/tags/tag63.xml><?xml version="1.0" encoding="utf-8"?>
+<file path=ppt/tags/tag75.xml><?xml version="1.0" encoding="utf-8"?>
 <p:tagLst xmlns:p="http://schemas.openxmlformats.org/presentationml/2006/main">
   <p:tag name="KSO_WM_TEMPLATE_CATEGORY" val="custom"/>
   <p:tag name="KSO_WM_TEMPLATE_INDEX" val="20189046"/>
@@ -12275,7 +13779,7 @@
 </p:tagLst>
 </file>
 
-<file path=ppt/tags/tag64.xml><?xml version="1.0" encoding="utf-8"?>
+<file path=ppt/tags/tag76.xml><?xml version="1.0" encoding="utf-8"?>
 <p:tagLst xmlns:p="http://schemas.openxmlformats.org/presentationml/2006/main">
   <p:tag name="KSO_WM_TEMPLATE_CATEGORY" val="custom"/>
   <p:tag name="KSO_WM_TEMPLATE_INDEX" val="20189046"/>
@@ -12297,7 +13801,7 @@
 </p:tagLst>
 </file>
 
-<file path=ppt/tags/tag65.xml><?xml version="1.0" encoding="utf-8"?>
+<file path=ppt/tags/tag77.xml><?xml version="1.0" encoding="utf-8"?>
 <p:tagLst xmlns:p="http://schemas.openxmlformats.org/presentationml/2006/main">
   <p:tag name="KSO_WM_TEMPLATE_CATEGORY" val="custom"/>
   <p:tag name="KSO_WM_TEMPLATE_INDEX" val="20189046"/>
@@ -12319,7 +13823,7 @@
 </p:tagLst>
 </file>
 
-<file path=ppt/tags/tag66.xml><?xml version="1.0" encoding="utf-8"?>
+<file path=ppt/tags/tag78.xml><?xml version="1.0" encoding="utf-8"?>
 <p:tagLst xmlns:p="http://schemas.openxmlformats.org/presentationml/2006/main">
   <p:tag name="KSO_WM_TAG_VERSION" val="1.0"/>
   <p:tag name="KSO_WM_TEMPLATE_CATEGORY" val="custom"/>
@@ -12338,7 +13842,7 @@
 </p:tagLst>
 </file>
 
-<file path=ppt/tags/tag67.xml><?xml version="1.0" encoding="utf-8"?>
+<file path=ppt/tags/tag79.xml><?xml version="1.0" encoding="utf-8"?>
 <p:tagLst xmlns:p="http://schemas.openxmlformats.org/presentationml/2006/main">
   <p:tag name="KSO_WM_TAG_VERSION" val="1.0"/>
   <p:tag name="KSO_WM_TEMPLATE_CATEGORY" val="custom"/>
@@ -12357,7 +13861,19 @@
 </p:tagLst>
 </file>
 
-<file path=ppt/tags/tag68.xml><?xml version="1.0" encoding="utf-8"?>
+<file path=ppt/tags/tag8.xml><?xml version="1.0" encoding="utf-8"?>
+<p:tagLst xmlns:p="http://schemas.openxmlformats.org/presentationml/2006/main">
+  <p:tag name="KSO_WM_TAG_VERSION" val="1.0"/>
+  <p:tag name="KSO_WM_BEAUTIFY_FLAG" val="#wm#"/>
+  <p:tag name="KSO_WM_UNIT_TYPE" val="i"/>
+  <p:tag name="KSO_WM_UNIT_ID" val="custom20189046_3*i*0"/>
+  <p:tag name="KSO_WM_TEMPLATE_CATEGORY" val="custom"/>
+  <p:tag name="KSO_WM_TEMPLATE_INDEX" val="20189046"/>
+  <p:tag name="KSO_WM_UNIT_INDEX" val="0"/>
+</p:tagLst>
+</file>
+
+<file path=ppt/tags/tag80.xml><?xml version="1.0" encoding="utf-8"?>
 <p:tagLst xmlns:p="http://schemas.openxmlformats.org/presentationml/2006/main">
   <p:tag name="KSO_WM_TAG_VERSION" val="1.0"/>
   <p:tag name="KSO_WM_TEMPLATE_CATEGORY" val="custom"/>
@@ -12376,7 +13892,7 @@
 </p:tagLst>
 </file>
 
-<file path=ppt/tags/tag69.xml><?xml version="1.0" encoding="utf-8"?>
+<file path=ppt/tags/tag81.xml><?xml version="1.0" encoding="utf-8"?>
 <p:tagLst xmlns:p="http://schemas.openxmlformats.org/presentationml/2006/main">
   <p:tag name="KSO_WM_TAG_VERSION" val="1.0"/>
   <p:tag name="KSO_WM_TEMPLATE_CATEGORY" val="custom"/>
@@ -12395,26 +13911,7 @@
 </p:tagLst>
 </file>
 
-<file path=ppt/tags/tag7.xml><?xml version="1.0" encoding="utf-8"?>
-<p:tagLst xmlns:p="http://schemas.openxmlformats.org/presentationml/2006/main">
-  <p:tag name="KSO_WM_TAG_VERSION" val="1.0"/>
-  <p:tag name="KSO_WM_SLIDE_ITEM_CNT" val="3"/>
-  <p:tag name="KSO_WM_SLIDE_LAYOUT" val="a_b_f"/>
-  <p:tag name="KSO_WM_SLIDE_LAYOUT_CNT" val="1_1_1"/>
-  <p:tag name="KSO_WM_SLIDE_TYPE" val="title"/>
-  <p:tag name="KSO_WM_SLIDE_SUBTYPE" val="pureTxt"/>
-  <p:tag name="KSO_WM_BEAUTIFY_FLAG" val="#wm#"/>
-  <p:tag name="KSO_WM_COMBINE_RELATE_SLIDE_ID" val="background20185110_1"/>
-  <p:tag name="KSO_WM_TEMPLATE_CATEGORY" val="custom"/>
-  <p:tag name="KSO_WM_TEMPLATE_INDEX" val="20189046"/>
-  <p:tag name="KSO_WM_SLIDE_ID" val="custom20189046_1"/>
-  <p:tag name="KSO_WM_SLIDE_INDEX" val="1"/>
-  <p:tag name="KSO_WM_TEMPLATE_SUBCATEGORY" val="combine"/>
-  <p:tag name="KSO_WM_TEMPLATE_THUMBS_INDEX" val="1、2、3、4、5、6、7、8、9、10、"/>
-</p:tagLst>
-</file>
-
-<file path=ppt/tags/tag70.xml><?xml version="1.0" encoding="utf-8"?>
+<file path=ppt/tags/tag82.xml><?xml version="1.0" encoding="utf-8"?>
 <p:tagLst xmlns:p="http://schemas.openxmlformats.org/presentationml/2006/main">
   <p:tag name="KSO_WM_TAG_VERSION" val="1.0"/>
   <p:tag name="KSO_WM_TEMPLATE_CATEGORY" val="custom"/>
@@ -12433,7 +13930,7 @@
 </p:tagLst>
 </file>
 
-<file path=ppt/tags/tag71.xml><?xml version="1.0" encoding="utf-8"?>
+<file path=ppt/tags/tag83.xml><?xml version="1.0" encoding="utf-8"?>
 <p:tagLst xmlns:p="http://schemas.openxmlformats.org/presentationml/2006/main">
   <p:tag name="KSO_WM_TAG_VERSION" val="1.0"/>
   <p:tag name="KSO_WM_TEMPLATE_CATEGORY" val="custom"/>
@@ -12452,7 +13949,7 @@
 </p:tagLst>
 </file>
 
-<file path=ppt/tags/tag72.xml><?xml version="1.0" encoding="utf-8"?>
+<file path=ppt/tags/tag84.xml><?xml version="1.0" encoding="utf-8"?>
 <p:tagLst xmlns:p="http://schemas.openxmlformats.org/presentationml/2006/main">
   <p:tag name="KSO_WM_TAG_VERSION" val="1.0"/>
   <p:tag name="KSO_WM_TEMPLATE_CATEGORY" val="custom"/>
@@ -12471,7 +13968,7 @@
 </p:tagLst>
 </file>
 
-<file path=ppt/tags/tag73.xml><?xml version="1.0" encoding="utf-8"?>
+<file path=ppt/tags/tag85.xml><?xml version="1.0" encoding="utf-8"?>
 <p:tagLst xmlns:p="http://schemas.openxmlformats.org/presentationml/2006/main">
   <p:tag name="KSO_WM_TAG_VERSION" val="1.0"/>
   <p:tag name="KSO_WM_TEMPLATE_CATEGORY" val="custom"/>
@@ -12490,7 +13987,7 @@
 </p:tagLst>
 </file>
 
-<file path=ppt/tags/tag74.xml><?xml version="1.0" encoding="utf-8"?>
+<file path=ppt/tags/tag86.xml><?xml version="1.0" encoding="utf-8"?>
 <p:tagLst xmlns:p="http://schemas.openxmlformats.org/presentationml/2006/main">
   <p:tag name="KSO_WM_TAG_VERSION" val="1.0"/>
   <p:tag name="KSO_WM_SLIDE_ITEM_CNT" val="4"/>
@@ -12511,7 +14008,7 @@
 </p:tagLst>
 </file>
 
-<file path=ppt/tags/tag75.xml><?xml version="1.0" encoding="utf-8"?>
+<file path=ppt/tags/tag87.xml><?xml version="1.0" encoding="utf-8"?>
 <p:tagLst xmlns:p="http://schemas.openxmlformats.org/presentationml/2006/main">
   <p:tag name="KSO_WM_TEMPLATE_CATEGORY" val="custom"/>
   <p:tag name="KSO_WM_TEMPLATE_INDEX" val="20189046"/>
@@ -12528,7 +14025,7 @@
 </p:tagLst>
 </file>
 
-<file path=ppt/tags/tag76.xml><?xml version="1.0" encoding="utf-8"?>
+<file path=ppt/tags/tag88.xml><?xml version="1.0" encoding="utf-8"?>
 <p:tagLst xmlns:p="http://schemas.openxmlformats.org/presentationml/2006/main">
   <p:tag name="KSO_WM_TEMPLATE_CATEGORY" val="custom"/>
   <p:tag name="KSO_WM_TEMPLATE_INDEX" val="20189046"/>
@@ -12547,7 +14044,7 @@
 </p:tagLst>
 </file>
 
-<file path=ppt/tags/tag77.xml><?xml version="1.0" encoding="utf-8"?>
+<file path=ppt/tags/tag89.xml><?xml version="1.0" encoding="utf-8"?>
 <p:tagLst xmlns:p="http://schemas.openxmlformats.org/presentationml/2006/main">
   <p:tag name="KSO_WM_TEMPLATE_CATEGORY" val="custom"/>
   <p:tag name="KSO_WM_TEMPLATE_INDEX" val="20189046"/>
@@ -12566,7 +14063,19 @@
 </p:tagLst>
 </file>
 
-<file path=ppt/tags/tag78.xml><?xml version="1.0" encoding="utf-8"?>
+<file path=ppt/tags/tag9.xml><?xml version="1.0" encoding="utf-8"?>
+<p:tagLst xmlns:p="http://schemas.openxmlformats.org/presentationml/2006/main">
+  <p:tag name="KSO_WM_TAG_VERSION" val="1.0"/>
+  <p:tag name="KSO_WM_BEAUTIFY_FLAG" val="#wm#"/>
+  <p:tag name="KSO_WM_UNIT_TYPE" val="i"/>
+  <p:tag name="KSO_WM_UNIT_ID" val="custom20189046_3*i*1"/>
+  <p:tag name="KSO_WM_TEMPLATE_CATEGORY" val="custom"/>
+  <p:tag name="KSO_WM_TEMPLATE_INDEX" val="20189046"/>
+  <p:tag name="KSO_WM_UNIT_INDEX" val="1"/>
+</p:tagLst>
+</file>
+
+<file path=ppt/tags/tag90.xml><?xml version="1.0" encoding="utf-8"?>
 <p:tagLst xmlns:p="http://schemas.openxmlformats.org/presentationml/2006/main">
   <p:tag name="KSO_WM_TEMPLATE_CATEGORY" val="custom"/>
   <p:tag name="KSO_WM_TEMPLATE_INDEX" val="20189046"/>
@@ -12583,7 +14092,7 @@
 </p:tagLst>
 </file>
 
-<file path=ppt/tags/tag79.xml><?xml version="1.0" encoding="utf-8"?>
+<file path=ppt/tags/tag91.xml><?xml version="1.0" encoding="utf-8"?>
 <p:tagLst xmlns:p="http://schemas.openxmlformats.org/presentationml/2006/main">
   <p:tag name="KSO_WM_TEMPLATE_CATEGORY" val="custom"/>
   <p:tag name="KSO_WM_TEMPLATE_INDEX" val="20189046"/>
@@ -12600,19 +14109,7 @@
 </p:tagLst>
 </file>
 
-<file path=ppt/tags/tag8.xml><?xml version="1.0" encoding="utf-8"?>
-<p:tagLst xmlns:p="http://schemas.openxmlformats.org/presentationml/2006/main">
-  <p:tag name="KSO_WM_TAG_VERSION" val="1.0"/>
-  <p:tag name="KSO_WM_BEAUTIFY_FLAG" val="#wm#"/>
-  <p:tag name="KSO_WM_UNIT_TYPE" val="i"/>
-  <p:tag name="KSO_WM_UNIT_ID" val="custom20189046_3*i*0"/>
-  <p:tag name="KSO_WM_TEMPLATE_CATEGORY" val="custom"/>
-  <p:tag name="KSO_WM_TEMPLATE_INDEX" val="20189046"/>
-  <p:tag name="KSO_WM_UNIT_INDEX" val="0"/>
-</p:tagLst>
-</file>
-
-<file path=ppt/tags/tag80.xml><?xml version="1.0" encoding="utf-8"?>
+<file path=ppt/tags/tag92.xml><?xml version="1.0" encoding="utf-8"?>
 <p:tagLst xmlns:p="http://schemas.openxmlformats.org/presentationml/2006/main">
   <p:tag name="KSO_WM_TEMPLATE_CATEGORY" val="custom"/>
   <p:tag name="KSO_WM_TEMPLATE_INDEX" val="20189046"/>
@@ -12634,7 +14131,7 @@
 </p:tagLst>
 </file>
 
-<file path=ppt/tags/tag81.xml><?xml version="1.0" encoding="utf-8"?>
+<file path=ppt/tags/tag93.xml><?xml version="1.0" encoding="utf-8"?>
 <p:tagLst xmlns:p="http://schemas.openxmlformats.org/presentationml/2006/main">
   <p:tag name="KSO_WM_TEMPLATE_CATEGORY" val="custom"/>
   <p:tag name="KSO_WM_TEMPLATE_INDEX" val="20189046"/>
@@ -12656,7 +14153,7 @@
 </p:tagLst>
 </file>
 
-<file path=ppt/tags/tag82.xml><?xml version="1.0" encoding="utf-8"?>
+<file path=ppt/tags/tag94.xml><?xml version="1.0" encoding="utf-8"?>
 <p:tagLst xmlns:p="http://schemas.openxmlformats.org/presentationml/2006/main">
   <p:tag name="KSO_WM_TEMPLATE_CATEGORY" val="custom"/>
   <p:tag name="KSO_WM_TEMPLATE_INDEX" val="20189046"/>
@@ -12679,7 +14176,7 @@
 </p:tagLst>
 </file>
 
-<file path=ppt/tags/tag83.xml><?xml version="1.0" encoding="utf-8"?>
+<file path=ppt/tags/tag95.xml><?xml version="1.0" encoding="utf-8"?>
 <p:tagLst xmlns:p="http://schemas.openxmlformats.org/presentationml/2006/main">
   <p:tag name="KSO_WM_TEMPLATE_CATEGORY" val="custom"/>
   <p:tag name="KSO_WM_TEMPLATE_INDEX" val="20189046"/>
@@ -12701,7 +14198,7 @@
 </p:tagLst>
 </file>
 
-<file path=ppt/tags/tag84.xml><?xml version="1.0" encoding="utf-8"?>
+<file path=ppt/tags/tag96.xml><?xml version="1.0" encoding="utf-8"?>
 <p:tagLst xmlns:p="http://schemas.openxmlformats.org/presentationml/2006/main">
   <p:tag name="KSO_WM_TEMPLATE_CATEGORY" val="custom"/>
   <p:tag name="KSO_WM_TEMPLATE_INDEX" val="20189046"/>
@@ -12723,7 +14220,7 @@
 </p:tagLst>
 </file>
 
-<file path=ppt/tags/tag85.xml><?xml version="1.0" encoding="utf-8"?>
+<file path=ppt/tags/tag97.xml><?xml version="1.0" encoding="utf-8"?>
 <p:tagLst xmlns:p="http://schemas.openxmlformats.org/presentationml/2006/main">
   <p:tag name="KSO_WM_TAG_VERSION" val="1.0"/>
   <p:tag name="KSO_WM_TEMPLATE_CATEGORY" val="custom"/>
@@ -12742,7 +14239,7 @@
 </p:tagLst>
 </file>
 
-<file path=ppt/tags/tag86.xml><?xml version="1.0" encoding="utf-8"?>
+<file path=ppt/tags/tag98.xml><?xml version="1.0" encoding="utf-8"?>
 <p:tagLst xmlns:p="http://schemas.openxmlformats.org/presentationml/2006/main">
   <p:tag name="KSO_WM_TAG_VERSION" val="1.0"/>
   <p:tag name="KSO_WM_TEMPLATE_CATEGORY" val="custom"/>
@@ -12761,7 +14258,7 @@
 </p:tagLst>
 </file>
 
-<file path=ppt/tags/tag87.xml><?xml version="1.0" encoding="utf-8"?>
+<file path=ppt/tags/tag99.xml><?xml version="1.0" encoding="utf-8"?>
 <p:tagLst xmlns:p="http://schemas.openxmlformats.org/presentationml/2006/main">
   <p:tag name="KSO_WM_TAG_VERSION" val="1.0"/>
   <p:tag name="KSO_WM_SLIDE_ITEM_CNT" val="2"/>
@@ -12779,210 +14276,6 @@
   <p:tag name="KSO_WM_SLIDE_INDEX" val="6"/>
   <p:tag name="KSO_WM_DIAGRAM_GROUP_CODE" val="m1-1"/>
   <p:tag name="KSO_WM_TEMPLATE_SUBCATEGORY" val="combine"/>
-</p:tagLst>
-</file>
-
-<file path=ppt/tags/tag88.xml><?xml version="1.0" encoding="utf-8"?>
-<p:tagLst xmlns:p="http://schemas.openxmlformats.org/presentationml/2006/main">
-  <p:tag name="KSO_WM_TAG_VERSION" val="1.0"/>
-  <p:tag name="KSO_WM_BEAUTIFY_FLAG" val="#wm#"/>
-  <p:tag name="KSO_WM_UNIT_TYPE" val="i"/>
-  <p:tag name="KSO_WM_UNIT_ID" val="custom20189046_7*i*0"/>
-  <p:tag name="KSO_WM_TEMPLATE_CATEGORY" val="custom"/>
-  <p:tag name="KSO_WM_TEMPLATE_INDEX" val="20189046"/>
-  <p:tag name="KSO_WM_UNIT_INDEX" val="0"/>
-</p:tagLst>
-</file>
-
-<file path=ppt/tags/tag89.xml><?xml version="1.0" encoding="utf-8"?>
-<p:tagLst xmlns:p="http://schemas.openxmlformats.org/presentationml/2006/main">
-  <p:tag name="KSO_WM_TAG_VERSION" val="1.0"/>
-  <p:tag name="KSO_WM_BEAUTIFY_FLAG" val="#wm#"/>
-  <p:tag name="KSO_WM_UNIT_TYPE" val="i"/>
-  <p:tag name="KSO_WM_UNIT_ID" val="custom20189046_7*i*4"/>
-  <p:tag name="KSO_WM_TEMPLATE_CATEGORY" val="custom"/>
-  <p:tag name="KSO_WM_TEMPLATE_INDEX" val="20189046"/>
-  <p:tag name="KSO_WM_UNIT_INDEX" val="4"/>
-</p:tagLst>
-</file>
-
-<file path=ppt/tags/tag9.xml><?xml version="1.0" encoding="utf-8"?>
-<p:tagLst xmlns:p="http://schemas.openxmlformats.org/presentationml/2006/main">
-  <p:tag name="KSO_WM_TAG_VERSION" val="1.0"/>
-  <p:tag name="KSO_WM_BEAUTIFY_FLAG" val="#wm#"/>
-  <p:tag name="KSO_WM_UNIT_TYPE" val="i"/>
-  <p:tag name="KSO_WM_UNIT_ID" val="custom20189046_3*i*1"/>
-  <p:tag name="KSO_WM_TEMPLATE_CATEGORY" val="custom"/>
-  <p:tag name="KSO_WM_TEMPLATE_INDEX" val="20189046"/>
-  <p:tag name="KSO_WM_UNIT_INDEX" val="1"/>
-</p:tagLst>
-</file>
-
-<file path=ppt/tags/tag90.xml><?xml version="1.0" encoding="utf-8"?>
-<p:tagLst xmlns:p="http://schemas.openxmlformats.org/presentationml/2006/main">
-  <p:tag name="KSO_WM_TAG_VERSION" val="1.0"/>
-  <p:tag name="KSO_WM_BEAUTIFY_FLAG" val="#wm#"/>
-  <p:tag name="KSO_WM_UNIT_TYPE" val="i"/>
-  <p:tag name="KSO_WM_UNIT_ID" val="custom20189046_7*i*5"/>
-  <p:tag name="KSO_WM_TEMPLATE_CATEGORY" val="custom"/>
-  <p:tag name="KSO_WM_TEMPLATE_INDEX" val="20189046"/>
-  <p:tag name="KSO_WM_UNIT_INDEX" val="5"/>
-</p:tagLst>
-</file>
-
-<file path=ppt/tags/tag91.xml><?xml version="1.0" encoding="utf-8"?>
-<p:tagLst xmlns:p="http://schemas.openxmlformats.org/presentationml/2006/main">
-  <p:tag name="KSO_WM_TAG_VERSION" val="1.0"/>
-  <p:tag name="KSO_WM_BEAUTIFY_FLAG" val="#wm#"/>
-  <p:tag name="KSO_WM_UNIT_TYPE" val="i"/>
-  <p:tag name="KSO_WM_UNIT_ID" val="custom20189046_7*i*6"/>
-  <p:tag name="KSO_WM_TEMPLATE_CATEGORY" val="custom"/>
-  <p:tag name="KSO_WM_TEMPLATE_INDEX" val="20189046"/>
-  <p:tag name="KSO_WM_UNIT_INDEX" val="6"/>
-</p:tagLst>
-</file>
-
-<file path=ppt/tags/tag92.xml><?xml version="1.0" encoding="utf-8"?>
-<p:tagLst xmlns:p="http://schemas.openxmlformats.org/presentationml/2006/main">
-  <p:tag name="KSO_WM_TEMPLATE_CATEGORY" val="custom"/>
-  <p:tag name="KSO_WM_TEMPLATE_INDEX" val="20189046"/>
-  <p:tag name="KSO_WM_TAG_VERSION" val="1.0"/>
-  <p:tag name="KSO_WM_UNIT_TYPE" val="a"/>
-  <p:tag name="KSO_WM_UNIT_INDEX" val="1"/>
-  <p:tag name="KSO_WM_UNIT_LAYERLEVEL" val="1"/>
-  <p:tag name="KSO_WM_UNIT_VALUE" val="17"/>
-  <p:tag name="KSO_WM_UNIT_ISCONTENTSTITLE" val="0"/>
-  <p:tag name="KSO_WM_UNIT_HIGHLIGHT" val="0"/>
-  <p:tag name="KSO_WM_UNIT_COMPATIBLE" val="0"/>
-  <p:tag name="KSO_WM_UNIT_CLEAR" val="0"/>
-  <p:tag name="KSO_WM_BEAUTIFY_FLAG" val="#wm#"/>
-  <p:tag name="KSO_WM_UNIT_ID" val="custom20189046_7*a*1"/>
-  <p:tag name="KSO_WM_UNIT_PRESET_TEXT" val="Lorem Ipsum Dolor"/>
-</p:tagLst>
-</file>
-
-<file path=ppt/tags/tag93.xml><?xml version="1.0" encoding="utf-8"?>
-<p:tagLst xmlns:p="http://schemas.openxmlformats.org/presentationml/2006/main">
-  <p:tag name="KSO_WM_TEMPLATE_CATEGORY" val="custom"/>
-  <p:tag name="KSO_WM_TEMPLATE_INDEX" val="20189046"/>
-  <p:tag name="KSO_WM_TAG_VERSION" val="1.0"/>
-  <p:tag name="KSO_WM_UNIT_TYPE" val="b"/>
-  <p:tag name="KSO_WM_UNIT_INDEX" val="1"/>
-  <p:tag name="KSO_WM_UNIT_LAYERLEVEL" val="1"/>
-  <p:tag name="KSO_WM_UNIT_VALUE" val="24"/>
-  <p:tag name="KSO_WM_UNIT_ISCONTENTSTITLE" val="0"/>
-  <p:tag name="KSO_WM_UNIT_HIGHLIGHT" val="0"/>
-  <p:tag name="KSO_WM_UNIT_COMPATIBLE" val="0"/>
-  <p:tag name="KSO_WM_UNIT_CLEAR" val="0"/>
-  <p:tag name="KSO_WM_BEAUTIFY_FLAG" val="#wm#"/>
-  <p:tag name="KSO_WM_UNIT_ID" val="custom20189046_7*b*1"/>
-  <p:tag name="KSO_WM_UNIT_PRESET_TEXT" val="Lorem ipsum dolor sit amet, consectetur adipisicing elit,"/>
-</p:tagLst>
-</file>
-
-<file path=ppt/tags/tag94.xml><?xml version="1.0" encoding="utf-8"?>
-<p:tagLst xmlns:p="http://schemas.openxmlformats.org/presentationml/2006/main">
-  <p:tag name="KSO_WM_TEMPLATE_CATEGORY" val="custom"/>
-  <p:tag name="KSO_WM_TEMPLATE_INDEX" val="20189046"/>
-  <p:tag name="KSO_WM_TAG_VERSION" val="1.0"/>
-  <p:tag name="KSO_WM_UNIT_TYPE" val="f"/>
-  <p:tag name="KSO_WM_UNIT_INDEX" val="1"/>
-  <p:tag name="KSO_WM_UNIT_LAYERLEVEL" val="1"/>
-  <p:tag name="KSO_WM_UNIT_VALUE" val="85"/>
-  <p:tag name="KSO_WM_UNIT_HIGHLIGHT" val="0"/>
-  <p:tag name="KSO_WM_UNIT_COMPATIBLE" val="0"/>
-  <p:tag name="KSO_WM_UNIT_CLEAR" val="0"/>
-  <p:tag name="KSO_WM_BEAUTIFY_FLAG" val="#wm#"/>
-  <p:tag name="KSO_WM_UNIT_ID" val="custom20189046_7*f*1"/>
-  <p:tag name="KSO_WM_UNIT_PRESET_TEXT" val="Lorem ipsum dolor sit amet, consectetur adipisicing elit.Lorem ipsum dolor sit amet, consectetur adipisicing elit. Lorem ipsum dolor sit amet, consectetur adipisicing elit."/>
-</p:tagLst>
-</file>
-
-<file path=ppt/tags/tag95.xml><?xml version="1.0" encoding="utf-8"?>
-<p:tagLst xmlns:p="http://schemas.openxmlformats.org/presentationml/2006/main">
-  <p:tag name="KSO_WM_TAG_VERSION" val="1.0"/>
-  <p:tag name="KSO_WM_TEMPLATE_CATEGORY" val="custom"/>
-  <p:tag name="KSO_WM_TEMPLATE_INDEX" val="20189046"/>
-  <p:tag name="KSO_WM_UNIT_TYPE" val="d"/>
-  <p:tag name="KSO_WM_UNIT_INDEX" val="1"/>
-  <p:tag name="KSO_WM_UNIT_ID" val="custom20189046_7*d*1"/>
-  <p:tag name="KSO_WM_UNIT_LAYERLEVEL" val="1"/>
-  <p:tag name="KSO_WM_UNIT_VALUE" val="1904*946"/>
-  <p:tag name="KSO_WM_UNIT_HIGHLIGHT" val="0"/>
-  <p:tag name="KSO_WM_UNIT_COMPATIBLE" val="0"/>
-  <p:tag name="KSO_WM_UNIT_CLEAR" val="0"/>
-  <p:tag name="KSO_WM_BEAUTIFY_FLAG" val="#wm#"/>
-</p:tagLst>
-</file>
-
-<file path=ppt/tags/tag96.xml><?xml version="1.0" encoding="utf-8"?>
-<p:tagLst xmlns:p="http://schemas.openxmlformats.org/presentationml/2006/main">
-  <p:tag name="KSO_WM_TAG_VERSION" val="1.0"/>
-  <p:tag name="KSO_WM_TEMPLATE_CATEGORY" val="custom"/>
-  <p:tag name="KSO_WM_TEMPLATE_INDEX" val="20189046"/>
-  <p:tag name="KSO_WM_UNIT_TYPE" val="d"/>
-  <p:tag name="KSO_WM_UNIT_INDEX" val="2"/>
-  <p:tag name="KSO_WM_UNIT_ID" val="custom20189046_7*d*2"/>
-  <p:tag name="KSO_WM_UNIT_LAYERLEVEL" val="1"/>
-  <p:tag name="KSO_WM_UNIT_VALUE" val="1904*946"/>
-  <p:tag name="KSO_WM_UNIT_HIGHLIGHT" val="0"/>
-  <p:tag name="KSO_WM_UNIT_COMPATIBLE" val="0"/>
-  <p:tag name="KSO_WM_UNIT_CLEAR" val="0"/>
-  <p:tag name="KSO_WM_BEAUTIFY_FLAG" val="#wm#"/>
-</p:tagLst>
-</file>
-
-<file path=ppt/tags/tag97.xml><?xml version="1.0" encoding="utf-8"?>
-<p:tagLst xmlns:p="http://schemas.openxmlformats.org/presentationml/2006/main">
-  <p:tag name="KSO_WM_TAG_VERSION" val="1.0"/>
-  <p:tag name="KSO_WM_SLIDE_ITEM_CNT" val="3"/>
-  <p:tag name="KSO_WM_SLIDE_LAYOUT" val="a_b_f_d"/>
-  <p:tag name="KSO_WM_SLIDE_LAYOUT_CNT" val="1_1_1_2"/>
-  <p:tag name="KSO_WM_SLIDE_TYPE" val="text"/>
-  <p:tag name="KSO_WM_SLIDE_SUBTYPE" val="picTxt"/>
-  <p:tag name="KSO_WM_BEAUTIFY_FLAG" val="#wm#"/>
-  <p:tag name="KSO_WM_SLIDE_POSITION" val="-1*0"/>
-  <p:tag name="KSO_WM_SLIDE_SIZE" val="960*540"/>
-  <p:tag name="KSO_WM_COMBINE_RELATE_SLIDE_ID" val="background20185110_7"/>
-  <p:tag name="KSO_WM_TEMPLATE_CATEGORY" val="custom"/>
-  <p:tag name="KSO_WM_TEMPLATE_INDEX" val="20189046"/>
-  <p:tag name="KSO_WM_SLIDE_ID" val="custom20189046_7"/>
-  <p:tag name="KSO_WM_SLIDE_INDEX" val="7"/>
-  <p:tag name="KSO_WM_TEMPLATE_SUBCATEGORY" val="combine"/>
-</p:tagLst>
-</file>
-
-<file path=ppt/tags/tag98.xml><?xml version="1.0" encoding="utf-8"?>
-<p:tagLst xmlns:p="http://schemas.openxmlformats.org/presentationml/2006/main">
-  <p:tag name="KSO_WM_TAG_VERSION" val="1.0"/>
-  <p:tag name="KSO_WM_TEMPLATE_CATEGORY" val="custom"/>
-  <p:tag name="KSO_WM_TEMPLATE_INDEX" val="20189046"/>
-  <p:tag name="KSO_WM_UNIT_TYPE" val="d"/>
-  <p:tag name="KSO_WM_UNIT_INDEX" val="4"/>
-  <p:tag name="KSO_WM_UNIT_ID" val="custom20189046_8*d*4"/>
-  <p:tag name="KSO_WM_UNIT_LAYERLEVEL" val="1"/>
-  <p:tag name="KSO_WM_UNIT_VALUE" val="798*1473"/>
-  <p:tag name="KSO_WM_UNIT_HIGHLIGHT" val="0"/>
-  <p:tag name="KSO_WM_UNIT_COMPATIBLE" val="0"/>
-  <p:tag name="KSO_WM_UNIT_CLEAR" val="0"/>
-  <p:tag name="KSO_WM_BEAUTIFY_FLAG" val="#wm#"/>
-</p:tagLst>
-</file>
-
-<file path=ppt/tags/tag99.xml><?xml version="1.0" encoding="utf-8"?>
-<p:tagLst xmlns:p="http://schemas.openxmlformats.org/presentationml/2006/main">
-  <p:tag name="KSO_WM_TAG_VERSION" val="1.0"/>
-  <p:tag name="KSO_WM_TEMPLATE_CATEGORY" val="custom"/>
-  <p:tag name="KSO_WM_TEMPLATE_INDEX" val="20189046"/>
-  <p:tag name="KSO_WM_UNIT_TYPE" val="d"/>
-  <p:tag name="KSO_WM_UNIT_INDEX" val="5"/>
-  <p:tag name="KSO_WM_UNIT_ID" val="custom20189046_8*d*5"/>
-  <p:tag name="KSO_WM_UNIT_LAYERLEVEL" val="1"/>
-  <p:tag name="KSO_WM_UNIT_VALUE" val="798*1451"/>
-  <p:tag name="KSO_WM_UNIT_HIGHLIGHT" val="0"/>
-  <p:tag name="KSO_WM_UNIT_COMPATIBLE" val="0"/>
-  <p:tag name="KSO_WM_UNIT_CLEAR" val="0"/>
-  <p:tag name="KSO_WM_BEAUTIFY_FLAG" val="#wm#"/>
 </p:tagLst>
 </file>
 
